--- a/Lecture PPTs - Students/37 Ch6.3 BusCase for RMP v20201013 SV.pptx
+++ b/Lecture PPTs - Students/37 Ch6.3 BusCase for RMP v20201013 SV.pptx
@@ -338,7 +338,7 @@
               <a:pPr>
                 <a:defRPr/>
               </a:pPr>
-              <a:t>10/13/2021</a:t>
+              <a:t>6/7/2022</a:t>
             </a:fld>
             <a:endParaRPr lang="en-US"/>
           </a:p>
@@ -561,7 +561,7 @@
               <a:pPr>
                 <a:defRPr/>
               </a:pPr>
-              <a:t>10/13/2021</a:t>
+              <a:t>6/7/2022</a:t>
             </a:fld>
             <a:endParaRPr lang="en-US"/>
           </a:p>
@@ -1223,7 +1223,7 @@
           <a:lstStyle/>
           <a:p>
             <a:pPr eaLnBrk="1" hangingPunct="1"/>
-            <a:endParaRPr lang="en-US" altLang="en-US" smtClean="0">
+            <a:endParaRPr lang="en-US" altLang="en-US">
               <a:latin typeface="Arial" panose="020B0604020202020204" pitchFamily="34" charset="0"/>
               <a:cs typeface="Arial" panose="020B0604020202020204" pitchFamily="34" charset="0"/>
             </a:endParaRPr>
@@ -1479,7 +1479,7 @@
           <a:lstStyle/>
           <a:p>
             <a:pPr eaLnBrk="1" hangingPunct="1"/>
-            <a:endParaRPr lang="en-US" altLang="en-US" smtClean="0">
+            <a:endParaRPr lang="en-US" altLang="en-US">
               <a:latin typeface="Arial" panose="020B0604020202020204" pitchFamily="34" charset="0"/>
               <a:cs typeface="Arial" panose="020B0604020202020204" pitchFamily="34" charset="0"/>
             </a:endParaRPr>
@@ -1735,7 +1735,7 @@
           <a:lstStyle/>
           <a:p>
             <a:pPr eaLnBrk="1" hangingPunct="1"/>
-            <a:endParaRPr lang="en-US" altLang="en-US" smtClean="0">
+            <a:endParaRPr lang="en-US" altLang="en-US">
               <a:latin typeface="Arial" panose="020B0604020202020204" pitchFamily="34" charset="0"/>
               <a:cs typeface="Arial" panose="020B0604020202020204" pitchFamily="34" charset="0"/>
             </a:endParaRPr>
@@ -1991,7 +1991,7 @@
           <a:lstStyle/>
           <a:p>
             <a:pPr eaLnBrk="1" hangingPunct="1"/>
-            <a:endParaRPr lang="en-US" altLang="en-US" smtClean="0">
+            <a:endParaRPr lang="en-US" altLang="en-US">
               <a:latin typeface="Arial" panose="020B0604020202020204" pitchFamily="34" charset="0"/>
               <a:cs typeface="Arial" panose="020B0604020202020204" pitchFamily="34" charset="0"/>
             </a:endParaRPr>
@@ -2247,7 +2247,7 @@
           <a:lstStyle/>
           <a:p>
             <a:pPr eaLnBrk="1" hangingPunct="1"/>
-            <a:endParaRPr lang="en-US" altLang="en-US" smtClean="0">
+            <a:endParaRPr lang="en-US" altLang="en-US">
               <a:latin typeface="Arial" panose="020B0604020202020204" pitchFamily="34" charset="0"/>
               <a:cs typeface="Arial" panose="020B0604020202020204" pitchFamily="34" charset="0"/>
             </a:endParaRPr>
@@ -2503,7 +2503,7 @@
           <a:lstStyle/>
           <a:p>
             <a:pPr eaLnBrk="1" hangingPunct="1"/>
-            <a:endParaRPr lang="en-US" altLang="en-US" smtClean="0">
+            <a:endParaRPr lang="en-US" altLang="en-US">
               <a:latin typeface="Arial" panose="020B0604020202020204" pitchFamily="34" charset="0"/>
               <a:cs typeface="Arial" panose="020B0604020202020204" pitchFamily="34" charset="0"/>
             </a:endParaRPr>
@@ -3119,7 +3119,7 @@
           <a:lstStyle/>
           <a:p>
             <a:pPr eaLnBrk="1" hangingPunct="1"/>
-            <a:endParaRPr lang="en-US" altLang="en-US" smtClean="0"/>
+            <a:endParaRPr lang="en-US" altLang="en-US"/>
           </a:p>
         </p:txBody>
       </p:sp>
@@ -3372,7 +3372,7 @@
           <a:lstStyle/>
           <a:p>
             <a:pPr eaLnBrk="1" hangingPunct="1"/>
-            <a:endParaRPr lang="en-US" altLang="en-US" smtClean="0">
+            <a:endParaRPr lang="en-US" altLang="en-US">
               <a:latin typeface="Arial" panose="020B0604020202020204" pitchFamily="34" charset="0"/>
               <a:cs typeface="Arial" panose="020B0604020202020204" pitchFamily="34" charset="0"/>
             </a:endParaRPr>
@@ -3628,7 +3628,7 @@
           <a:lstStyle/>
           <a:p>
             <a:pPr eaLnBrk="1" hangingPunct="1"/>
-            <a:endParaRPr lang="en-US" altLang="en-US" smtClean="0">
+            <a:endParaRPr lang="en-US" altLang="en-US">
               <a:latin typeface="Arial" panose="020B0604020202020204" pitchFamily="34" charset="0"/>
               <a:cs typeface="Arial" panose="020B0604020202020204" pitchFamily="34" charset="0"/>
             </a:endParaRPr>
@@ -3884,7 +3884,7 @@
           <a:lstStyle/>
           <a:p>
             <a:pPr eaLnBrk="1" hangingPunct="1"/>
-            <a:endParaRPr lang="en-US" altLang="en-US" smtClean="0">
+            <a:endParaRPr lang="en-US" altLang="en-US">
               <a:latin typeface="Arial" panose="020B0604020202020204" pitchFamily="34" charset="0"/>
               <a:cs typeface="Arial" panose="020B0604020202020204" pitchFamily="34" charset="0"/>
             </a:endParaRPr>
@@ -4140,7 +4140,7 @@
           <a:lstStyle/>
           <a:p>
             <a:pPr eaLnBrk="1" hangingPunct="1"/>
-            <a:endParaRPr lang="en-US" altLang="en-US" smtClean="0">
+            <a:endParaRPr lang="en-US" altLang="en-US">
               <a:latin typeface="Arial" panose="020B0604020202020204" pitchFamily="34" charset="0"/>
               <a:cs typeface="Arial" panose="020B0604020202020204" pitchFamily="34" charset="0"/>
             </a:endParaRPr>
@@ -4396,7 +4396,7 @@
           <a:lstStyle/>
           <a:p>
             <a:pPr eaLnBrk="1" hangingPunct="1"/>
-            <a:endParaRPr lang="en-US" altLang="en-US" smtClean="0">
+            <a:endParaRPr lang="en-US" altLang="en-US">
               <a:latin typeface="Arial" panose="020B0604020202020204" pitchFamily="34" charset="0"/>
               <a:cs typeface="Arial" panose="020B0604020202020204" pitchFamily="34" charset="0"/>
             </a:endParaRPr>
@@ -5092,7 +5092,7 @@
           <a:bodyPr/>
           <a:lstStyle/>
           <a:p>
-            <a:endParaRPr lang="en-US" altLang="en-US" dirty="0" smtClean="0">
+            <a:endParaRPr lang="en-US" altLang="en-US" dirty="0">
               <a:ea typeface="ＭＳ Ｐゴシック" panose="020B0600070205080204" pitchFamily="34" charset="-128"/>
             </a:endParaRPr>
           </a:p>
@@ -5347,7 +5347,7 @@
           <a:lstStyle/>
           <a:p>
             <a:pPr eaLnBrk="1" hangingPunct="1"/>
-            <a:endParaRPr lang="en-US" altLang="en-US" smtClean="0">
+            <a:endParaRPr lang="en-US" altLang="en-US">
               <a:latin typeface="Arial" panose="020B0604020202020204" pitchFamily="34" charset="0"/>
               <a:cs typeface="Arial" panose="020B0604020202020204" pitchFamily="34" charset="0"/>
             </a:endParaRPr>
@@ -5861,7 +5861,7 @@
               <a:pPr>
                 <a:defRPr/>
               </a:pPr>
-              <a:t>10/13/2021</a:t>
+              <a:t>6/7/2022</a:t>
             </a:fld>
             <a:endParaRPr lang="en-US"/>
           </a:p>
@@ -6794,7 +6794,7 @@
           <a:p>
             <a:pPr eaLnBrk="1" hangingPunct="1"/>
             <a:r>
-              <a:rPr lang="en-CA" altLang="en-US" i="1" kern="0" dirty="0" smtClean="0">
+              <a:rPr lang="en-CA" altLang="en-US" i="1" kern="0" dirty="0">
                 <a:solidFill>
                   <a:srgbClr val="000099"/>
                 </a:solidFill>
@@ -6803,7 +6803,7 @@
               <a:t>On Becoming a Leader </a:t>
             </a:r>
             <a:br>
-              <a:rPr lang="en-CA" altLang="en-US" i="1" kern="0" dirty="0" smtClean="0">
+              <a:rPr lang="en-CA" altLang="en-US" i="1" kern="0" dirty="0">
                 <a:solidFill>
                   <a:srgbClr val="000099"/>
                 </a:solidFill>
@@ -6811,7 +6811,7 @@
               </a:rPr>
             </a:br>
             <a:r>
-              <a:rPr lang="en-CA" altLang="en-US" i="1" kern="0" dirty="0" smtClean="0">
+              <a:rPr lang="en-CA" altLang="en-US" i="1" kern="0" dirty="0">
                 <a:solidFill>
                   <a:srgbClr val="000099"/>
                 </a:solidFill>
@@ -6885,7 +6885,7 @@
               <a:buNone/>
             </a:pPr>
             <a:r>
-              <a:rPr lang="en-US" altLang="en-US" sz="3200" b="1" dirty="0" smtClean="0">
+              <a:rPr lang="en-US" altLang="en-US" sz="3200" b="1" dirty="0">
                 <a:solidFill>
                   <a:schemeClr val="tx2"/>
                 </a:solidFill>
@@ -6893,18 +6893,7 @@
                 <a:ea typeface="ＭＳ Ｐゴシック" panose="020B0600070205080204" pitchFamily="34" charset="-128"/>
                 <a:cs typeface="Arial" panose="020B0604020202020204" pitchFamily="34" charset="0"/>
               </a:rPr>
-              <a:t>ENGG404 - </a:t>
-            </a:r>
-            <a:r>
-              <a:rPr lang="en-US" altLang="en-US" sz="3200" b="1" dirty="0">
-                <a:solidFill>
-                  <a:schemeClr val="tx2"/>
-                </a:solidFill>
-                <a:latin typeface="Arial" panose="020B0604020202020204" pitchFamily="34" charset="0"/>
-                <a:ea typeface="ＭＳ Ｐゴシック" panose="020B0600070205080204" pitchFamily="34" charset="-128"/>
-                <a:cs typeface="Arial" panose="020B0604020202020204" pitchFamily="34" charset="0"/>
-              </a:rPr>
-              <a:t>Lecture</a:t>
+              <a:t>ENGG404 - Lecture</a:t>
             </a:r>
           </a:p>
           <a:p>
@@ -6965,27 +6954,8 @@
                 <a:ea typeface="ＭＳ Ｐゴシック" panose="020B0600070205080204" pitchFamily="34" charset="-128"/>
                 <a:cs typeface="Arial" panose="020B0604020202020204" pitchFamily="34" charset="0"/>
               </a:rPr>
-              <a:t>for a Risk Management </a:t>
+              <a:t>for a Risk Management Program</a:t>
             </a:r>
-            <a:r>
-              <a:rPr lang="en-US" altLang="en-US" sz="3200" b="1" dirty="0" smtClean="0">
-                <a:solidFill>
-                  <a:schemeClr val="tx2"/>
-                </a:solidFill>
-                <a:latin typeface="Arial" panose="020B0604020202020204" pitchFamily="34" charset="0"/>
-                <a:ea typeface="ＭＳ Ｐゴシック" panose="020B0600070205080204" pitchFamily="34" charset="-128"/>
-                <a:cs typeface="Arial" panose="020B0604020202020204" pitchFamily="34" charset="0"/>
-              </a:rPr>
-              <a:t>Program</a:t>
-            </a:r>
-            <a:endParaRPr lang="en-US" altLang="en-US" sz="3200" b="1" dirty="0">
-              <a:solidFill>
-                <a:schemeClr val="tx2"/>
-              </a:solidFill>
-              <a:latin typeface="Arial" panose="020B0604020202020204" pitchFamily="34" charset="0"/>
-              <a:ea typeface="ＭＳ Ｐゴシック" panose="020B0600070205080204" pitchFamily="34" charset="-128"/>
-              <a:cs typeface="Arial" panose="020B0604020202020204" pitchFamily="34" charset="0"/>
-            </a:endParaRPr>
           </a:p>
         </p:txBody>
       </p:sp>
@@ -7841,13 +7811,6 @@
   <p:clrMapOvr>
     <a:masterClrMapping/>
   </p:clrMapOvr>
-  <p:timing>
-    <p:tnLst>
-      <p:par>
-        <p:cTn id="1" dur="indefinite" restart="never" nodeType="tmRoot"/>
-      </p:par>
-    </p:tnLst>
-  </p:timing>
 </p:sld>
 </file>
 
@@ -8095,7 +8058,7 @@
               <a:buChar char="Ø"/>
             </a:pPr>
             <a:r>
-              <a:rPr lang="en-US" altLang="en-US" b="0" dirty="0" smtClean="0">
+              <a:rPr lang="en-US" altLang="en-US" b="0" dirty="0">
                 <a:solidFill>
                   <a:srgbClr val="000000"/>
                 </a:solidFill>
@@ -8121,7 +8084,7 @@
               <a:buFont typeface="Wingdings" panose="05000000000000000000" pitchFamily="2" charset="2"/>
               <a:buChar char="Ø"/>
             </a:pPr>
-            <a:endParaRPr lang="en-US" altLang="en-US" b="0" dirty="0" smtClean="0">
+            <a:endParaRPr lang="en-US" altLang="en-US" b="0" dirty="0">
               <a:solidFill>
                 <a:srgbClr val="000000"/>
               </a:solidFill>
@@ -8146,7 +8109,7 @@
               <a:buChar char="Ø"/>
             </a:pPr>
             <a:r>
-              <a:rPr lang="en-US" altLang="en-US" b="0" dirty="0" smtClean="0">
+              <a:rPr lang="en-US" altLang="en-US" b="0" dirty="0">
                 <a:solidFill>
                   <a:srgbClr val="000000"/>
                 </a:solidFill>
@@ -8154,18 +8117,7 @@
                 <a:ea typeface="ＭＳ Ｐゴシック" panose="020B0600070205080204" pitchFamily="34" charset="-128"/>
                 <a:cs typeface="Arial" panose="020B0604020202020204" pitchFamily="34" charset="0"/>
               </a:rPr>
-              <a:t>This </a:t>
-            </a:r>
-            <a:r>
-              <a:rPr lang="en-US" altLang="en-US" b="0" dirty="0">
-                <a:solidFill>
-                  <a:srgbClr val="000000"/>
-                </a:solidFill>
-                <a:latin typeface="Arial" panose="020B0604020202020204" pitchFamily="34" charset="0"/>
-                <a:ea typeface="ＭＳ Ｐゴシック" panose="020B0600070205080204" pitchFamily="34" charset="-128"/>
-                <a:cs typeface="Arial" panose="020B0604020202020204" pitchFamily="34" charset="0"/>
-              </a:rPr>
-              <a:t>is an empirical approach based on the </a:t>
+              <a:t>This is an empirical approach based on the </a:t>
             </a:r>
             <a:r>
               <a:rPr lang="en-US" altLang="en-US" b="0" dirty="0" err="1">
@@ -8187,29 +8139,7 @@
                 <a:ea typeface="ＭＳ Ｐゴシック" panose="020B0600070205080204" pitchFamily="34" charset="-128"/>
                 <a:cs typeface="Arial" panose="020B0604020202020204" pitchFamily="34" charset="0"/>
               </a:rPr>
-              <a:t> </a:t>
-            </a:r>
-            <a:r>
-              <a:rPr lang="en-US" altLang="en-US" b="0" dirty="0" smtClean="0">
-                <a:solidFill>
-                  <a:srgbClr val="000000"/>
-                </a:solidFill>
-                <a:latin typeface="Arial" panose="020B0604020202020204" pitchFamily="34" charset="0"/>
-                <a:ea typeface="ＭＳ Ｐゴシック" panose="020B0600070205080204" pitchFamily="34" charset="-128"/>
-                <a:cs typeface="Arial" panose="020B0604020202020204" pitchFamily="34" charset="0"/>
-              </a:rPr>
-              <a:t>Ratios</a:t>
-            </a:r>
-            <a:r>
-              <a:rPr lang="en-US" altLang="en-US" b="0" dirty="0">
-                <a:solidFill>
-                  <a:srgbClr val="000000"/>
-                </a:solidFill>
-                <a:latin typeface="Arial" panose="020B0604020202020204" pitchFamily="34" charset="0"/>
-                <a:ea typeface="ＭＳ Ｐゴシック" panose="020B0600070205080204" pitchFamily="34" charset="-128"/>
-                <a:cs typeface="Arial" panose="020B0604020202020204" pitchFamily="34" charset="0"/>
-              </a:rPr>
-              <a:t>.</a:t>
+              <a:t> Ratios.</a:t>
             </a:r>
             <a:br>
               <a:rPr lang="en-US" altLang="en-US" b="0" dirty="0">
@@ -8981,51 +8911,7 @@
                 <a:cs typeface="Arial" panose="020B0604020202020204" pitchFamily="34" charset="0"/>
                 <a:sym typeface="Times New Roman"/>
               </a:rPr>
-              <a:t>Chapter </a:t>
-            </a:r>
-            <a:r>
-              <a:rPr lang="en-US" sz="1200" i="1" kern="0" dirty="0" smtClean="0">
-                <a:solidFill>
-                  <a:srgbClr val="000000"/>
-                </a:solidFill>
-                <a:ea typeface="Times New Roman"/>
-                <a:cs typeface="Arial" panose="020B0604020202020204" pitchFamily="34" charset="0"/>
-                <a:sym typeface="Times New Roman"/>
-              </a:rPr>
-              <a:t>6.3: The </a:t>
-            </a:r>
-            <a:r>
-              <a:rPr lang="en-US" sz="1200" i="1" kern="0" dirty="0">
-                <a:solidFill>
-                  <a:srgbClr val="000000"/>
-                </a:solidFill>
-                <a:ea typeface="Times New Roman"/>
-                <a:cs typeface="Arial" panose="020B0604020202020204" pitchFamily="34" charset="0"/>
-                <a:sym typeface="Times New Roman"/>
-              </a:rPr>
-              <a:t>Business Case </a:t>
-            </a:r>
-            <a:r>
-              <a:rPr lang="en-US" sz="1200" i="1" kern="0" dirty="0" smtClean="0">
-                <a:solidFill>
-                  <a:srgbClr val="000000"/>
-                </a:solidFill>
-                <a:ea typeface="Times New Roman"/>
-                <a:cs typeface="Arial" panose="020B0604020202020204" pitchFamily="34" charset="0"/>
-                <a:sym typeface="Times New Roman"/>
-              </a:rPr>
-              <a:t>for </a:t>
-            </a:r>
-            <a:r>
-              <a:rPr lang="en-US" sz="1200" i="1" kern="0" dirty="0">
-                <a:solidFill>
-                  <a:srgbClr val="000000"/>
-                </a:solidFill>
-                <a:ea typeface="Times New Roman"/>
-                <a:cs typeface="Arial" panose="020B0604020202020204" pitchFamily="34" charset="0"/>
-                <a:sym typeface="Times New Roman"/>
-              </a:rPr>
-              <a:t>a Risk Management Program </a:t>
+              <a:t>Chapter 6.3: The Business Case for a Risk Management Program </a:t>
             </a:r>
           </a:p>
         </p:txBody>
@@ -9043,13 +8929,6 @@
   <p:transition>
     <p:fade/>
   </p:transition>
-  <p:timing>
-    <p:tnLst>
-      <p:par>
-        <p:cTn id="1" dur="indefinite" restart="never" nodeType="tmRoot"/>
-      </p:par>
-    </p:tnLst>
-  </p:timing>
 </p:sld>
 </file>
 
@@ -9587,51 +9466,7 @@
                 <a:cs typeface="Arial" panose="020B0604020202020204" pitchFamily="34" charset="0"/>
                 <a:sym typeface="Times New Roman"/>
               </a:rPr>
-              <a:t>Chapter </a:t>
-            </a:r>
-            <a:r>
-              <a:rPr lang="en-US" sz="1200" i="1" kern="0" dirty="0" smtClean="0">
-                <a:solidFill>
-                  <a:srgbClr val="000000"/>
-                </a:solidFill>
-                <a:ea typeface="Times New Roman"/>
-                <a:cs typeface="Arial" panose="020B0604020202020204" pitchFamily="34" charset="0"/>
-                <a:sym typeface="Times New Roman"/>
-              </a:rPr>
-              <a:t>6.3: The </a:t>
-            </a:r>
-            <a:r>
-              <a:rPr lang="en-US" sz="1200" i="1" kern="0" dirty="0">
-                <a:solidFill>
-                  <a:srgbClr val="000000"/>
-                </a:solidFill>
-                <a:ea typeface="Times New Roman"/>
-                <a:cs typeface="Arial" panose="020B0604020202020204" pitchFamily="34" charset="0"/>
-                <a:sym typeface="Times New Roman"/>
-              </a:rPr>
-              <a:t>Business Case </a:t>
-            </a:r>
-            <a:r>
-              <a:rPr lang="en-US" sz="1200" i="1" kern="0" dirty="0" smtClean="0">
-                <a:solidFill>
-                  <a:srgbClr val="000000"/>
-                </a:solidFill>
-                <a:ea typeface="Times New Roman"/>
-                <a:cs typeface="Arial" panose="020B0604020202020204" pitchFamily="34" charset="0"/>
-                <a:sym typeface="Times New Roman"/>
-              </a:rPr>
-              <a:t>for </a:t>
-            </a:r>
-            <a:r>
-              <a:rPr lang="en-US" sz="1200" i="1" kern="0" dirty="0">
-                <a:solidFill>
-                  <a:srgbClr val="000000"/>
-                </a:solidFill>
-                <a:ea typeface="Times New Roman"/>
-                <a:cs typeface="Arial" panose="020B0604020202020204" pitchFamily="34" charset="0"/>
-                <a:sym typeface="Times New Roman"/>
-              </a:rPr>
-              <a:t>a Risk Management Program </a:t>
+              <a:t>Chapter 6.3: The Business Case for a Risk Management Program </a:t>
             </a:r>
           </a:p>
         </p:txBody>
@@ -10774,7 +10609,7 @@
               <a:tabLst/>
               <a:defRPr/>
             </a:pPr>
-            <a:endParaRPr kumimoji="0" lang="en-US" sz="2400" b="0" i="0" u="none" strike="noStrike" kern="0" cap="none" spc="0" normalizeH="0" baseline="0" noProof="0" smtClean="0">
+            <a:endParaRPr kumimoji="0" lang="en-US" sz="2400" b="0" i="0" u="none" strike="noStrike" kern="0" cap="none" spc="0" normalizeH="0" baseline="0" noProof="0">
               <a:ln>
                 <a:noFill/>
               </a:ln>
@@ -10842,7 +10677,7 @@
               <a:tabLst/>
               <a:defRPr/>
             </a:pPr>
-            <a:endParaRPr kumimoji="0" lang="en-US" sz="2400" b="0" i="0" u="none" strike="noStrike" kern="0" cap="none" spc="0" normalizeH="0" baseline="0" noProof="0" smtClean="0">
+            <a:endParaRPr kumimoji="0" lang="en-US" sz="2400" b="0" i="0" u="none" strike="noStrike" kern="0" cap="none" spc="0" normalizeH="0" baseline="0" noProof="0">
               <a:ln>
                 <a:noFill/>
               </a:ln>
@@ -10910,7 +10745,7 @@
               <a:tabLst/>
               <a:defRPr/>
             </a:pPr>
-            <a:endParaRPr kumimoji="0" lang="en-US" sz="2400" b="0" i="0" u="none" strike="noStrike" kern="0" cap="none" spc="0" normalizeH="0" baseline="0" noProof="0" smtClean="0">
+            <a:endParaRPr kumimoji="0" lang="en-US" sz="2400" b="0" i="0" u="none" strike="noStrike" kern="0" cap="none" spc="0" normalizeH="0" baseline="0" noProof="0">
               <a:ln>
                 <a:noFill/>
               </a:ln>
@@ -10978,7 +10813,7 @@
               <a:tabLst/>
               <a:defRPr/>
             </a:pPr>
-            <a:endParaRPr kumimoji="0" lang="en-US" sz="2400" b="0" i="0" u="none" strike="noStrike" kern="0" cap="none" spc="0" normalizeH="0" baseline="0" noProof="0" smtClean="0">
+            <a:endParaRPr kumimoji="0" lang="en-US" sz="2400" b="0" i="0" u="none" strike="noStrike" kern="0" cap="none" spc="0" normalizeH="0" baseline="0" noProof="0">
               <a:ln>
                 <a:noFill/>
               </a:ln>
@@ -11046,7 +10881,7 @@
               <a:tabLst/>
               <a:defRPr/>
             </a:pPr>
-            <a:endParaRPr kumimoji="0" lang="en-US" sz="2400" b="0" i="0" u="none" strike="noStrike" kern="0" cap="none" spc="0" normalizeH="0" baseline="0" noProof="0" smtClean="0">
+            <a:endParaRPr kumimoji="0" lang="en-US" sz="2400" b="0" i="0" u="none" strike="noStrike" kern="0" cap="none" spc="0" normalizeH="0" baseline="0" noProof="0">
               <a:ln>
                 <a:noFill/>
               </a:ln>
@@ -11114,7 +10949,7 @@
               <a:tabLst/>
               <a:defRPr/>
             </a:pPr>
-            <a:endParaRPr kumimoji="0" lang="en-US" sz="2400" b="0" i="0" u="none" strike="noStrike" kern="0" cap="none" spc="0" normalizeH="0" baseline="0" noProof="0" smtClean="0">
+            <a:endParaRPr kumimoji="0" lang="en-US" sz="2400" b="0" i="0" u="none" strike="noStrike" kern="0" cap="none" spc="0" normalizeH="0" baseline="0" noProof="0">
               <a:ln>
                 <a:noFill/>
               </a:ln>
@@ -11182,7 +11017,7 @@
               <a:tabLst/>
               <a:defRPr/>
             </a:pPr>
-            <a:endParaRPr kumimoji="0" lang="en-US" sz="2400" b="0" i="0" u="none" strike="noStrike" kern="0" cap="none" spc="0" normalizeH="0" baseline="0" noProof="0" smtClean="0">
+            <a:endParaRPr kumimoji="0" lang="en-US" sz="2400" b="0" i="0" u="none" strike="noStrike" kern="0" cap="none" spc="0" normalizeH="0" baseline="0" noProof="0">
               <a:ln>
                 <a:noFill/>
               </a:ln>
@@ -11250,7 +11085,7 @@
               <a:tabLst/>
               <a:defRPr/>
             </a:pPr>
-            <a:endParaRPr kumimoji="0" lang="en-US" sz="2400" b="0" i="0" u="none" strike="noStrike" kern="0" cap="none" spc="0" normalizeH="0" baseline="0" noProof="0" smtClean="0">
+            <a:endParaRPr kumimoji="0" lang="en-US" sz="2400" b="0" i="0" u="none" strike="noStrike" kern="0" cap="none" spc="0" normalizeH="0" baseline="0" noProof="0">
               <a:ln>
                 <a:noFill/>
               </a:ln>
@@ -11318,7 +11153,7 @@
               <a:tabLst/>
               <a:defRPr/>
             </a:pPr>
-            <a:endParaRPr kumimoji="0" lang="en-US" sz="2400" b="0" i="0" u="none" strike="noStrike" kern="0" cap="none" spc="0" normalizeH="0" baseline="0" noProof="0" smtClean="0">
+            <a:endParaRPr kumimoji="0" lang="en-US" sz="2400" b="0" i="0" u="none" strike="noStrike" kern="0" cap="none" spc="0" normalizeH="0" baseline="0" noProof="0">
               <a:ln>
                 <a:noFill/>
               </a:ln>
@@ -11386,7 +11221,7 @@
               <a:tabLst/>
               <a:defRPr/>
             </a:pPr>
-            <a:endParaRPr kumimoji="0" lang="en-US" sz="2400" b="0" i="0" u="none" strike="noStrike" kern="0" cap="none" spc="0" normalizeH="0" baseline="0" noProof="0" smtClean="0">
+            <a:endParaRPr kumimoji="0" lang="en-US" sz="2400" b="0" i="0" u="none" strike="noStrike" kern="0" cap="none" spc="0" normalizeH="0" baseline="0" noProof="0">
               <a:ln>
                 <a:noFill/>
               </a:ln>
@@ -11454,7 +11289,7 @@
               <a:tabLst/>
               <a:defRPr/>
             </a:pPr>
-            <a:endParaRPr kumimoji="0" lang="en-US" sz="2400" b="0" i="0" u="none" strike="noStrike" kern="0" cap="none" spc="0" normalizeH="0" baseline="0" noProof="0" smtClean="0">
+            <a:endParaRPr kumimoji="0" lang="en-US" sz="2400" b="0" i="0" u="none" strike="noStrike" kern="0" cap="none" spc="0" normalizeH="0" baseline="0" noProof="0">
               <a:ln>
                 <a:noFill/>
               </a:ln>
@@ -11522,7 +11357,7 @@
               <a:tabLst/>
               <a:defRPr/>
             </a:pPr>
-            <a:endParaRPr kumimoji="0" lang="en-US" sz="2400" b="0" i="0" u="none" strike="noStrike" kern="0" cap="none" spc="0" normalizeH="0" baseline="0" noProof="0" smtClean="0">
+            <a:endParaRPr kumimoji="0" lang="en-US" sz="2400" b="0" i="0" u="none" strike="noStrike" kern="0" cap="none" spc="0" normalizeH="0" baseline="0" noProof="0">
               <a:ln>
                 <a:noFill/>
               </a:ln>
@@ -11930,7 +11765,7 @@
               <a:defRPr/>
             </a:pPr>
             <a:r>
-              <a:rPr kumimoji="0" lang="en-US" sz="1800" b="0" i="1" u="none" strike="noStrike" kern="0" cap="none" spc="0" normalizeH="0" baseline="0" noProof="0" dirty="0" smtClean="0">
+              <a:rPr kumimoji="0" lang="en-US" sz="1800" b="0" i="1" u="none" strike="noStrike" kern="0" cap="none" spc="0" normalizeH="0" baseline="0" noProof="0" dirty="0">
                 <a:ln>
                   <a:noFill/>
                 </a:ln>
@@ -11946,7 +11781,7 @@
               <a:t>Net Potential Savings can be estimated using the </a:t>
             </a:r>
             <a:r>
-              <a:rPr kumimoji="0" lang="en-US" sz="1800" b="0" i="1" u="sng" strike="noStrike" kern="0" cap="none" spc="0" normalizeH="0" baseline="0" noProof="0" dirty="0" err="1" smtClean="0">
+              <a:rPr kumimoji="0" lang="en-US" sz="1800" b="0" i="1" u="sng" strike="noStrike" kern="0" cap="none" spc="0" normalizeH="0" baseline="0" noProof="0" dirty="0" err="1">
                 <a:ln>
                   <a:noFill/>
                 </a:ln>
@@ -11962,7 +11797,7 @@
               <a:t>AICHhE</a:t>
             </a:r>
             <a:r>
-              <a:rPr kumimoji="0" lang="en-US" sz="1800" b="0" i="1" u="sng" strike="noStrike" kern="0" cap="none" spc="0" normalizeH="0" baseline="0" noProof="0" dirty="0" smtClean="0">
+              <a:rPr kumimoji="0" lang="en-US" sz="1800" b="0" i="1" u="sng" strike="noStrike" kern="0" cap="none" spc="0" normalizeH="0" baseline="0" noProof="0" dirty="0">
                 <a:ln>
                   <a:noFill/>
                 </a:ln>
@@ -11978,7 +11813,7 @@
               <a:t> Ratios</a:t>
             </a:r>
             <a:r>
-              <a:rPr kumimoji="0" lang="en-US" sz="1800" b="0" i="1" u="none" strike="noStrike" kern="0" cap="none" spc="0" normalizeH="0" baseline="0" noProof="0" dirty="0" smtClean="0">
+              <a:rPr kumimoji="0" lang="en-US" sz="1800" b="0" i="1" u="none" strike="noStrike" kern="0" cap="none" spc="0" normalizeH="0" baseline="0" noProof="0" dirty="0">
                 <a:ln>
                   <a:noFill/>
                 </a:ln>
@@ -11994,7 +11829,7 @@
               <a:t> and </a:t>
             </a:r>
             <a:br>
-              <a:rPr kumimoji="0" lang="en-US" sz="1800" b="0" i="1" u="none" strike="noStrike" kern="0" cap="none" spc="0" normalizeH="0" baseline="0" noProof="0" dirty="0" smtClean="0">
+              <a:rPr kumimoji="0" lang="en-US" sz="1800" b="0" i="1" u="none" strike="noStrike" kern="0" cap="none" spc="0" normalizeH="0" baseline="0" noProof="0" dirty="0">
                 <a:ln>
                   <a:noFill/>
                 </a:ln>
@@ -12009,7 +11844,7 @@
               </a:rPr>
             </a:br>
             <a:r>
-              <a:rPr kumimoji="0" lang="en-US" sz="1800" b="0" i="1" u="none" strike="noStrike" kern="0" cap="none" spc="0" normalizeH="0" baseline="0" noProof="0" dirty="0" smtClean="0">
+              <a:rPr kumimoji="0" lang="en-US" sz="1800" b="0" i="1" u="none" strike="noStrike" kern="0" cap="none" spc="0" normalizeH="0" baseline="0" noProof="0" dirty="0">
                 <a:ln>
                   <a:noFill/>
                 </a:ln>
@@ -12025,7 +11860,7 @@
               <a:t>any </a:t>
             </a:r>
             <a:r>
-              <a:rPr kumimoji="0" lang="en-US" sz="1800" b="0" i="1" u="sng" strike="noStrike" kern="0" cap="none" spc="0" normalizeH="0" baseline="0" noProof="0" dirty="0" smtClean="0">
+              <a:rPr kumimoji="0" lang="en-US" sz="1800" b="0" i="1" u="sng" strike="noStrike" kern="0" cap="none" spc="0" normalizeH="0" baseline="0" noProof="0" dirty="0">
                 <a:ln>
                   <a:noFill/>
                 </a:ln>
@@ -12041,7 +11876,7 @@
               <a:t>Current Values</a:t>
             </a:r>
             <a:r>
-              <a:rPr kumimoji="0" lang="en-US" sz="1800" b="0" i="1" u="none" strike="noStrike" kern="0" cap="none" spc="0" normalizeH="0" baseline="0" noProof="0" dirty="0" smtClean="0">
+              <a:rPr kumimoji="0" lang="en-US" sz="1800" b="0" i="1" u="none" strike="noStrike" kern="0" cap="none" spc="0" normalizeH="0" baseline="0" noProof="0" dirty="0">
                 <a:ln>
                   <a:noFill/>
                 </a:ln>
@@ -12076,7 +11911,7 @@
               <a:defRPr/>
             </a:pPr>
             <a:r>
-              <a:rPr kumimoji="0" lang="en-US" sz="1800" b="0" i="1" u="none" strike="noStrike" kern="0" cap="none" spc="0" normalizeH="0" baseline="0" noProof="0" dirty="0" smtClean="0">
+              <a:rPr kumimoji="0" lang="en-US" sz="1800" b="0" i="1" u="none" strike="noStrike" kern="0" cap="none" spc="0" normalizeH="0" baseline="0" noProof="0" dirty="0">
                 <a:ln>
                   <a:noFill/>
                 </a:ln>
@@ -12147,7 +11982,7 @@
               <a:tabLst/>
               <a:defRPr/>
             </a:pPr>
-            <a:endParaRPr kumimoji="0" lang="en-US" sz="2400" b="0" i="0" u="none" strike="noStrike" kern="0" cap="none" spc="0" normalizeH="0" baseline="0" noProof="0" smtClean="0">
+            <a:endParaRPr kumimoji="0" lang="en-US" sz="2400" b="0" i="0" u="none" strike="noStrike" kern="0" cap="none" spc="0" normalizeH="0" baseline="0" noProof="0">
               <a:ln>
                 <a:noFill/>
               </a:ln>
@@ -12175,13 +12010,6 @@
   <p:transition>
     <p:fade/>
   </p:transition>
-  <p:timing>
-    <p:tnLst>
-      <p:par>
-        <p:cTn id="1" dur="indefinite" restart="never" nodeType="tmRoot"/>
-      </p:par>
-    </p:tnLst>
-  </p:timing>
 </p:sld>
 </file>
 
@@ -12248,51 +12076,7 @@
                 <a:cs typeface="Arial" panose="020B0604020202020204" pitchFamily="34" charset="0"/>
                 <a:sym typeface="Times New Roman"/>
               </a:rPr>
-              <a:t>Chapter </a:t>
-            </a:r>
-            <a:r>
-              <a:rPr lang="en-US" sz="1200" i="1" kern="0" dirty="0" smtClean="0">
-                <a:solidFill>
-                  <a:srgbClr val="000000"/>
-                </a:solidFill>
-                <a:ea typeface="Times New Roman"/>
-                <a:cs typeface="Arial" panose="020B0604020202020204" pitchFamily="34" charset="0"/>
-                <a:sym typeface="Times New Roman"/>
-              </a:rPr>
-              <a:t>6.3: The </a:t>
-            </a:r>
-            <a:r>
-              <a:rPr lang="en-US" sz="1200" i="1" kern="0" dirty="0">
-                <a:solidFill>
-                  <a:srgbClr val="000000"/>
-                </a:solidFill>
-                <a:ea typeface="Times New Roman"/>
-                <a:cs typeface="Arial" panose="020B0604020202020204" pitchFamily="34" charset="0"/>
-                <a:sym typeface="Times New Roman"/>
-              </a:rPr>
-              <a:t>Business Case </a:t>
-            </a:r>
-            <a:r>
-              <a:rPr lang="en-US" sz="1200" i="1" kern="0" dirty="0" smtClean="0">
-                <a:solidFill>
-                  <a:srgbClr val="000000"/>
-                </a:solidFill>
-                <a:ea typeface="Times New Roman"/>
-                <a:cs typeface="Arial" panose="020B0604020202020204" pitchFamily="34" charset="0"/>
-                <a:sym typeface="Times New Roman"/>
-              </a:rPr>
-              <a:t>for </a:t>
-            </a:r>
-            <a:r>
-              <a:rPr lang="en-US" sz="1200" i="1" kern="0" dirty="0">
-                <a:solidFill>
-                  <a:srgbClr val="000000"/>
-                </a:solidFill>
-                <a:ea typeface="Times New Roman"/>
-                <a:cs typeface="Arial" panose="020B0604020202020204" pitchFamily="34" charset="0"/>
-                <a:sym typeface="Times New Roman"/>
-              </a:rPr>
-              <a:t>a Risk Management Program </a:t>
+              <a:t>Chapter 6.3: The Business Case for a Risk Management Program </a:t>
             </a:r>
           </a:p>
         </p:txBody>
@@ -12328,7 +12112,7 @@
           <a:p>
             <a:pPr eaLnBrk="0" hangingPunct="0"/>
             <a:r>
-              <a:rPr lang="en-US" sz="1200" b="0" i="1" dirty="0" smtClean="0">
+              <a:rPr lang="en-US" sz="1200" b="0" i="1" dirty="0">
                 <a:solidFill>
                   <a:srgbClr val="FFFFFF"/>
                 </a:solidFill>
@@ -12340,7 +12124,7 @@
           </a:p>
           <a:p>
             <a:pPr eaLnBrk="0" hangingPunct="0"/>
-            <a:endParaRPr lang="en-US" sz="1200" b="0" i="1" dirty="0" smtClean="0">
+            <a:endParaRPr lang="en-US" sz="1200" b="0" i="1" dirty="0">
               <a:solidFill>
                 <a:srgbClr val="FFFFFF"/>
               </a:solidFill>
@@ -12351,7 +12135,7 @@
           <a:p>
             <a:pPr eaLnBrk="0" hangingPunct="0"/>
             <a:r>
-              <a:rPr lang="en-US" sz="1200" b="0" i="1" dirty="0" smtClean="0">
+              <a:rPr lang="en-US" sz="1200" b="0" i="1" dirty="0">
                 <a:solidFill>
                   <a:srgbClr val="FFFFFF"/>
                 </a:solidFill>
@@ -12364,7 +12148,7 @@
           <a:p>
             <a:pPr eaLnBrk="0" hangingPunct="0"/>
             <a:r>
-              <a:rPr lang="en-US" sz="1200" b="0" i="1" dirty="0" smtClean="0">
+              <a:rPr lang="en-US" sz="1200" b="0" i="1" dirty="0">
                 <a:solidFill>
                   <a:srgbClr val="FFFFFF"/>
                 </a:solidFill>
@@ -12377,7 +12161,7 @@
           <a:p>
             <a:pPr eaLnBrk="0" hangingPunct="0"/>
             <a:r>
-              <a:rPr lang="en-US" sz="1200" b="0" i="1" u="sng" dirty="0" smtClean="0">
+              <a:rPr lang="en-US" sz="1200" b="0" i="1" u="sng" dirty="0">
                 <a:solidFill>
                   <a:srgbClr val="FFFFFF"/>
                 </a:solidFill>
@@ -12449,7 +12233,7 @@
               <a:tabLst/>
               <a:defRPr/>
             </a:pPr>
-            <a:endParaRPr kumimoji="0" lang="en-CA" sz="2400" b="0" i="0" u="none" strike="noStrike" kern="0" cap="none" spc="0" normalizeH="0" baseline="0" noProof="0" smtClean="0">
+            <a:endParaRPr kumimoji="0" lang="en-CA" sz="2400" b="0" i="0" u="none" strike="noStrike" kern="0" cap="none" spc="0" normalizeH="0" baseline="0" noProof="0">
               <a:ln>
                 <a:noFill/>
               </a:ln>
@@ -12524,7 +12308,7 @@
               <a:tabLst/>
               <a:defRPr/>
             </a:pPr>
-            <a:endParaRPr kumimoji="0" lang="en-CA" sz="1200" b="0" i="0" u="none" strike="noStrike" kern="0" cap="none" spc="0" normalizeH="0" baseline="0" noProof="0" smtClean="0">
+            <a:endParaRPr kumimoji="0" lang="en-CA" sz="1200" b="0" i="0" u="none" strike="noStrike" kern="0" cap="none" spc="0" normalizeH="0" baseline="0" noProof="0">
               <a:ln>
                 <a:noFill/>
               </a:ln>
@@ -12599,7 +12383,7 @@
               <a:tabLst/>
               <a:defRPr/>
             </a:pPr>
-            <a:endParaRPr kumimoji="0" lang="en-CA" sz="1200" b="0" i="0" u="none" strike="noStrike" kern="0" cap="none" spc="0" normalizeH="0" baseline="0" noProof="0" smtClean="0">
+            <a:endParaRPr kumimoji="0" lang="en-CA" sz="1200" b="0" i="0" u="none" strike="noStrike" kern="0" cap="none" spc="0" normalizeH="0" baseline="0" noProof="0">
               <a:ln>
                 <a:noFill/>
               </a:ln>
@@ -12674,7 +12458,7 @@
               <a:tabLst/>
               <a:defRPr/>
             </a:pPr>
-            <a:endParaRPr kumimoji="0" lang="en-CA" sz="2400" b="0" i="0" u="none" strike="noStrike" kern="0" cap="none" spc="0" normalizeH="0" baseline="0" noProof="0" smtClean="0">
+            <a:endParaRPr kumimoji="0" lang="en-CA" sz="2400" b="0" i="0" u="none" strike="noStrike" kern="0" cap="none" spc="0" normalizeH="0" baseline="0" noProof="0">
               <a:ln>
                 <a:noFill/>
               </a:ln>
@@ -12749,7 +12533,7 @@
               <a:tabLst/>
               <a:defRPr/>
             </a:pPr>
-            <a:endParaRPr kumimoji="0" lang="en-CA" sz="2400" b="0" i="0" u="none" strike="noStrike" kern="0" cap="none" spc="0" normalizeH="0" baseline="0" noProof="0" smtClean="0">
+            <a:endParaRPr kumimoji="0" lang="en-CA" sz="2400" b="0" i="0" u="none" strike="noStrike" kern="0" cap="none" spc="0" normalizeH="0" baseline="0" noProof="0">
               <a:ln>
                 <a:noFill/>
               </a:ln>
@@ -12824,7 +12608,7 @@
               <a:tabLst/>
               <a:defRPr/>
             </a:pPr>
-            <a:endParaRPr kumimoji="0" lang="en-CA" sz="2400" b="0" i="0" u="none" strike="noStrike" kern="0" cap="none" spc="0" normalizeH="0" baseline="0" noProof="0" smtClean="0">
+            <a:endParaRPr kumimoji="0" lang="en-CA" sz="2400" b="0" i="0" u="none" strike="noStrike" kern="0" cap="none" spc="0" normalizeH="0" baseline="0" noProof="0">
               <a:ln>
                 <a:noFill/>
               </a:ln>
@@ -13003,7 +12787,7 @@
               <a:defRPr/>
             </a:pPr>
             <a:r>
-              <a:rPr kumimoji="0" lang="en-US" altLang="en-US" sz="1100" b="0" i="0" u="none" strike="noStrike" kern="0" cap="none" spc="0" normalizeH="0" baseline="0" noProof="0" dirty="0" smtClean="0">
+              <a:rPr kumimoji="0" lang="en-US" altLang="en-US" sz="1100" b="0" i="0" u="none" strike="noStrike" kern="0" cap="none" spc="0" normalizeH="0" baseline="0" noProof="0" dirty="0">
                 <a:ln>
                   <a:noFill/>
                 </a:ln>
@@ -13017,7 +12801,7 @@
               </a:rPr>
               <a:t>Current Values</a:t>
             </a:r>
-            <a:endParaRPr kumimoji="0" lang="en-US" altLang="en-US" sz="1100" b="0" i="0" u="none" strike="noStrike" kern="0" cap="none" spc="0" normalizeH="0" baseline="0" noProof="0" dirty="0" smtClean="0">
+            <a:endParaRPr kumimoji="0" lang="en-US" altLang="en-US" sz="1100" b="0" i="0" u="none" strike="noStrike" kern="0" cap="none" spc="0" normalizeH="0" baseline="0" noProof="0" dirty="0">
               <a:ln>
                 <a:noFill/>
               </a:ln>
@@ -13188,7 +12972,7 @@
               <a:defRPr/>
             </a:pPr>
             <a:r>
-              <a:rPr kumimoji="0" lang="en-US" altLang="en-US" sz="1100" b="0" i="0" u="none" strike="noStrike" kern="0" cap="none" spc="0" normalizeH="0" baseline="0" noProof="0" dirty="0" smtClean="0">
+              <a:rPr kumimoji="0" lang="en-US" altLang="en-US" sz="1100" b="0" i="0" u="none" strike="noStrike" kern="0" cap="none" spc="0" normalizeH="0" baseline="0" noProof="0" dirty="0">
                 <a:ln>
                   <a:noFill/>
                 </a:ln>
@@ -13201,14 +12985,6 @@
                 <a:latin typeface="Arial" panose="020B0604020202020204" pitchFamily="34" charset="0"/>
               </a:rPr>
               <a:t>Estimated Gains, </a:t>
-            </a:r>
-            <a:r>
-              <a:rPr lang="en-US" altLang="en-US" sz="1100" b="0" kern="0" dirty="0">
-                <a:solidFill>
-                  <a:srgbClr val="000000"/>
-                </a:solidFill>
-              </a:rPr>
-              <a:t/>
             </a:r>
             <a:br>
               <a:rPr lang="en-US" altLang="en-US" sz="1100" b="0" kern="0" dirty="0">
@@ -13223,15 +12999,7 @@
                   <a:srgbClr val="000000"/>
                 </a:solidFill>
               </a:rPr>
-              <a:t>% </a:t>
-            </a:r>
-            <a:r>
-              <a:rPr lang="en-US" altLang="en-US" sz="1100" b="0" kern="0" dirty="0" smtClean="0">
-                <a:solidFill>
-                  <a:srgbClr val="000000"/>
-                </a:solidFill>
-              </a:rPr>
-              <a:t>per </a:t>
+              <a:t>% per </a:t>
             </a:r>
             <a:r>
               <a:rPr lang="en-US" altLang="en-US" sz="1100" b="0" kern="0" dirty="0" err="1">
@@ -13247,17 +13015,9 @@
                   <a:srgbClr val="000000"/>
                 </a:solidFill>
               </a:rPr>
-              <a:t> </a:t>
+              <a:t> Ratios</a:t>
             </a:r>
-            <a:r>
-              <a:rPr lang="en-US" altLang="en-US" sz="1100" b="0" kern="0" dirty="0" smtClean="0">
-                <a:solidFill>
-                  <a:srgbClr val="000000"/>
-                </a:solidFill>
-              </a:rPr>
-              <a:t>Ratios</a:t>
-            </a:r>
-            <a:endParaRPr kumimoji="0" lang="en-US" altLang="en-US" sz="1100" b="0" i="0" u="none" strike="noStrike" kern="0" cap="none" spc="0" normalizeH="0" baseline="0" noProof="0" dirty="0" smtClean="0">
+            <a:endParaRPr kumimoji="0" lang="en-US" altLang="en-US" sz="1100" b="0" i="0" u="none" strike="noStrike" kern="0" cap="none" spc="0" normalizeH="0" baseline="0" noProof="0" dirty="0">
               <a:ln>
                 <a:noFill/>
               </a:ln>
@@ -13436,7 +13196,7 @@
               <a:defRPr/>
             </a:pPr>
             <a:r>
-              <a:rPr kumimoji="0" lang="en-US" altLang="en-US" sz="1100" b="0" i="0" u="none" strike="noStrike" kern="0" cap="none" spc="0" normalizeH="0" baseline="0" noProof="0" dirty="0" smtClean="0">
+              <a:rPr kumimoji="0" lang="en-US" altLang="en-US" sz="1100" b="0" i="0" u="none" strike="noStrike" kern="0" cap="none" spc="0" normalizeH="0" baseline="0" noProof="0" dirty="0">
                 <a:ln>
                   <a:noFill/>
                 </a:ln>
@@ -13451,7 +13211,7 @@
               <a:t>Improved </a:t>
             </a:r>
             <a:br>
-              <a:rPr kumimoji="0" lang="en-US" altLang="en-US" sz="1100" b="0" i="0" u="none" strike="noStrike" kern="0" cap="none" spc="0" normalizeH="0" baseline="0" noProof="0" dirty="0" smtClean="0">
+              <a:rPr kumimoji="0" lang="en-US" altLang="en-US" sz="1100" b="0" i="0" u="none" strike="noStrike" kern="0" cap="none" spc="0" normalizeH="0" baseline="0" noProof="0" dirty="0">
                 <a:ln>
                   <a:noFill/>
                 </a:ln>
@@ -13465,7 +13225,7 @@
               </a:rPr>
             </a:br>
             <a:r>
-              <a:rPr kumimoji="0" lang="en-US" altLang="en-US" sz="1100" b="0" i="0" u="none" strike="noStrike" kern="0" cap="none" spc="0" normalizeH="0" baseline="0" noProof="0" dirty="0" smtClean="0">
+              <a:rPr kumimoji="0" lang="en-US" altLang="en-US" sz="1100" b="0" i="0" u="none" strike="noStrike" kern="0" cap="none" spc="0" normalizeH="0" baseline="0" noProof="0" dirty="0">
                 <a:ln>
                   <a:noFill/>
                 </a:ln>
@@ -13479,7 +13239,7 @@
               </a:rPr>
               <a:t>Values</a:t>
             </a:r>
-            <a:endParaRPr kumimoji="0" lang="en-US" altLang="en-US" sz="1100" b="0" i="0" u="none" strike="noStrike" kern="0" cap="none" spc="0" normalizeH="0" baseline="0" noProof="0" dirty="0" smtClean="0">
+            <a:endParaRPr kumimoji="0" lang="en-US" altLang="en-US" sz="1100" b="0" i="0" u="none" strike="noStrike" kern="0" cap="none" spc="0" normalizeH="0" baseline="0" noProof="0" dirty="0">
               <a:ln>
                 <a:noFill/>
               </a:ln>
@@ -13658,7 +13418,7 @@
               <a:defRPr/>
             </a:pPr>
             <a:r>
-              <a:rPr kumimoji="0" lang="en-US" altLang="en-US" sz="1100" b="0" i="0" u="none" strike="noStrike" kern="0" cap="none" spc="0" normalizeH="0" baseline="0" noProof="0" dirty="0" smtClean="0">
+              <a:rPr kumimoji="0" lang="en-US" altLang="en-US" sz="1100" b="0" i="0" u="none" strike="noStrike" kern="0" cap="none" spc="0" normalizeH="0" baseline="0" noProof="0" dirty="0">
                 <a:ln>
                   <a:noFill/>
                 </a:ln>
@@ -13839,7 +13599,7 @@
               <a:defRPr/>
             </a:pPr>
             <a:r>
-              <a:rPr kumimoji="0" lang="en-US" altLang="en-US" sz="1100" b="0" i="0" u="none" strike="noStrike" kern="0" cap="none" spc="0" normalizeH="0" baseline="0" noProof="0" smtClean="0">
+              <a:rPr kumimoji="0" lang="en-US" altLang="en-US" sz="1100" b="0" i="0" u="none" strike="noStrike" kern="0" cap="none" spc="0" normalizeH="0" baseline="0" noProof="0">
                 <a:ln>
                   <a:noFill/>
                 </a:ln>
@@ -13853,7 +13613,7 @@
               </a:rPr>
               <a:t>Units</a:t>
             </a:r>
-            <a:endParaRPr kumimoji="0" lang="en-US" altLang="en-US" sz="1100" b="0" i="0" u="none" strike="noStrike" kern="0" cap="none" spc="0" normalizeH="0" baseline="0" noProof="0" smtClean="0">
+            <a:endParaRPr kumimoji="0" lang="en-US" altLang="en-US" sz="1100" b="0" i="0" u="none" strike="noStrike" kern="0" cap="none" spc="0" normalizeH="0" baseline="0" noProof="0">
               <a:ln>
                 <a:noFill/>
               </a:ln>
@@ -14032,7 +13792,7 @@
               <a:defRPr/>
             </a:pPr>
             <a:r>
-              <a:rPr kumimoji="0" lang="en-US" altLang="en-US" sz="1200" b="0" i="0" u="none" strike="noStrike" kern="0" cap="none" spc="0" normalizeH="0" baseline="0" noProof="0" dirty="0" smtClean="0">
+              <a:rPr kumimoji="0" lang="en-US" altLang="en-US" sz="1200" b="0" i="0" u="none" strike="noStrike" kern="0" cap="none" spc="0" normalizeH="0" baseline="0" noProof="0" dirty="0">
                 <a:ln>
                   <a:noFill/>
                 </a:ln>
@@ -14047,7 +13807,7 @@
               <a:t>Production </a:t>
             </a:r>
             <a:br>
-              <a:rPr kumimoji="0" lang="en-US" altLang="en-US" sz="1200" b="0" i="0" u="none" strike="noStrike" kern="0" cap="none" spc="0" normalizeH="0" baseline="0" noProof="0" dirty="0" smtClean="0">
+              <a:rPr kumimoji="0" lang="en-US" altLang="en-US" sz="1200" b="0" i="0" u="none" strike="noStrike" kern="0" cap="none" spc="0" normalizeH="0" baseline="0" noProof="0" dirty="0">
                 <a:ln>
                   <a:noFill/>
                 </a:ln>
@@ -14061,7 +13821,7 @@
               </a:rPr>
             </a:br>
             <a:r>
-              <a:rPr kumimoji="0" lang="en-US" altLang="en-US" sz="1200" b="0" i="0" u="none" strike="noStrike" kern="0" cap="none" spc="0" normalizeH="0" baseline="0" noProof="0" dirty="0" smtClean="0">
+              <a:rPr kumimoji="0" lang="en-US" altLang="en-US" sz="1200" b="0" i="0" u="none" strike="noStrike" kern="0" cap="none" spc="0" normalizeH="0" baseline="0" noProof="0" dirty="0">
                 <a:ln>
                   <a:noFill/>
                 </a:ln>
@@ -14075,7 +13835,7 @@
               </a:rPr>
               <a:t>Rate:</a:t>
             </a:r>
-            <a:endParaRPr kumimoji="0" lang="en-US" altLang="en-US" sz="1200" b="0" i="0" u="none" strike="noStrike" kern="0" cap="none" spc="0" normalizeH="0" baseline="0" noProof="0" dirty="0" smtClean="0">
+            <a:endParaRPr kumimoji="0" lang="en-US" altLang="en-US" sz="1200" b="0" i="0" u="none" strike="noStrike" kern="0" cap="none" spc="0" normalizeH="0" baseline="0" noProof="0" dirty="0">
               <a:ln>
                 <a:noFill/>
               </a:ln>
@@ -14254,7 +14014,7 @@
               <a:defRPr/>
             </a:pPr>
             <a:r>
-              <a:rPr kumimoji="0" lang="en-US" altLang="en-US" sz="1200" b="0" i="0" u="none" strike="noStrike" kern="0" cap="none" spc="0" normalizeH="0" baseline="0" noProof="0" dirty="0" smtClean="0">
+              <a:rPr kumimoji="0" lang="en-US" altLang="en-US" sz="1200" b="0" i="0" u="none" strike="noStrike" kern="0" cap="none" spc="0" normalizeH="0" baseline="0" noProof="0" dirty="0">
                 <a:ln>
                   <a:noFill/>
                 </a:ln>
@@ -14269,7 +14029,7 @@
               <a:t>20 </a:t>
             </a:r>
             <a:r>
-              <a:rPr kumimoji="0" lang="en-US" altLang="en-US" sz="1200" b="0" i="0" u="none" strike="noStrike" kern="0" cap="none" spc="0" normalizeH="0" baseline="0" noProof="0" dirty="0" err="1" smtClean="0">
+              <a:rPr kumimoji="0" lang="en-US" altLang="en-US" sz="1200" b="0" i="0" u="none" strike="noStrike" kern="0" cap="none" spc="0" normalizeH="0" baseline="0" noProof="0" dirty="0" err="1">
                 <a:ln>
                   <a:noFill/>
                 </a:ln>
@@ -14284,7 +14044,7 @@
               <a:t>Mkg</a:t>
             </a:r>
             <a:r>
-              <a:rPr kumimoji="0" lang="en-US" altLang="en-US" sz="1200" b="0" i="0" u="none" strike="noStrike" kern="0" cap="none" spc="0" normalizeH="0" baseline="0" noProof="0" dirty="0" smtClean="0">
+              <a:rPr kumimoji="0" lang="en-US" altLang="en-US" sz="1200" b="0" i="0" u="none" strike="noStrike" kern="0" cap="none" spc="0" normalizeH="0" baseline="0" noProof="0" dirty="0">
                 <a:ln>
                   <a:noFill/>
                 </a:ln>
@@ -14299,7 +14059,7 @@
               <a:t>/</a:t>
             </a:r>
             <a:r>
-              <a:rPr kumimoji="0" lang="en-US" altLang="en-US" sz="1200" b="0" i="0" u="none" strike="noStrike" kern="0" cap="none" spc="0" normalizeH="0" baseline="0" noProof="0" dirty="0" err="1" smtClean="0">
+              <a:rPr kumimoji="0" lang="en-US" altLang="en-US" sz="1200" b="0" i="0" u="none" strike="noStrike" kern="0" cap="none" spc="0" normalizeH="0" baseline="0" noProof="0" dirty="0" err="1">
                 <a:ln>
                   <a:noFill/>
                 </a:ln>
@@ -14313,7 +14073,7 @@
               </a:rPr>
               <a:t>yr</a:t>
             </a:r>
-            <a:endParaRPr kumimoji="0" lang="en-US" altLang="en-US" sz="1200" b="0" i="0" u="none" strike="noStrike" kern="0" cap="none" spc="0" normalizeH="0" baseline="0" noProof="0" dirty="0" smtClean="0">
+            <a:endParaRPr kumimoji="0" lang="en-US" altLang="en-US" sz="1200" b="0" i="0" u="none" strike="noStrike" kern="0" cap="none" spc="0" normalizeH="0" baseline="0" noProof="0" dirty="0">
               <a:ln>
                 <a:noFill/>
               </a:ln>
@@ -14492,7 +14252,7 @@
               <a:defRPr/>
             </a:pPr>
             <a:r>
-              <a:rPr kumimoji="0" lang="en-US" altLang="en-US" sz="1200" b="0" i="0" u="none" strike="noStrike" kern="0" cap="none" spc="0" normalizeH="0" baseline="0" noProof="0" dirty="0" smtClean="0">
+              <a:rPr kumimoji="0" lang="en-US" altLang="en-US" sz="1200" b="0" i="0" u="none" strike="noStrike" kern="0" cap="none" spc="0" normalizeH="0" baseline="0" noProof="0" dirty="0">
                 <a:ln>
                   <a:noFill/>
                 </a:ln>
@@ -14506,7 +14266,7 @@
               </a:rPr>
               <a:t>5%</a:t>
             </a:r>
-            <a:endParaRPr kumimoji="0" lang="en-US" altLang="en-US" sz="1200" b="0" i="0" u="none" strike="noStrike" kern="0" cap="none" spc="0" normalizeH="0" baseline="0" noProof="0" dirty="0" smtClean="0">
+            <a:endParaRPr kumimoji="0" lang="en-US" altLang="en-US" sz="1200" b="0" i="0" u="none" strike="noStrike" kern="0" cap="none" spc="0" normalizeH="0" baseline="0" noProof="0" dirty="0">
               <a:ln>
                 <a:noFill/>
               </a:ln>
@@ -14685,7 +14445,7 @@
               <a:defRPr/>
             </a:pPr>
             <a:r>
-              <a:rPr kumimoji="0" lang="en-US" altLang="en-US" sz="1000" b="0" i="0" u="none" strike="noStrike" kern="0" cap="none" spc="0" normalizeH="0" baseline="0" noProof="0" smtClean="0">
+              <a:rPr kumimoji="0" lang="en-US" altLang="en-US" sz="1000" b="0" i="0" u="none" strike="noStrike" kern="0" cap="none" spc="0" normalizeH="0" baseline="0" noProof="0">
                 <a:ln>
                   <a:noFill/>
                 </a:ln>
@@ -14699,7 +14459,7 @@
               </a:rPr>
               <a:t>Mkg/yr</a:t>
             </a:r>
-            <a:endParaRPr kumimoji="0" lang="en-US" altLang="en-US" sz="1800" b="0" i="0" u="none" strike="noStrike" kern="0" cap="none" spc="0" normalizeH="0" baseline="0" noProof="0" smtClean="0">
+            <a:endParaRPr kumimoji="0" lang="en-US" altLang="en-US" sz="1800" b="0" i="0" u="none" strike="noStrike" kern="0" cap="none" spc="0" normalizeH="0" baseline="0" noProof="0">
               <a:ln>
                 <a:noFill/>
               </a:ln>
@@ -14878,7 +14638,7 @@
               <a:defRPr/>
             </a:pPr>
             <a:r>
-              <a:rPr kumimoji="0" lang="en-US" altLang="en-US" sz="1000" b="0" i="0" u="none" strike="noStrike" kern="0" cap="none" spc="0" normalizeH="0" baseline="0" noProof="0" smtClean="0">
+              <a:rPr kumimoji="0" lang="en-US" altLang="en-US" sz="1000" b="0" i="0" u="none" strike="noStrike" kern="0" cap="none" spc="0" normalizeH="0" baseline="0" noProof="0">
                 <a:ln>
                   <a:noFill/>
                 </a:ln>
@@ -14892,7 +14652,7 @@
               </a:rPr>
               <a:t>million kg per year increase</a:t>
             </a:r>
-            <a:endParaRPr kumimoji="0" lang="en-US" altLang="en-US" sz="1800" b="0" i="0" u="none" strike="noStrike" kern="0" cap="none" spc="0" normalizeH="0" baseline="0" noProof="0" smtClean="0">
+            <a:endParaRPr kumimoji="0" lang="en-US" altLang="en-US" sz="1800" b="0" i="0" u="none" strike="noStrike" kern="0" cap="none" spc="0" normalizeH="0" baseline="0" noProof="0">
               <a:ln>
                 <a:noFill/>
               </a:ln>
@@ -15071,7 +14831,7 @@
               <a:defRPr/>
             </a:pPr>
             <a:r>
-              <a:rPr kumimoji="0" lang="en-US" altLang="en-US" sz="1200" b="0" i="0" u="none" strike="noStrike" kern="0" cap="none" spc="0" normalizeH="0" baseline="0" noProof="0" dirty="0" smtClean="0">
+              <a:rPr kumimoji="0" lang="en-US" altLang="en-US" sz="1200" b="0" i="0" u="none" strike="noStrike" kern="0" cap="none" spc="0" normalizeH="0" baseline="0" noProof="0" dirty="0">
                 <a:ln>
                   <a:noFill/>
                 </a:ln>
@@ -15086,7 +14846,7 @@
               <a:t>Maintenance </a:t>
             </a:r>
             <a:br>
-              <a:rPr kumimoji="0" lang="en-US" altLang="en-US" sz="1200" b="0" i="0" u="none" strike="noStrike" kern="0" cap="none" spc="0" normalizeH="0" baseline="0" noProof="0" dirty="0" smtClean="0">
+              <a:rPr kumimoji="0" lang="en-US" altLang="en-US" sz="1200" b="0" i="0" u="none" strike="noStrike" kern="0" cap="none" spc="0" normalizeH="0" baseline="0" noProof="0" dirty="0">
                 <a:ln>
                   <a:noFill/>
                 </a:ln>
@@ -15100,7 +14860,7 @@
               </a:rPr>
             </a:br>
             <a:r>
-              <a:rPr kumimoji="0" lang="en-US" altLang="en-US" sz="1200" b="0" i="0" u="none" strike="noStrike" kern="0" cap="none" spc="0" normalizeH="0" baseline="0" noProof="0" dirty="0" smtClean="0">
+              <a:rPr kumimoji="0" lang="en-US" altLang="en-US" sz="1200" b="0" i="0" u="none" strike="noStrike" kern="0" cap="none" spc="0" normalizeH="0" baseline="0" noProof="0" dirty="0">
                 <a:ln>
                   <a:noFill/>
                 </a:ln>
@@ -15114,7 +14874,7 @@
               </a:rPr>
               <a:t>Costs:</a:t>
             </a:r>
-            <a:endParaRPr kumimoji="0" lang="en-US" altLang="en-US" sz="1200" b="0" i="0" u="none" strike="noStrike" kern="0" cap="none" spc="0" normalizeH="0" baseline="0" noProof="0" dirty="0" smtClean="0">
+            <a:endParaRPr kumimoji="0" lang="en-US" altLang="en-US" sz="1200" b="0" i="0" u="none" strike="noStrike" kern="0" cap="none" spc="0" normalizeH="0" baseline="0" noProof="0" dirty="0">
               <a:ln>
                 <a:noFill/>
               </a:ln>
@@ -15293,7 +15053,7 @@
               <a:defRPr/>
             </a:pPr>
             <a:r>
-              <a:rPr kumimoji="0" lang="en-US" altLang="en-US" sz="1200" b="0" i="0" u="none" strike="noStrike" kern="0" cap="none" spc="0" normalizeH="0" baseline="0" noProof="0" dirty="0" smtClean="0">
+              <a:rPr kumimoji="0" lang="en-US" altLang="en-US" sz="1200" b="0" i="0" u="none" strike="noStrike" kern="0" cap="none" spc="0" normalizeH="0" baseline="0" noProof="0" dirty="0">
                 <a:ln>
                   <a:noFill/>
                 </a:ln>
@@ -15308,7 +15068,7 @@
               <a:t>$5,000,000 /</a:t>
             </a:r>
             <a:r>
-              <a:rPr kumimoji="0" lang="en-US" altLang="en-US" sz="1200" b="0" i="0" u="none" strike="noStrike" kern="0" cap="none" spc="0" normalizeH="0" baseline="0" noProof="0" dirty="0" err="1" smtClean="0">
+              <a:rPr kumimoji="0" lang="en-US" altLang="en-US" sz="1200" b="0" i="0" u="none" strike="noStrike" kern="0" cap="none" spc="0" normalizeH="0" baseline="0" noProof="0" dirty="0" err="1">
                 <a:ln>
                   <a:noFill/>
                 </a:ln>
@@ -15322,7 +15082,7 @@
               </a:rPr>
               <a:t>yr</a:t>
             </a:r>
-            <a:endParaRPr kumimoji="0" lang="en-US" altLang="en-US" sz="1200" b="0" i="0" u="none" strike="noStrike" kern="0" cap="none" spc="0" normalizeH="0" baseline="0" noProof="0" dirty="0" smtClean="0">
+            <a:endParaRPr kumimoji="0" lang="en-US" altLang="en-US" sz="1200" b="0" i="0" u="none" strike="noStrike" kern="0" cap="none" spc="0" normalizeH="0" baseline="0" noProof="0" dirty="0">
               <a:ln>
                 <a:noFill/>
               </a:ln>
@@ -15501,7 +15261,7 @@
               <a:defRPr/>
             </a:pPr>
             <a:r>
-              <a:rPr kumimoji="0" lang="en-US" altLang="en-US" sz="1200" b="0" i="0" u="none" strike="noStrike" kern="0" cap="none" spc="0" normalizeH="0" baseline="0" noProof="0" dirty="0" smtClean="0">
+              <a:rPr kumimoji="0" lang="en-US" altLang="en-US" sz="1200" b="0" i="0" u="none" strike="noStrike" kern="0" cap="none" spc="0" normalizeH="0" baseline="0" noProof="0" dirty="0">
                 <a:ln>
                   <a:noFill/>
                 </a:ln>
@@ -15515,7 +15275,7 @@
               </a:rPr>
               <a:t>5%</a:t>
             </a:r>
-            <a:endParaRPr kumimoji="0" lang="en-US" altLang="en-US" sz="1200" b="0" i="0" u="none" strike="noStrike" kern="0" cap="none" spc="0" normalizeH="0" baseline="0" noProof="0" dirty="0" smtClean="0">
+            <a:endParaRPr kumimoji="0" lang="en-US" altLang="en-US" sz="1200" b="0" i="0" u="none" strike="noStrike" kern="0" cap="none" spc="0" normalizeH="0" baseline="0" noProof="0" dirty="0">
               <a:ln>
                 <a:noFill/>
               </a:ln>
@@ -15694,7 +15454,7 @@
               <a:defRPr/>
             </a:pPr>
             <a:r>
-              <a:rPr kumimoji="0" lang="en-US" altLang="en-US" sz="1000" b="0" i="0" u="none" strike="noStrike" kern="0" cap="none" spc="0" normalizeH="0" baseline="0" noProof="0" smtClean="0">
+              <a:rPr kumimoji="0" lang="en-US" altLang="en-US" sz="1000" b="0" i="0" u="none" strike="noStrike" kern="0" cap="none" spc="0" normalizeH="0" baseline="0" noProof="0">
                 <a:ln>
                   <a:noFill/>
                 </a:ln>
@@ -15708,7 +15468,7 @@
               </a:rPr>
               <a:t>$/yr</a:t>
             </a:r>
-            <a:endParaRPr kumimoji="0" lang="en-US" altLang="en-US" sz="1800" b="0" i="0" u="none" strike="noStrike" kern="0" cap="none" spc="0" normalizeH="0" baseline="0" noProof="0" smtClean="0">
+            <a:endParaRPr kumimoji="0" lang="en-US" altLang="en-US" sz="1800" b="0" i="0" u="none" strike="noStrike" kern="0" cap="none" spc="0" normalizeH="0" baseline="0" noProof="0">
               <a:ln>
                 <a:noFill/>
               </a:ln>
@@ -15887,7 +15647,7 @@
               <a:defRPr/>
             </a:pPr>
             <a:r>
-              <a:rPr kumimoji="0" lang="en-US" altLang="en-US" sz="1000" b="0" i="0" u="none" strike="noStrike" kern="0" cap="none" spc="0" normalizeH="0" baseline="0" noProof="0" smtClean="0">
+              <a:rPr kumimoji="0" lang="en-US" altLang="en-US" sz="1000" b="0" i="0" u="none" strike="noStrike" kern="0" cap="none" spc="0" normalizeH="0" baseline="0" noProof="0">
                 <a:ln>
                   <a:noFill/>
                 </a:ln>
@@ -15901,7 +15661,7 @@
               </a:rPr>
               <a:t>$ per year maintenance cost savings</a:t>
             </a:r>
-            <a:endParaRPr kumimoji="0" lang="en-US" altLang="en-US" sz="1800" b="0" i="0" u="none" strike="noStrike" kern="0" cap="none" spc="0" normalizeH="0" baseline="0" noProof="0" smtClean="0">
+            <a:endParaRPr kumimoji="0" lang="en-US" altLang="en-US" sz="1800" b="0" i="0" u="none" strike="noStrike" kern="0" cap="none" spc="0" normalizeH="0" baseline="0" noProof="0">
               <a:ln>
                 <a:noFill/>
               </a:ln>
@@ -16080,7 +15840,7 @@
               <a:defRPr/>
             </a:pPr>
             <a:r>
-              <a:rPr kumimoji="0" lang="en-US" altLang="en-US" sz="1200" b="0" i="0" u="none" strike="noStrike" kern="0" cap="none" spc="0" normalizeH="0" baseline="0" noProof="0" dirty="0" smtClean="0">
+              <a:rPr kumimoji="0" lang="en-US" altLang="en-US" sz="1200" b="0" i="0" u="none" strike="noStrike" kern="0" cap="none" spc="0" normalizeH="0" baseline="0" noProof="0" dirty="0">
                 <a:ln>
                   <a:noFill/>
                 </a:ln>
@@ -16095,7 +15855,7 @@
               <a:t>Production </a:t>
             </a:r>
             <a:br>
-              <a:rPr kumimoji="0" lang="en-US" altLang="en-US" sz="1200" b="0" i="0" u="none" strike="noStrike" kern="0" cap="none" spc="0" normalizeH="0" baseline="0" noProof="0" dirty="0" smtClean="0">
+              <a:rPr kumimoji="0" lang="en-US" altLang="en-US" sz="1200" b="0" i="0" u="none" strike="noStrike" kern="0" cap="none" spc="0" normalizeH="0" baseline="0" noProof="0" dirty="0">
                 <a:ln>
                   <a:noFill/>
                 </a:ln>
@@ -16109,7 +15869,7 @@
               </a:rPr>
             </a:br>
             <a:r>
-              <a:rPr kumimoji="0" lang="en-US" altLang="en-US" sz="1200" b="0" i="0" u="none" strike="noStrike" kern="0" cap="none" spc="0" normalizeH="0" baseline="0" noProof="0" dirty="0" smtClean="0">
+              <a:rPr kumimoji="0" lang="en-US" altLang="en-US" sz="1200" b="0" i="0" u="none" strike="noStrike" kern="0" cap="none" spc="0" normalizeH="0" baseline="0" noProof="0" dirty="0">
                 <a:ln>
                   <a:noFill/>
                 </a:ln>
@@ -16123,7 +15883,7 @@
               </a:rPr>
               <a:t>Costs: </a:t>
             </a:r>
-            <a:endParaRPr kumimoji="0" lang="en-US" altLang="en-US" sz="1200" b="0" i="0" u="none" strike="noStrike" kern="0" cap="none" spc="0" normalizeH="0" baseline="0" noProof="0" dirty="0" smtClean="0">
+            <a:endParaRPr kumimoji="0" lang="en-US" altLang="en-US" sz="1200" b="0" i="0" u="none" strike="noStrike" kern="0" cap="none" spc="0" normalizeH="0" baseline="0" noProof="0" dirty="0">
               <a:ln>
                 <a:noFill/>
               </a:ln>
@@ -16302,7 +16062,7 @@
               <a:defRPr/>
             </a:pPr>
             <a:r>
-              <a:rPr kumimoji="0" lang="en-US" altLang="en-US" sz="1200" b="0" i="0" u="none" strike="noStrike" kern="0" cap="none" spc="0" normalizeH="0" baseline="0" noProof="0" dirty="0" smtClean="0">
+              <a:rPr kumimoji="0" lang="en-US" altLang="en-US" sz="1200" b="0" i="0" u="none" strike="noStrike" kern="0" cap="none" spc="0" normalizeH="0" baseline="0" noProof="0" dirty="0">
                 <a:ln>
                   <a:noFill/>
                 </a:ln>
@@ -16317,7 +16077,7 @@
               <a:t>$30,000,000 /</a:t>
             </a:r>
             <a:r>
-              <a:rPr kumimoji="0" lang="en-US" altLang="en-US" sz="1200" b="0" i="0" u="none" strike="noStrike" kern="0" cap="none" spc="0" normalizeH="0" baseline="0" noProof="0" dirty="0" err="1" smtClean="0">
+              <a:rPr kumimoji="0" lang="en-US" altLang="en-US" sz="1200" b="0" i="0" u="none" strike="noStrike" kern="0" cap="none" spc="0" normalizeH="0" baseline="0" noProof="0" dirty="0" err="1">
                 <a:ln>
                   <a:noFill/>
                 </a:ln>
@@ -16331,7 +16091,7 @@
               </a:rPr>
               <a:t>yr</a:t>
             </a:r>
-            <a:endParaRPr kumimoji="0" lang="en-US" altLang="en-US" sz="1200" b="0" i="0" u="none" strike="noStrike" kern="0" cap="none" spc="0" normalizeH="0" baseline="0" noProof="0" dirty="0" smtClean="0">
+            <a:endParaRPr kumimoji="0" lang="en-US" altLang="en-US" sz="1200" b="0" i="0" u="none" strike="noStrike" kern="0" cap="none" spc="0" normalizeH="0" baseline="0" noProof="0" dirty="0">
               <a:ln>
                 <a:noFill/>
               </a:ln>
@@ -16510,7 +16270,7 @@
               <a:defRPr/>
             </a:pPr>
             <a:r>
-              <a:rPr kumimoji="0" lang="en-US" altLang="en-US" sz="1200" b="0" i="0" u="none" strike="noStrike" kern="0" cap="none" spc="0" normalizeH="0" baseline="0" noProof="0" dirty="0" smtClean="0">
+              <a:rPr kumimoji="0" lang="en-US" altLang="en-US" sz="1200" b="0" i="0" u="none" strike="noStrike" kern="0" cap="none" spc="0" normalizeH="0" baseline="0" noProof="0" dirty="0">
                 <a:ln>
                   <a:noFill/>
                 </a:ln>
@@ -16524,7 +16284,7 @@
               </a:rPr>
               <a:t>3%</a:t>
             </a:r>
-            <a:endParaRPr kumimoji="0" lang="en-US" altLang="en-US" sz="1200" b="0" i="0" u="none" strike="noStrike" kern="0" cap="none" spc="0" normalizeH="0" baseline="0" noProof="0" dirty="0" smtClean="0">
+            <a:endParaRPr kumimoji="0" lang="en-US" altLang="en-US" sz="1200" b="0" i="0" u="none" strike="noStrike" kern="0" cap="none" spc="0" normalizeH="0" baseline="0" noProof="0" dirty="0">
               <a:ln>
                 <a:noFill/>
               </a:ln>
@@ -16703,7 +16463,7 @@
               <a:defRPr/>
             </a:pPr>
             <a:r>
-              <a:rPr kumimoji="0" lang="en-US" altLang="en-US" sz="1000" b="0" i="0" u="none" strike="noStrike" kern="0" cap="none" spc="0" normalizeH="0" baseline="0" noProof="0" smtClean="0">
+              <a:rPr kumimoji="0" lang="en-US" altLang="en-US" sz="1000" b="0" i="0" u="none" strike="noStrike" kern="0" cap="none" spc="0" normalizeH="0" baseline="0" noProof="0">
                 <a:ln>
                   <a:noFill/>
                 </a:ln>
@@ -16717,7 +16477,7 @@
               </a:rPr>
               <a:t>$/yr</a:t>
             </a:r>
-            <a:endParaRPr kumimoji="0" lang="en-US" altLang="en-US" sz="1800" b="0" i="0" u="none" strike="noStrike" kern="0" cap="none" spc="0" normalizeH="0" baseline="0" noProof="0" smtClean="0">
+            <a:endParaRPr kumimoji="0" lang="en-US" altLang="en-US" sz="1800" b="0" i="0" u="none" strike="noStrike" kern="0" cap="none" spc="0" normalizeH="0" baseline="0" noProof="0">
               <a:ln>
                 <a:noFill/>
               </a:ln>
@@ -16896,7 +16656,7 @@
               <a:defRPr/>
             </a:pPr>
             <a:r>
-              <a:rPr kumimoji="0" lang="en-US" altLang="en-US" sz="1000" b="0" i="0" u="none" strike="noStrike" kern="0" cap="none" spc="0" normalizeH="0" baseline="0" noProof="0" smtClean="0">
+              <a:rPr kumimoji="0" lang="en-US" altLang="en-US" sz="1000" b="0" i="0" u="none" strike="noStrike" kern="0" cap="none" spc="0" normalizeH="0" baseline="0" noProof="0">
                 <a:ln>
                   <a:noFill/>
                 </a:ln>
@@ -16910,7 +16670,7 @@
               </a:rPr>
               <a:t>$ per year production cost savings</a:t>
             </a:r>
-            <a:endParaRPr kumimoji="0" lang="en-US" altLang="en-US" sz="1800" b="0" i="0" u="none" strike="noStrike" kern="0" cap="none" spc="0" normalizeH="0" baseline="0" noProof="0" smtClean="0">
+            <a:endParaRPr kumimoji="0" lang="en-US" altLang="en-US" sz="1800" b="0" i="0" u="none" strike="noStrike" kern="0" cap="none" spc="0" normalizeH="0" baseline="0" noProof="0">
               <a:ln>
                 <a:noFill/>
               </a:ln>
@@ -17089,7 +16849,7 @@
               <a:defRPr/>
             </a:pPr>
             <a:r>
-              <a:rPr kumimoji="0" lang="en-US" altLang="en-US" sz="1200" b="0" i="0" u="none" strike="noStrike" kern="0" cap="none" spc="0" normalizeH="0" baseline="0" noProof="0" dirty="0" smtClean="0">
+              <a:rPr kumimoji="0" lang="en-US" altLang="en-US" sz="1200" b="0" i="0" u="none" strike="noStrike" kern="0" cap="none" spc="0" normalizeH="0" baseline="0" noProof="0" dirty="0">
                 <a:ln>
                   <a:noFill/>
                 </a:ln>
@@ -17104,7 +16864,7 @@
               <a:t>Capital </a:t>
             </a:r>
             <a:br>
-              <a:rPr kumimoji="0" lang="en-US" altLang="en-US" sz="1200" b="0" i="0" u="none" strike="noStrike" kern="0" cap="none" spc="0" normalizeH="0" baseline="0" noProof="0" dirty="0" smtClean="0">
+              <a:rPr kumimoji="0" lang="en-US" altLang="en-US" sz="1200" b="0" i="0" u="none" strike="noStrike" kern="0" cap="none" spc="0" normalizeH="0" baseline="0" noProof="0" dirty="0">
                 <a:ln>
                   <a:noFill/>
                 </a:ln>
@@ -17118,7 +16878,7 @@
               </a:rPr>
             </a:br>
             <a:r>
-              <a:rPr kumimoji="0" lang="en-US" altLang="en-US" sz="1200" b="0" i="0" u="none" strike="noStrike" kern="0" cap="none" spc="0" normalizeH="0" baseline="0" noProof="0" dirty="0" smtClean="0">
+              <a:rPr kumimoji="0" lang="en-US" altLang="en-US" sz="1200" b="0" i="0" u="none" strike="noStrike" kern="0" cap="none" spc="0" normalizeH="0" baseline="0" noProof="0" dirty="0">
                 <a:ln>
                   <a:noFill/>
                 </a:ln>
@@ -17132,7 +16892,7 @@
               </a:rPr>
               <a:t>Costs: </a:t>
             </a:r>
-            <a:endParaRPr kumimoji="0" lang="en-US" altLang="en-US" sz="1200" b="0" i="0" u="none" strike="noStrike" kern="0" cap="none" spc="0" normalizeH="0" baseline="0" noProof="0" dirty="0" smtClean="0">
+            <a:endParaRPr kumimoji="0" lang="en-US" altLang="en-US" sz="1200" b="0" i="0" u="none" strike="noStrike" kern="0" cap="none" spc="0" normalizeH="0" baseline="0" noProof="0" dirty="0">
               <a:ln>
                 <a:noFill/>
               </a:ln>
@@ -17311,7 +17071,7 @@
               <a:defRPr/>
             </a:pPr>
             <a:r>
-              <a:rPr kumimoji="0" lang="en-US" altLang="en-US" sz="1200" b="0" i="0" u="none" strike="noStrike" kern="0" cap="none" spc="0" normalizeH="0" baseline="0" noProof="0" dirty="0" smtClean="0">
+              <a:rPr kumimoji="0" lang="en-US" altLang="en-US" sz="1200" b="0" i="0" u="none" strike="noStrike" kern="0" cap="none" spc="0" normalizeH="0" baseline="0" noProof="0" dirty="0">
                 <a:ln>
                   <a:noFill/>
                 </a:ln>
@@ -17326,7 +17086,7 @@
               <a:t>$2,000,000 /</a:t>
             </a:r>
             <a:r>
-              <a:rPr kumimoji="0" lang="en-US" altLang="en-US" sz="1200" b="0" i="0" u="none" strike="noStrike" kern="0" cap="none" spc="0" normalizeH="0" baseline="0" noProof="0" dirty="0" err="1" smtClean="0">
+              <a:rPr kumimoji="0" lang="en-US" altLang="en-US" sz="1200" b="0" i="0" u="none" strike="noStrike" kern="0" cap="none" spc="0" normalizeH="0" baseline="0" noProof="0" dirty="0" err="1">
                 <a:ln>
                   <a:noFill/>
                 </a:ln>
@@ -17340,7 +17100,7 @@
               </a:rPr>
               <a:t>yr</a:t>
             </a:r>
-            <a:endParaRPr kumimoji="0" lang="en-US" altLang="en-US" sz="1200" b="0" i="0" u="none" strike="noStrike" kern="0" cap="none" spc="0" normalizeH="0" baseline="0" noProof="0" dirty="0" smtClean="0">
+            <a:endParaRPr kumimoji="0" lang="en-US" altLang="en-US" sz="1200" b="0" i="0" u="none" strike="noStrike" kern="0" cap="none" spc="0" normalizeH="0" baseline="0" noProof="0" dirty="0">
               <a:ln>
                 <a:noFill/>
               </a:ln>
@@ -17519,7 +17279,7 @@
               <a:defRPr/>
             </a:pPr>
             <a:r>
-              <a:rPr kumimoji="0" lang="en-US" altLang="en-US" sz="1200" b="0" i="0" u="none" strike="noStrike" kern="0" cap="none" spc="0" normalizeH="0" baseline="0" noProof="0" dirty="0" smtClean="0">
+              <a:rPr kumimoji="0" lang="en-US" altLang="en-US" sz="1200" b="0" i="0" u="none" strike="noStrike" kern="0" cap="none" spc="0" normalizeH="0" baseline="0" noProof="0" dirty="0">
                 <a:ln>
                   <a:noFill/>
                 </a:ln>
@@ -17533,7 +17293,7 @@
               </a:rPr>
               <a:t>1%</a:t>
             </a:r>
-            <a:endParaRPr kumimoji="0" lang="en-US" altLang="en-US" sz="1200" b="0" i="0" u="none" strike="noStrike" kern="0" cap="none" spc="0" normalizeH="0" baseline="0" noProof="0" dirty="0" smtClean="0">
+            <a:endParaRPr kumimoji="0" lang="en-US" altLang="en-US" sz="1200" b="0" i="0" u="none" strike="noStrike" kern="0" cap="none" spc="0" normalizeH="0" baseline="0" noProof="0" dirty="0">
               <a:ln>
                 <a:noFill/>
               </a:ln>
@@ -17712,7 +17472,7 @@
               <a:defRPr/>
             </a:pPr>
             <a:r>
-              <a:rPr kumimoji="0" lang="en-US" altLang="en-US" sz="1000" b="0" i="0" u="none" strike="noStrike" kern="0" cap="none" spc="0" normalizeH="0" baseline="0" noProof="0" smtClean="0">
+              <a:rPr kumimoji="0" lang="en-US" altLang="en-US" sz="1000" b="0" i="0" u="none" strike="noStrike" kern="0" cap="none" spc="0" normalizeH="0" baseline="0" noProof="0">
                 <a:ln>
                   <a:noFill/>
                 </a:ln>
@@ -17726,7 +17486,7 @@
               </a:rPr>
               <a:t>$/yr</a:t>
             </a:r>
-            <a:endParaRPr kumimoji="0" lang="en-US" altLang="en-US" sz="1800" b="0" i="0" u="none" strike="noStrike" kern="0" cap="none" spc="0" normalizeH="0" baseline="0" noProof="0" smtClean="0">
+            <a:endParaRPr kumimoji="0" lang="en-US" altLang="en-US" sz="1800" b="0" i="0" u="none" strike="noStrike" kern="0" cap="none" spc="0" normalizeH="0" baseline="0" noProof="0">
               <a:ln>
                 <a:noFill/>
               </a:ln>
@@ -17905,7 +17665,7 @@
               <a:defRPr/>
             </a:pPr>
             <a:r>
-              <a:rPr kumimoji="0" lang="en-US" altLang="en-US" sz="1000" b="0" i="0" u="none" strike="noStrike" kern="0" cap="none" spc="0" normalizeH="0" baseline="0" noProof="0" smtClean="0">
+              <a:rPr kumimoji="0" lang="en-US" altLang="en-US" sz="1000" b="0" i="0" u="none" strike="noStrike" kern="0" cap="none" spc="0" normalizeH="0" baseline="0" noProof="0">
                 <a:ln>
                   <a:noFill/>
                 </a:ln>
@@ -17919,7 +17679,7 @@
               </a:rPr>
               <a:t>$ per year capital cost savings</a:t>
             </a:r>
-            <a:endParaRPr kumimoji="0" lang="en-US" altLang="en-US" sz="1800" b="0" i="0" u="none" strike="noStrike" kern="0" cap="none" spc="0" normalizeH="0" baseline="0" noProof="0" smtClean="0">
+            <a:endParaRPr kumimoji="0" lang="en-US" altLang="en-US" sz="1800" b="0" i="0" u="none" strike="noStrike" kern="0" cap="none" spc="0" normalizeH="0" baseline="0" noProof="0">
               <a:ln>
                 <a:noFill/>
               </a:ln>
@@ -18098,7 +17858,7 @@
               <a:defRPr/>
             </a:pPr>
             <a:r>
-              <a:rPr kumimoji="0" lang="en-US" altLang="en-US" sz="1200" b="0" i="0" u="none" strike="noStrike" kern="0" cap="none" spc="0" normalizeH="0" baseline="0" noProof="0" dirty="0" smtClean="0">
+              <a:rPr kumimoji="0" lang="en-US" altLang="en-US" sz="1200" b="0" i="0" u="none" strike="noStrike" kern="0" cap="none" spc="0" normalizeH="0" baseline="0" noProof="0" dirty="0">
                 <a:ln>
                   <a:noFill/>
                 </a:ln>
@@ -18113,7 +17873,7 @@
               <a:t>Insurance </a:t>
             </a:r>
             <a:br>
-              <a:rPr kumimoji="0" lang="en-US" altLang="en-US" sz="1200" b="0" i="0" u="none" strike="noStrike" kern="0" cap="none" spc="0" normalizeH="0" baseline="0" noProof="0" dirty="0" smtClean="0">
+              <a:rPr kumimoji="0" lang="en-US" altLang="en-US" sz="1200" b="0" i="0" u="none" strike="noStrike" kern="0" cap="none" spc="0" normalizeH="0" baseline="0" noProof="0" dirty="0">
                 <a:ln>
                   <a:noFill/>
                 </a:ln>
@@ -18127,7 +17887,7 @@
               </a:rPr>
             </a:br>
             <a:r>
-              <a:rPr kumimoji="0" lang="en-US" altLang="en-US" sz="1200" b="0" i="0" u="none" strike="noStrike" kern="0" cap="none" spc="0" normalizeH="0" baseline="0" noProof="0" dirty="0" smtClean="0">
+              <a:rPr kumimoji="0" lang="en-US" altLang="en-US" sz="1200" b="0" i="0" u="none" strike="noStrike" kern="0" cap="none" spc="0" normalizeH="0" baseline="0" noProof="0" dirty="0">
                 <a:ln>
                   <a:noFill/>
                 </a:ln>
@@ -18141,7 +17901,7 @@
               </a:rPr>
               <a:t>Premiums:</a:t>
             </a:r>
-            <a:endParaRPr kumimoji="0" lang="en-US" altLang="en-US" sz="1200" b="0" i="0" u="none" strike="noStrike" kern="0" cap="none" spc="0" normalizeH="0" baseline="0" noProof="0" dirty="0" smtClean="0">
+            <a:endParaRPr kumimoji="0" lang="en-US" altLang="en-US" sz="1200" b="0" i="0" u="none" strike="noStrike" kern="0" cap="none" spc="0" normalizeH="0" baseline="0" noProof="0" dirty="0">
               <a:ln>
                 <a:noFill/>
               </a:ln>
@@ -18320,7 +18080,7 @@
               <a:defRPr/>
             </a:pPr>
             <a:r>
-              <a:rPr kumimoji="0" lang="en-US" altLang="en-US" sz="1200" b="0" i="0" u="none" strike="noStrike" kern="0" cap="none" spc="0" normalizeH="0" baseline="0" noProof="0" dirty="0" smtClean="0">
+              <a:rPr kumimoji="0" lang="en-US" altLang="en-US" sz="1200" b="0" i="0" u="none" strike="noStrike" kern="0" cap="none" spc="0" normalizeH="0" baseline="0" noProof="0" dirty="0">
                 <a:ln>
                   <a:noFill/>
                 </a:ln>
@@ -18335,7 +18095,7 @@
               <a:t>$500,000 /</a:t>
             </a:r>
             <a:r>
-              <a:rPr kumimoji="0" lang="en-US" altLang="en-US" sz="1200" b="0" i="0" u="none" strike="noStrike" kern="0" cap="none" spc="0" normalizeH="0" baseline="0" noProof="0" dirty="0" err="1" smtClean="0">
+              <a:rPr kumimoji="0" lang="en-US" altLang="en-US" sz="1200" b="0" i="0" u="none" strike="noStrike" kern="0" cap="none" spc="0" normalizeH="0" baseline="0" noProof="0" dirty="0" err="1">
                 <a:ln>
                   <a:noFill/>
                 </a:ln>
@@ -18349,7 +18109,7 @@
               </a:rPr>
               <a:t>yr</a:t>
             </a:r>
-            <a:endParaRPr kumimoji="0" lang="en-US" altLang="en-US" sz="1200" b="0" i="0" u="none" strike="noStrike" kern="0" cap="none" spc="0" normalizeH="0" baseline="0" noProof="0" dirty="0" smtClean="0">
+            <a:endParaRPr kumimoji="0" lang="en-US" altLang="en-US" sz="1200" b="0" i="0" u="none" strike="noStrike" kern="0" cap="none" spc="0" normalizeH="0" baseline="0" noProof="0" dirty="0">
               <a:ln>
                 <a:noFill/>
               </a:ln>
@@ -18528,7 +18288,7 @@
               <a:defRPr/>
             </a:pPr>
             <a:r>
-              <a:rPr kumimoji="0" lang="en-US" altLang="en-US" sz="1200" b="0" i="0" u="none" strike="noStrike" kern="0" cap="none" spc="0" normalizeH="0" baseline="0" noProof="0" dirty="0" smtClean="0">
+              <a:rPr kumimoji="0" lang="en-US" altLang="en-US" sz="1200" b="0" i="0" u="none" strike="noStrike" kern="0" cap="none" spc="0" normalizeH="0" baseline="0" noProof="0" dirty="0">
                 <a:ln>
                   <a:noFill/>
                 </a:ln>
@@ -18542,7 +18302,7 @@
               </a:rPr>
               <a:t>20%</a:t>
             </a:r>
-            <a:endParaRPr kumimoji="0" lang="en-US" altLang="en-US" sz="1200" b="0" i="0" u="none" strike="noStrike" kern="0" cap="none" spc="0" normalizeH="0" baseline="0" noProof="0" dirty="0" smtClean="0">
+            <a:endParaRPr kumimoji="0" lang="en-US" altLang="en-US" sz="1200" b="0" i="0" u="none" strike="noStrike" kern="0" cap="none" spc="0" normalizeH="0" baseline="0" noProof="0" dirty="0">
               <a:ln>
                 <a:noFill/>
               </a:ln>
@@ -18721,7 +18481,7 @@
               <a:defRPr/>
             </a:pPr>
             <a:r>
-              <a:rPr kumimoji="0" lang="en-US" altLang="en-US" sz="1000" b="0" i="0" u="none" strike="noStrike" kern="0" cap="none" spc="0" normalizeH="0" baseline="0" noProof="0" smtClean="0">
+              <a:rPr kumimoji="0" lang="en-US" altLang="en-US" sz="1000" b="0" i="0" u="none" strike="noStrike" kern="0" cap="none" spc="0" normalizeH="0" baseline="0" noProof="0">
                 <a:ln>
                   <a:noFill/>
                 </a:ln>
@@ -18735,7 +18495,7 @@
               </a:rPr>
               <a:t>$/yr</a:t>
             </a:r>
-            <a:endParaRPr kumimoji="0" lang="en-US" altLang="en-US" sz="1800" b="0" i="0" u="none" strike="noStrike" kern="0" cap="none" spc="0" normalizeH="0" baseline="0" noProof="0" smtClean="0">
+            <a:endParaRPr kumimoji="0" lang="en-US" altLang="en-US" sz="1800" b="0" i="0" u="none" strike="noStrike" kern="0" cap="none" spc="0" normalizeH="0" baseline="0" noProof="0">
               <a:ln>
                 <a:noFill/>
               </a:ln>
@@ -18914,7 +18674,7 @@
               <a:defRPr/>
             </a:pPr>
             <a:r>
-              <a:rPr kumimoji="0" lang="en-US" altLang="en-US" sz="1000" b="0" i="0" u="none" strike="noStrike" kern="0" cap="none" spc="0" normalizeH="0" baseline="0" noProof="0" smtClean="0">
+              <a:rPr kumimoji="0" lang="en-US" altLang="en-US" sz="1000" b="0" i="0" u="none" strike="noStrike" kern="0" cap="none" spc="0" normalizeH="0" baseline="0" noProof="0">
                 <a:ln>
                   <a:noFill/>
                 </a:ln>
@@ -18928,7 +18688,7 @@
               </a:rPr>
               <a:t>$ per year insurance premium savings</a:t>
             </a:r>
-            <a:endParaRPr kumimoji="0" lang="en-US" altLang="en-US" sz="1800" b="0" i="0" u="none" strike="noStrike" kern="0" cap="none" spc="0" normalizeH="0" baseline="0" noProof="0" smtClean="0">
+            <a:endParaRPr kumimoji="0" lang="en-US" altLang="en-US" sz="1800" b="0" i="0" u="none" strike="noStrike" kern="0" cap="none" spc="0" normalizeH="0" baseline="0" noProof="0">
               <a:ln>
                 <a:noFill/>
               </a:ln>
@@ -19107,7 +18867,7 @@
               <a:defRPr/>
             </a:pPr>
             <a:r>
-              <a:rPr kumimoji="0" lang="en-US" altLang="en-US" sz="1200" b="0" i="0" u="none" strike="noStrike" kern="0" cap="none" spc="0" normalizeH="0" baseline="0" noProof="0" dirty="0" smtClean="0">
+              <a:rPr kumimoji="0" lang="en-US" altLang="en-US" sz="1200" b="0" i="0" u="none" strike="noStrike" kern="0" cap="none" spc="0" normalizeH="0" baseline="0" noProof="0" dirty="0">
                 <a:ln>
                   <a:noFill/>
                 </a:ln>
@@ -19122,7 +18882,7 @@
               <a:t>Incident Cost </a:t>
             </a:r>
             <a:br>
-              <a:rPr kumimoji="0" lang="en-US" altLang="en-US" sz="1200" b="0" i="0" u="none" strike="noStrike" kern="0" cap="none" spc="0" normalizeH="0" baseline="0" noProof="0" dirty="0" smtClean="0">
+              <a:rPr kumimoji="0" lang="en-US" altLang="en-US" sz="1200" b="0" i="0" u="none" strike="noStrike" kern="0" cap="none" spc="0" normalizeH="0" baseline="0" noProof="0" dirty="0">
                 <a:ln>
                   <a:noFill/>
                 </a:ln>
@@ -19136,7 +18896,7 @@
               </a:rPr>
             </a:br>
             <a:r>
-              <a:rPr kumimoji="0" lang="en-US" altLang="en-US" sz="1200" b="0" i="0" u="none" strike="noStrike" kern="0" cap="none" spc="0" normalizeH="0" baseline="0" noProof="0" dirty="0" smtClean="0">
+              <a:rPr kumimoji="0" lang="en-US" altLang="en-US" sz="1200" b="0" i="0" u="none" strike="noStrike" kern="0" cap="none" spc="0" normalizeH="0" baseline="0" noProof="0" dirty="0">
                 <a:ln>
                   <a:noFill/>
                 </a:ln>
@@ -19150,7 +18910,7 @@
               </a:rPr>
               <a:t>Savings:</a:t>
             </a:r>
-            <a:endParaRPr kumimoji="0" lang="en-US" altLang="en-US" sz="1200" b="0" i="0" u="none" strike="noStrike" kern="0" cap="none" spc="0" normalizeH="0" baseline="0" noProof="0" dirty="0" smtClean="0">
+            <a:endParaRPr kumimoji="0" lang="en-US" altLang="en-US" sz="1200" b="0" i="0" u="none" strike="noStrike" kern="0" cap="none" spc="0" normalizeH="0" baseline="0" noProof="0" dirty="0">
               <a:ln>
                 <a:noFill/>
               </a:ln>
@@ -19329,7 +19089,7 @@
               <a:defRPr/>
             </a:pPr>
             <a:r>
-              <a:rPr kumimoji="0" lang="en-US" altLang="en-US" sz="1200" b="0" i="0" u="none" strike="noStrike" kern="0" cap="none" spc="0" normalizeH="0" baseline="0" noProof="0" dirty="0" smtClean="0">
+              <a:rPr kumimoji="0" lang="en-US" altLang="en-US" sz="1200" b="0" i="0" u="none" strike="noStrike" kern="0" cap="none" spc="0" normalizeH="0" baseline="0" noProof="0" dirty="0">
                 <a:ln>
                   <a:noFill/>
                 </a:ln>
@@ -19341,8 +19101,22 @@
                 <a:uFillTx/>
                 <a:latin typeface="Arial" panose="020B0604020202020204" pitchFamily="34" charset="0"/>
               </a:rPr>
-              <a:t> $25K / LI</a:t>
+              <a:t> $25K / LI, at </a:t>
             </a:r>
+            <a:br>
+              <a:rPr kumimoji="0" lang="en-US" altLang="en-US" sz="1200" b="0" i="0" u="none" strike="noStrike" kern="0" cap="none" spc="0" normalizeH="0" baseline="0" noProof="0" dirty="0">
+                <a:ln>
+                  <a:noFill/>
+                </a:ln>
+                <a:solidFill>
+                  <a:srgbClr val="000000"/>
+                </a:solidFill>
+                <a:effectLst/>
+                <a:uLnTx/>
+                <a:uFillTx/>
+                <a:latin typeface="Arial" panose="020B0604020202020204" pitchFamily="34" charset="0"/>
+              </a:rPr>
+            </a:br>
             <a:r>
               <a:rPr kumimoji="0" lang="en-US" altLang="en-US" sz="1200" b="0" i="0" u="none" strike="noStrike" kern="0" cap="none" spc="0" normalizeH="0" baseline="0" noProof="0" dirty="0">
                 <a:ln>
@@ -19356,83 +19130,9 @@
                 <a:uFillTx/>
                 <a:latin typeface="Arial" panose="020B0604020202020204" pitchFamily="34" charset="0"/>
               </a:rPr>
-              <a:t>, </a:t>
+              <a:t>4 LI’s avoided / year  </a:t>
             </a:r>
-            <a:r>
-              <a:rPr kumimoji="0" lang="en-US" altLang="en-US" sz="1200" b="0" i="0" u="none" strike="noStrike" kern="0" cap="none" spc="0" normalizeH="0" baseline="0" noProof="0" dirty="0" smtClean="0">
-                <a:ln>
-                  <a:noFill/>
-                </a:ln>
-                <a:solidFill>
-                  <a:srgbClr val="000000"/>
-                </a:solidFill>
-                <a:effectLst/>
-                <a:uLnTx/>
-                <a:uFillTx/>
-                <a:latin typeface="Arial" panose="020B0604020202020204" pitchFamily="34" charset="0"/>
-              </a:rPr>
-              <a:t>at </a:t>
-            </a:r>
-            <a:br>
-              <a:rPr kumimoji="0" lang="en-US" altLang="en-US" sz="1200" b="0" i="0" u="none" strike="noStrike" kern="0" cap="none" spc="0" normalizeH="0" baseline="0" noProof="0" dirty="0" smtClean="0">
-                <a:ln>
-                  <a:noFill/>
-                </a:ln>
-                <a:solidFill>
-                  <a:srgbClr val="000000"/>
-                </a:solidFill>
-                <a:effectLst/>
-                <a:uLnTx/>
-                <a:uFillTx/>
-                <a:latin typeface="Arial" panose="020B0604020202020204" pitchFamily="34" charset="0"/>
-              </a:rPr>
-            </a:br>
-            <a:r>
-              <a:rPr kumimoji="0" lang="en-US" altLang="en-US" sz="1200" b="0" i="0" u="none" strike="noStrike" kern="0" cap="none" spc="0" normalizeH="0" baseline="0" noProof="0" dirty="0" smtClean="0">
-                <a:ln>
-                  <a:noFill/>
-                </a:ln>
-                <a:solidFill>
-                  <a:srgbClr val="000000"/>
-                </a:solidFill>
-                <a:effectLst/>
-                <a:uLnTx/>
-                <a:uFillTx/>
-                <a:latin typeface="Arial" panose="020B0604020202020204" pitchFamily="34" charset="0"/>
-              </a:rPr>
-              <a:t>4 </a:t>
-            </a:r>
-            <a:r>
-              <a:rPr kumimoji="0" lang="en-US" altLang="en-US" sz="1200" b="0" i="0" u="none" strike="noStrike" kern="0" cap="none" spc="0" normalizeH="0" baseline="0" noProof="0" dirty="0">
-                <a:ln>
-                  <a:noFill/>
-                </a:ln>
-                <a:solidFill>
-                  <a:srgbClr val="000000"/>
-                </a:solidFill>
-                <a:effectLst/>
-                <a:uLnTx/>
-                <a:uFillTx/>
-                <a:latin typeface="Arial" panose="020B0604020202020204" pitchFamily="34" charset="0"/>
-              </a:rPr>
-              <a:t>LI’s avoided / year </a:t>
-            </a:r>
-            <a:r>
-              <a:rPr kumimoji="0" lang="en-US" altLang="en-US" sz="1200" b="0" i="0" u="none" strike="noStrike" kern="0" cap="none" spc="0" normalizeH="0" baseline="0" noProof="0" dirty="0" smtClean="0">
-                <a:ln>
-                  <a:noFill/>
-                </a:ln>
-                <a:solidFill>
-                  <a:srgbClr val="000000"/>
-                </a:solidFill>
-                <a:effectLst/>
-                <a:uLnTx/>
-                <a:uFillTx/>
-                <a:latin typeface="Arial" panose="020B0604020202020204" pitchFamily="34" charset="0"/>
-              </a:rPr>
-              <a:t> </a:t>
-            </a:r>
-            <a:endParaRPr kumimoji="0" lang="en-US" altLang="en-US" sz="1200" b="0" i="0" u="none" strike="noStrike" kern="0" cap="none" spc="0" normalizeH="0" baseline="0" noProof="0" dirty="0" smtClean="0">
+            <a:endParaRPr kumimoji="0" lang="en-US" altLang="en-US" sz="1200" b="0" i="0" u="none" strike="noStrike" kern="0" cap="none" spc="0" normalizeH="0" baseline="0" noProof="0" dirty="0">
               <a:ln>
                 <a:noFill/>
               </a:ln>
@@ -19611,7 +19311,7 @@
               <a:defRPr/>
             </a:pPr>
             <a:r>
-              <a:rPr kumimoji="0" lang="en-US" altLang="en-US" sz="1000" b="0" i="0" u="none" strike="noStrike" kern="0" cap="none" spc="0" normalizeH="0" baseline="0" noProof="0" smtClean="0">
+              <a:rPr kumimoji="0" lang="en-US" altLang="en-US" sz="1000" b="0" i="0" u="none" strike="noStrike" kern="0" cap="none" spc="0" normalizeH="0" baseline="0" noProof="0">
                 <a:ln>
                   <a:noFill/>
                 </a:ln>
@@ -19625,7 +19325,7 @@
               </a:rPr>
               <a:t>$ per year in incident cost savings</a:t>
             </a:r>
-            <a:endParaRPr kumimoji="0" lang="en-US" altLang="en-US" sz="1800" b="0" i="0" u="none" strike="noStrike" kern="0" cap="none" spc="0" normalizeH="0" baseline="0" noProof="0" smtClean="0">
+            <a:endParaRPr kumimoji="0" lang="en-US" altLang="en-US" sz="1800" b="0" i="0" u="none" strike="noStrike" kern="0" cap="none" spc="0" normalizeH="0" baseline="0" noProof="0">
               <a:ln>
                 <a:noFill/>
               </a:ln>
@@ -19804,7 +19504,7 @@
               <a:defRPr/>
             </a:pPr>
             <a:r>
-              <a:rPr kumimoji="0" lang="en-US" altLang="en-US" sz="800" b="0" i="0" u="none" strike="noStrike" kern="0" cap="none" spc="0" normalizeH="0" baseline="0" noProof="0" smtClean="0">
+              <a:rPr kumimoji="0" lang="en-US" altLang="en-US" sz="800" b="0" i="0" u="none" strike="noStrike" kern="0" cap="none" spc="0" normalizeH="0" baseline="0" noProof="0">
                 <a:ln>
                   <a:noFill/>
                 </a:ln>
@@ -19818,7 +19518,7 @@
               </a:rPr>
               <a:t>Total Potential Savings:</a:t>
             </a:r>
-            <a:endParaRPr kumimoji="0" lang="en-US" altLang="en-US" sz="1800" b="0" i="0" u="none" strike="noStrike" kern="0" cap="none" spc="0" normalizeH="0" baseline="0" noProof="0" smtClean="0">
+            <a:endParaRPr kumimoji="0" lang="en-US" altLang="en-US" sz="1800" b="0" i="0" u="none" strike="noStrike" kern="0" cap="none" spc="0" normalizeH="0" baseline="0" noProof="0">
               <a:ln>
                 <a:noFill/>
               </a:ln>
@@ -19997,7 +19697,7 @@
               <a:defRPr/>
             </a:pPr>
             <a:r>
-              <a:rPr kumimoji="0" lang="en-US" altLang="en-US" sz="1000" b="0" i="0" u="none" strike="noStrike" kern="0" cap="none" spc="0" normalizeH="0" baseline="0" noProof="0" smtClean="0">
+              <a:rPr kumimoji="0" lang="en-US" altLang="en-US" sz="1000" b="0" i="0" u="none" strike="noStrike" kern="0" cap="none" spc="0" normalizeH="0" baseline="0" noProof="0">
                 <a:ln>
                   <a:noFill/>
                 </a:ln>
@@ -20011,7 +19711,7 @@
               </a:rPr>
               <a:t>$ per year total savings</a:t>
             </a:r>
-            <a:endParaRPr kumimoji="0" lang="en-US" altLang="en-US" sz="1800" b="0" i="0" u="none" strike="noStrike" kern="0" cap="none" spc="0" normalizeH="0" baseline="0" noProof="0" smtClean="0">
+            <a:endParaRPr kumimoji="0" lang="en-US" altLang="en-US" sz="1800" b="0" i="0" u="none" strike="noStrike" kern="0" cap="none" spc="0" normalizeH="0" baseline="0" noProof="0">
               <a:ln>
                 <a:noFill/>
               </a:ln>
@@ -20190,7 +19890,7 @@
               <a:defRPr/>
             </a:pPr>
             <a:r>
-              <a:rPr kumimoji="0" lang="en-US" altLang="en-US" sz="800" b="0" i="0" u="none" strike="noStrike" kern="0" cap="none" spc="0" normalizeH="0" baseline="0" noProof="0" smtClean="0">
+              <a:rPr kumimoji="0" lang="en-US" altLang="en-US" sz="800" b="0" i="0" u="none" strike="noStrike" kern="0" cap="none" spc="0" normalizeH="0" baseline="0" noProof="0">
                 <a:ln>
                   <a:noFill/>
                 </a:ln>
@@ -20204,7 +19904,7 @@
               </a:rPr>
               <a:t>Estimated Costs for ESRM Program:</a:t>
             </a:r>
-            <a:endParaRPr kumimoji="0" lang="en-US" altLang="en-US" sz="1800" b="0" i="0" u="none" strike="noStrike" kern="0" cap="none" spc="0" normalizeH="0" baseline="0" noProof="0" smtClean="0">
+            <a:endParaRPr kumimoji="0" lang="en-US" altLang="en-US" sz="1800" b="0" i="0" u="none" strike="noStrike" kern="0" cap="none" spc="0" normalizeH="0" baseline="0" noProof="0">
               <a:ln>
                 <a:noFill/>
               </a:ln>
@@ -20383,7 +20083,7 @@
               <a:defRPr/>
             </a:pPr>
             <a:r>
-              <a:rPr kumimoji="0" lang="en-US" altLang="en-US" sz="1400" b="0" i="0" u="none" strike="noStrike" kern="0" cap="none" spc="0" normalizeH="0" baseline="0" noProof="0" dirty="0" smtClean="0">
+              <a:rPr kumimoji="0" lang="en-US" altLang="en-US" sz="1400" b="0" i="0" u="none" strike="noStrike" kern="0" cap="none" spc="0" normalizeH="0" baseline="0" noProof="0" dirty="0">
                 <a:ln>
                   <a:noFill/>
                 </a:ln>
@@ -20397,7 +20097,7 @@
               </a:rPr>
               <a:t>500,000</a:t>
             </a:r>
-            <a:endParaRPr kumimoji="0" lang="en-US" altLang="en-US" sz="2000" b="0" i="0" u="none" strike="noStrike" kern="0" cap="none" spc="0" normalizeH="0" baseline="0" noProof="0" dirty="0" smtClean="0">
+            <a:endParaRPr kumimoji="0" lang="en-US" altLang="en-US" sz="2000" b="0" i="0" u="none" strike="noStrike" kern="0" cap="none" spc="0" normalizeH="0" baseline="0" noProof="0" dirty="0">
               <a:ln>
                 <a:noFill/>
               </a:ln>
@@ -20576,7 +20276,7 @@
               <a:defRPr/>
             </a:pPr>
             <a:r>
-              <a:rPr kumimoji="0" lang="en-US" altLang="en-US" sz="1200" b="0" i="0" u="none" strike="noStrike" kern="0" cap="none" spc="0" normalizeH="0" baseline="0" noProof="0" smtClean="0">
+              <a:rPr kumimoji="0" lang="en-US" altLang="en-US" sz="1200" b="0" i="0" u="none" strike="noStrike" kern="0" cap="none" spc="0" normalizeH="0" baseline="0" noProof="0">
                 <a:ln>
                   <a:noFill/>
                 </a:ln>
@@ -20590,7 +20290,7 @@
               </a:rPr>
               <a:t>$    </a:t>
             </a:r>
-            <a:endParaRPr kumimoji="0" lang="en-US" altLang="en-US" sz="1800" b="0" i="0" u="none" strike="noStrike" kern="0" cap="none" spc="0" normalizeH="0" baseline="0" noProof="0" smtClean="0">
+            <a:endParaRPr kumimoji="0" lang="en-US" altLang="en-US" sz="1800" b="0" i="0" u="none" strike="noStrike" kern="0" cap="none" spc="0" normalizeH="0" baseline="0" noProof="0">
               <a:ln>
                 <a:noFill/>
               </a:ln>
@@ -20769,7 +20469,7 @@
               <a:defRPr/>
             </a:pPr>
             <a:r>
-              <a:rPr kumimoji="0" lang="en-US" altLang="en-US" sz="1200" b="0" i="0" u="none" strike="noStrike" kern="0" cap="none" spc="0" normalizeH="0" baseline="0" noProof="0" smtClean="0">
+              <a:rPr kumimoji="0" lang="en-US" altLang="en-US" sz="1200" b="0" i="0" u="none" strike="noStrike" kern="0" cap="none" spc="0" normalizeH="0" baseline="0" noProof="0">
                 <a:ln>
                   <a:noFill/>
                 </a:ln>
@@ -20783,7 +20483,7 @@
               </a:rPr>
               <a:t> </a:t>
             </a:r>
-            <a:endParaRPr kumimoji="0" lang="en-US" altLang="en-US" sz="1800" b="0" i="0" u="none" strike="noStrike" kern="0" cap="none" spc="0" normalizeH="0" baseline="0" noProof="0" smtClean="0">
+            <a:endParaRPr kumimoji="0" lang="en-US" altLang="en-US" sz="1800" b="0" i="0" u="none" strike="noStrike" kern="0" cap="none" spc="0" normalizeH="0" baseline="0" noProof="0">
               <a:ln>
                 <a:noFill/>
               </a:ln>
@@ -20962,7 +20662,7 @@
               <a:defRPr/>
             </a:pPr>
             <a:r>
-              <a:rPr kumimoji="0" lang="en-US" altLang="en-US" sz="1000" b="0" i="0" u="none" strike="noStrike" kern="0" cap="none" spc="0" normalizeH="0" baseline="0" noProof="0" smtClean="0">
+              <a:rPr kumimoji="0" lang="en-US" altLang="en-US" sz="1000" b="0" i="0" u="none" strike="noStrike" kern="0" cap="none" spc="0" normalizeH="0" baseline="0" noProof="0">
                 <a:ln>
                   <a:noFill/>
                 </a:ln>
@@ -20976,7 +20676,7 @@
               </a:rPr>
               <a:t>$ per year of the ESRM Program</a:t>
             </a:r>
-            <a:endParaRPr kumimoji="0" lang="en-US" altLang="en-US" sz="1800" b="0" i="0" u="none" strike="noStrike" kern="0" cap="none" spc="0" normalizeH="0" baseline="0" noProof="0" smtClean="0">
+            <a:endParaRPr kumimoji="0" lang="en-US" altLang="en-US" sz="1800" b="0" i="0" u="none" strike="noStrike" kern="0" cap="none" spc="0" normalizeH="0" baseline="0" noProof="0">
               <a:ln>
                 <a:noFill/>
               </a:ln>
@@ -21155,7 +20855,7 @@
               <a:defRPr/>
             </a:pPr>
             <a:r>
-              <a:rPr kumimoji="0" lang="en-US" altLang="en-US" sz="800" b="0" i="0" u="none" strike="noStrike" kern="0" cap="none" spc="0" normalizeH="0" baseline="0" noProof="0" smtClean="0">
+              <a:rPr kumimoji="0" lang="en-US" altLang="en-US" sz="800" b="0" i="0" u="none" strike="noStrike" kern="0" cap="none" spc="0" normalizeH="0" baseline="0" noProof="0">
                 <a:ln>
                   <a:noFill/>
                 </a:ln>
@@ -21169,7 +20869,7 @@
               </a:rPr>
               <a:t>NET POTENTIAL SAVINGS, ESTIMATE:</a:t>
             </a:r>
-            <a:endParaRPr kumimoji="0" lang="en-US" altLang="en-US" sz="1800" b="0" i="0" u="none" strike="noStrike" kern="0" cap="none" spc="0" normalizeH="0" baseline="0" noProof="0" smtClean="0">
+            <a:endParaRPr kumimoji="0" lang="en-US" altLang="en-US" sz="1800" b="0" i="0" u="none" strike="noStrike" kern="0" cap="none" spc="0" normalizeH="0" baseline="0" noProof="0">
               <a:ln>
                 <a:noFill/>
               </a:ln>
@@ -21348,7 +21048,7 @@
               <a:defRPr/>
             </a:pPr>
             <a:r>
-              <a:rPr kumimoji="0" lang="en-US" altLang="en-US" sz="1050" b="0" i="0" u="none" strike="noStrike" kern="0" cap="none" spc="0" normalizeH="0" baseline="0" noProof="0" dirty="0" smtClean="0">
+              <a:rPr kumimoji="0" lang="en-US" altLang="en-US" sz="1050" b="0" i="0" u="none" strike="noStrike" kern="0" cap="none" spc="0" normalizeH="0" baseline="0" noProof="0" dirty="0">
                 <a:ln>
                   <a:noFill/>
                 </a:ln>
@@ -21362,7 +21062,7 @@
               </a:rPr>
               <a:t>$ per year net savings, estimate</a:t>
             </a:r>
-            <a:endParaRPr kumimoji="0" lang="en-US" altLang="en-US" sz="2000" b="0" i="0" u="none" strike="noStrike" kern="0" cap="none" spc="0" normalizeH="0" baseline="0" noProof="0" dirty="0" smtClean="0">
+            <a:endParaRPr kumimoji="0" lang="en-US" altLang="en-US" sz="2000" b="0" i="0" u="none" strike="noStrike" kern="0" cap="none" spc="0" normalizeH="0" baseline="0" noProof="0" dirty="0">
               <a:ln>
                 <a:noFill/>
               </a:ln>
@@ -21436,7 +21136,7 @@
               <a:tabLst/>
               <a:defRPr/>
             </a:pPr>
-            <a:endParaRPr kumimoji="0" lang="en-CA" sz="2400" b="0" i="0" u="none" strike="noStrike" kern="0" cap="none" spc="0" normalizeH="0" baseline="0" noProof="0" smtClean="0">
+            <a:endParaRPr kumimoji="0" lang="en-CA" sz="2400" b="0" i="0" u="none" strike="noStrike" kern="0" cap="none" spc="0" normalizeH="0" baseline="0" noProof="0">
               <a:ln>
                 <a:noFill/>
               </a:ln>
@@ -21511,7 +21211,7 @@
               <a:tabLst/>
               <a:defRPr/>
             </a:pPr>
-            <a:endParaRPr kumimoji="0" lang="en-CA" sz="2400" b="0" i="0" u="none" strike="noStrike" kern="0" cap="none" spc="0" normalizeH="0" baseline="0" noProof="0" smtClean="0">
+            <a:endParaRPr kumimoji="0" lang="en-CA" sz="2400" b="0" i="0" u="none" strike="noStrike" kern="0" cap="none" spc="0" normalizeH="0" baseline="0" noProof="0">
               <a:ln>
                 <a:noFill/>
               </a:ln>
@@ -21585,7 +21285,7 @@
               <a:tabLst/>
               <a:defRPr/>
             </a:pPr>
-            <a:endParaRPr kumimoji="0" lang="en-CA" sz="2400" b="0" i="0" u="none" strike="noStrike" kern="0" cap="none" spc="0" normalizeH="0" baseline="0" noProof="0" smtClean="0">
+            <a:endParaRPr kumimoji="0" lang="en-CA" sz="2400" b="0" i="0" u="none" strike="noStrike" kern="0" cap="none" spc="0" normalizeH="0" baseline="0" noProof="0">
               <a:ln>
                 <a:noFill/>
               </a:ln>
@@ -21660,7 +21360,7 @@
               <a:tabLst/>
               <a:defRPr/>
             </a:pPr>
-            <a:endParaRPr kumimoji="0" lang="en-CA" sz="2400" b="0" i="0" u="none" strike="noStrike" kern="0" cap="none" spc="0" normalizeH="0" baseline="0" noProof="0" smtClean="0">
+            <a:endParaRPr kumimoji="0" lang="en-CA" sz="2400" b="0" i="0" u="none" strike="noStrike" kern="0" cap="none" spc="0" normalizeH="0" baseline="0" noProof="0">
               <a:ln>
                 <a:noFill/>
               </a:ln>
@@ -21734,7 +21434,7 @@
               <a:tabLst/>
               <a:defRPr/>
             </a:pPr>
-            <a:endParaRPr kumimoji="0" lang="en-CA" sz="2400" b="0" i="0" u="none" strike="noStrike" kern="0" cap="none" spc="0" normalizeH="0" baseline="0" noProof="0" smtClean="0">
+            <a:endParaRPr kumimoji="0" lang="en-CA" sz="2400" b="0" i="0" u="none" strike="noStrike" kern="0" cap="none" spc="0" normalizeH="0" baseline="0" noProof="0">
               <a:ln>
                 <a:noFill/>
               </a:ln>
@@ -21809,7 +21509,7 @@
               <a:tabLst/>
               <a:defRPr/>
             </a:pPr>
-            <a:endParaRPr kumimoji="0" lang="en-CA" sz="2400" b="0" i="0" u="none" strike="noStrike" kern="0" cap="none" spc="0" normalizeH="0" baseline="0" noProof="0" smtClean="0">
+            <a:endParaRPr kumimoji="0" lang="en-CA" sz="2400" b="0" i="0" u="none" strike="noStrike" kern="0" cap="none" spc="0" normalizeH="0" baseline="0" noProof="0">
               <a:ln>
                 <a:noFill/>
               </a:ln>
@@ -21883,7 +21583,7 @@
               <a:tabLst/>
               <a:defRPr/>
             </a:pPr>
-            <a:endParaRPr kumimoji="0" lang="en-CA" sz="2400" b="0" i="0" u="none" strike="noStrike" kern="0" cap="none" spc="0" normalizeH="0" baseline="0" noProof="0" smtClean="0">
+            <a:endParaRPr kumimoji="0" lang="en-CA" sz="2400" b="0" i="0" u="none" strike="noStrike" kern="0" cap="none" spc="0" normalizeH="0" baseline="0" noProof="0">
               <a:ln>
                 <a:noFill/>
               </a:ln>
@@ -21958,7 +21658,7 @@
               <a:tabLst/>
               <a:defRPr/>
             </a:pPr>
-            <a:endParaRPr kumimoji="0" lang="en-CA" sz="2400" b="0" i="0" u="none" strike="noStrike" kern="0" cap="none" spc="0" normalizeH="0" baseline="0" noProof="0" smtClean="0">
+            <a:endParaRPr kumimoji="0" lang="en-CA" sz="2400" b="0" i="0" u="none" strike="noStrike" kern="0" cap="none" spc="0" normalizeH="0" baseline="0" noProof="0">
               <a:ln>
                 <a:noFill/>
               </a:ln>
@@ -22032,7 +21732,7 @@
               <a:tabLst/>
               <a:defRPr/>
             </a:pPr>
-            <a:endParaRPr kumimoji="0" lang="en-CA" sz="2400" b="0" i="0" u="none" strike="noStrike" kern="0" cap="none" spc="0" normalizeH="0" baseline="0" noProof="0" smtClean="0">
+            <a:endParaRPr kumimoji="0" lang="en-CA" sz="2400" b="0" i="0" u="none" strike="noStrike" kern="0" cap="none" spc="0" normalizeH="0" baseline="0" noProof="0">
               <a:ln>
                 <a:noFill/>
               </a:ln>
@@ -22107,7 +21807,7 @@
               <a:tabLst/>
               <a:defRPr/>
             </a:pPr>
-            <a:endParaRPr kumimoji="0" lang="en-CA" sz="2400" b="0" i="0" u="none" strike="noStrike" kern="0" cap="none" spc="0" normalizeH="0" baseline="0" noProof="0" smtClean="0">
+            <a:endParaRPr kumimoji="0" lang="en-CA" sz="2400" b="0" i="0" u="none" strike="noStrike" kern="0" cap="none" spc="0" normalizeH="0" baseline="0" noProof="0">
               <a:ln>
                 <a:noFill/>
               </a:ln>
@@ -22181,7 +21881,7 @@
               <a:tabLst/>
               <a:defRPr/>
             </a:pPr>
-            <a:endParaRPr kumimoji="0" lang="en-CA" sz="2400" b="0" i="0" u="none" strike="noStrike" kern="0" cap="none" spc="0" normalizeH="0" baseline="0" noProof="0" smtClean="0">
+            <a:endParaRPr kumimoji="0" lang="en-CA" sz="2400" b="0" i="0" u="none" strike="noStrike" kern="0" cap="none" spc="0" normalizeH="0" baseline="0" noProof="0">
               <a:ln>
                 <a:noFill/>
               </a:ln>
@@ -22256,7 +21956,7 @@
               <a:tabLst/>
               <a:defRPr/>
             </a:pPr>
-            <a:endParaRPr kumimoji="0" lang="en-CA" sz="2400" b="0" i="0" u="none" strike="noStrike" kern="0" cap="none" spc="0" normalizeH="0" baseline="0" noProof="0" smtClean="0">
+            <a:endParaRPr kumimoji="0" lang="en-CA" sz="2400" b="0" i="0" u="none" strike="noStrike" kern="0" cap="none" spc="0" normalizeH="0" baseline="0" noProof="0">
               <a:ln>
                 <a:noFill/>
               </a:ln>
@@ -22330,7 +22030,7 @@
               <a:tabLst/>
               <a:defRPr/>
             </a:pPr>
-            <a:endParaRPr kumimoji="0" lang="en-CA" sz="2400" b="0" i="0" u="none" strike="noStrike" kern="0" cap="none" spc="0" normalizeH="0" baseline="0" noProof="0" smtClean="0">
+            <a:endParaRPr kumimoji="0" lang="en-CA" sz="2400" b="0" i="0" u="none" strike="noStrike" kern="0" cap="none" spc="0" normalizeH="0" baseline="0" noProof="0">
               <a:ln>
                 <a:noFill/>
               </a:ln>
@@ -22405,7 +22105,7 @@
               <a:tabLst/>
               <a:defRPr/>
             </a:pPr>
-            <a:endParaRPr kumimoji="0" lang="en-CA" sz="2400" b="0" i="0" u="none" strike="noStrike" kern="0" cap="none" spc="0" normalizeH="0" baseline="0" noProof="0" smtClean="0">
+            <a:endParaRPr kumimoji="0" lang="en-CA" sz="2400" b="0" i="0" u="none" strike="noStrike" kern="0" cap="none" spc="0" normalizeH="0" baseline="0" noProof="0">
               <a:ln>
                 <a:noFill/>
               </a:ln>
@@ -22480,7 +22180,7 @@
               <a:tabLst/>
               <a:defRPr/>
             </a:pPr>
-            <a:endParaRPr kumimoji="0" lang="en-CA" sz="2400" b="0" i="0" u="none" strike="noStrike" kern="0" cap="none" spc="0" normalizeH="0" baseline="0" noProof="0" smtClean="0">
+            <a:endParaRPr kumimoji="0" lang="en-CA" sz="2400" b="0" i="0" u="none" strike="noStrike" kern="0" cap="none" spc="0" normalizeH="0" baseline="0" noProof="0">
               <a:ln>
                 <a:noFill/>
               </a:ln>
@@ -22554,7 +22254,7 @@
               <a:tabLst/>
               <a:defRPr/>
             </a:pPr>
-            <a:endParaRPr kumimoji="0" lang="en-CA" sz="2400" b="0" i="0" u="none" strike="noStrike" kern="0" cap="none" spc="0" normalizeH="0" baseline="0" noProof="0" smtClean="0">
+            <a:endParaRPr kumimoji="0" lang="en-CA" sz="2400" b="0" i="0" u="none" strike="noStrike" kern="0" cap="none" spc="0" normalizeH="0" baseline="0" noProof="0">
               <a:ln>
                 <a:noFill/>
               </a:ln>
@@ -22629,7 +22329,7 @@
               <a:tabLst/>
               <a:defRPr/>
             </a:pPr>
-            <a:endParaRPr kumimoji="0" lang="en-CA" sz="2400" b="0" i="0" u="none" strike="noStrike" kern="0" cap="none" spc="0" normalizeH="0" baseline="0" noProof="0" smtClean="0">
+            <a:endParaRPr kumimoji="0" lang="en-CA" sz="2400" b="0" i="0" u="none" strike="noStrike" kern="0" cap="none" spc="0" normalizeH="0" baseline="0" noProof="0">
               <a:ln>
                 <a:noFill/>
               </a:ln>
@@ -22703,7 +22403,7 @@
               <a:tabLst/>
               <a:defRPr/>
             </a:pPr>
-            <a:endParaRPr kumimoji="0" lang="en-CA" sz="2400" b="0" i="0" u="none" strike="noStrike" kern="0" cap="none" spc="0" normalizeH="0" baseline="0" noProof="0" smtClean="0">
+            <a:endParaRPr kumimoji="0" lang="en-CA" sz="2400" b="0" i="0" u="none" strike="noStrike" kern="0" cap="none" spc="0" normalizeH="0" baseline="0" noProof="0">
               <a:ln>
                 <a:noFill/>
               </a:ln>
@@ -22778,7 +22478,7 @@
               <a:tabLst/>
               <a:defRPr/>
             </a:pPr>
-            <a:endParaRPr kumimoji="0" lang="en-CA" sz="2400" b="0" i="0" u="none" strike="noStrike" kern="0" cap="none" spc="0" normalizeH="0" baseline="0" noProof="0" smtClean="0">
+            <a:endParaRPr kumimoji="0" lang="en-CA" sz="2400" b="0" i="0" u="none" strike="noStrike" kern="0" cap="none" spc="0" normalizeH="0" baseline="0" noProof="0">
               <a:ln>
                 <a:noFill/>
               </a:ln>
@@ -22852,7 +22552,7 @@
               <a:tabLst/>
               <a:defRPr/>
             </a:pPr>
-            <a:endParaRPr kumimoji="0" lang="en-CA" sz="2400" b="0" i="0" u="none" strike="noStrike" kern="0" cap="none" spc="0" normalizeH="0" baseline="0" noProof="0" smtClean="0">
+            <a:endParaRPr kumimoji="0" lang="en-CA" sz="2400" b="0" i="0" u="none" strike="noStrike" kern="0" cap="none" spc="0" normalizeH="0" baseline="0" noProof="0">
               <a:ln>
                 <a:noFill/>
               </a:ln>
@@ -22927,7 +22627,7 @@
               <a:tabLst/>
               <a:defRPr/>
             </a:pPr>
-            <a:endParaRPr kumimoji="0" lang="en-CA" sz="2400" b="0" i="0" u="none" strike="noStrike" kern="0" cap="none" spc="0" normalizeH="0" baseline="0" noProof="0" smtClean="0">
+            <a:endParaRPr kumimoji="0" lang="en-CA" sz="2400" b="0" i="0" u="none" strike="noStrike" kern="0" cap="none" spc="0" normalizeH="0" baseline="0" noProof="0">
               <a:ln>
                 <a:noFill/>
               </a:ln>
@@ -23001,7 +22701,7 @@
               <a:tabLst/>
               <a:defRPr/>
             </a:pPr>
-            <a:endParaRPr kumimoji="0" lang="en-CA" sz="2400" b="0" i="0" u="none" strike="noStrike" kern="0" cap="none" spc="0" normalizeH="0" baseline="0" noProof="0" smtClean="0">
+            <a:endParaRPr kumimoji="0" lang="en-CA" sz="2400" b="0" i="0" u="none" strike="noStrike" kern="0" cap="none" spc="0" normalizeH="0" baseline="0" noProof="0">
               <a:ln>
                 <a:noFill/>
               </a:ln>
@@ -23076,7 +22776,7 @@
               <a:tabLst/>
               <a:defRPr/>
             </a:pPr>
-            <a:endParaRPr kumimoji="0" lang="en-CA" sz="2400" b="0" i="0" u="none" strike="noStrike" kern="0" cap="none" spc="0" normalizeH="0" baseline="0" noProof="0" smtClean="0">
+            <a:endParaRPr kumimoji="0" lang="en-CA" sz="2400" b="0" i="0" u="none" strike="noStrike" kern="0" cap="none" spc="0" normalizeH="0" baseline="0" noProof="0">
               <a:ln>
                 <a:noFill/>
               </a:ln>
@@ -23150,7 +22850,7 @@
               <a:tabLst/>
               <a:defRPr/>
             </a:pPr>
-            <a:endParaRPr kumimoji="0" lang="en-CA" sz="2400" b="0" i="0" u="none" strike="noStrike" kern="0" cap="none" spc="0" normalizeH="0" baseline="0" noProof="0" smtClean="0">
+            <a:endParaRPr kumimoji="0" lang="en-CA" sz="2400" b="0" i="0" u="none" strike="noStrike" kern="0" cap="none" spc="0" normalizeH="0" baseline="0" noProof="0">
               <a:ln>
                 <a:noFill/>
               </a:ln>
@@ -23225,7 +22925,7 @@
               <a:tabLst/>
               <a:defRPr/>
             </a:pPr>
-            <a:endParaRPr kumimoji="0" lang="en-CA" sz="2400" b="0" i="0" u="none" strike="noStrike" kern="0" cap="none" spc="0" normalizeH="0" baseline="0" noProof="0" smtClean="0">
+            <a:endParaRPr kumimoji="0" lang="en-CA" sz="2400" b="0" i="0" u="none" strike="noStrike" kern="0" cap="none" spc="0" normalizeH="0" baseline="0" noProof="0">
               <a:ln>
                 <a:noFill/>
               </a:ln>
@@ -23299,7 +22999,7 @@
               <a:tabLst/>
               <a:defRPr/>
             </a:pPr>
-            <a:endParaRPr kumimoji="0" lang="en-CA" sz="2400" b="0" i="0" u="none" strike="noStrike" kern="0" cap="none" spc="0" normalizeH="0" baseline="0" noProof="0" smtClean="0">
+            <a:endParaRPr kumimoji="0" lang="en-CA" sz="2400" b="0" i="0" u="none" strike="noStrike" kern="0" cap="none" spc="0" normalizeH="0" baseline="0" noProof="0">
               <a:ln>
                 <a:noFill/>
               </a:ln>
@@ -23374,7 +23074,7 @@
               <a:tabLst/>
               <a:defRPr/>
             </a:pPr>
-            <a:endParaRPr kumimoji="0" lang="en-CA" sz="2400" b="0" i="0" u="none" strike="noStrike" kern="0" cap="none" spc="0" normalizeH="0" baseline="0" noProof="0" smtClean="0">
+            <a:endParaRPr kumimoji="0" lang="en-CA" sz="2400" b="0" i="0" u="none" strike="noStrike" kern="0" cap="none" spc="0" normalizeH="0" baseline="0" noProof="0">
               <a:ln>
                 <a:noFill/>
               </a:ln>
@@ -23448,7 +23148,7 @@
               <a:tabLst/>
               <a:defRPr/>
             </a:pPr>
-            <a:endParaRPr kumimoji="0" lang="en-CA" sz="2400" b="0" i="0" u="none" strike="noStrike" kern="0" cap="none" spc="0" normalizeH="0" baseline="0" noProof="0" smtClean="0">
+            <a:endParaRPr kumimoji="0" lang="en-CA" sz="2400" b="0" i="0" u="none" strike="noStrike" kern="0" cap="none" spc="0" normalizeH="0" baseline="0" noProof="0">
               <a:ln>
                 <a:noFill/>
               </a:ln>
@@ -23523,7 +23223,7 @@
               <a:tabLst/>
               <a:defRPr/>
             </a:pPr>
-            <a:endParaRPr kumimoji="0" lang="en-CA" sz="2400" b="0" i="0" u="none" strike="noStrike" kern="0" cap="none" spc="0" normalizeH="0" baseline="0" noProof="0" smtClean="0">
+            <a:endParaRPr kumimoji="0" lang="en-CA" sz="2400" b="0" i="0" u="none" strike="noStrike" kern="0" cap="none" spc="0" normalizeH="0" baseline="0" noProof="0">
               <a:ln>
                 <a:noFill/>
               </a:ln>
@@ -23597,7 +23297,7 @@
               <a:tabLst/>
               <a:defRPr/>
             </a:pPr>
-            <a:endParaRPr kumimoji="0" lang="en-CA" sz="2400" b="0" i="0" u="none" strike="noStrike" kern="0" cap="none" spc="0" normalizeH="0" baseline="0" noProof="0" smtClean="0">
+            <a:endParaRPr kumimoji="0" lang="en-CA" sz="2400" b="0" i="0" u="none" strike="noStrike" kern="0" cap="none" spc="0" normalizeH="0" baseline="0" noProof="0">
               <a:ln>
                 <a:noFill/>
               </a:ln>
@@ -23672,7 +23372,7 @@
               <a:tabLst/>
               <a:defRPr/>
             </a:pPr>
-            <a:endParaRPr kumimoji="0" lang="en-CA" sz="2400" b="0" i="0" u="none" strike="noStrike" kern="0" cap="none" spc="0" normalizeH="0" baseline="0" noProof="0" smtClean="0">
+            <a:endParaRPr kumimoji="0" lang="en-CA" sz="2400" b="0" i="0" u="none" strike="noStrike" kern="0" cap="none" spc="0" normalizeH="0" baseline="0" noProof="0">
               <a:ln>
                 <a:noFill/>
               </a:ln>
@@ -23747,7 +23447,7 @@
               <a:tabLst/>
               <a:defRPr/>
             </a:pPr>
-            <a:endParaRPr kumimoji="0" lang="en-CA" sz="2400" b="0" i="0" u="none" strike="noStrike" kern="0" cap="none" spc="0" normalizeH="0" baseline="0" noProof="0" smtClean="0">
+            <a:endParaRPr kumimoji="0" lang="en-CA" sz="2400" b="0" i="0" u="none" strike="noStrike" kern="0" cap="none" spc="0" normalizeH="0" baseline="0" noProof="0">
               <a:ln>
                 <a:noFill/>
               </a:ln>
@@ -23821,7 +23521,7 @@
               <a:tabLst/>
               <a:defRPr/>
             </a:pPr>
-            <a:endParaRPr kumimoji="0" lang="en-CA" sz="2400" b="0" i="0" u="none" strike="noStrike" kern="0" cap="none" spc="0" normalizeH="0" baseline="0" noProof="0" smtClean="0">
+            <a:endParaRPr kumimoji="0" lang="en-CA" sz="2400" b="0" i="0" u="none" strike="noStrike" kern="0" cap="none" spc="0" normalizeH="0" baseline="0" noProof="0">
               <a:ln>
                 <a:noFill/>
               </a:ln>
@@ -23896,7 +23596,7 @@
               <a:tabLst/>
               <a:defRPr/>
             </a:pPr>
-            <a:endParaRPr kumimoji="0" lang="en-CA" sz="2400" b="0" i="0" u="none" strike="noStrike" kern="0" cap="none" spc="0" normalizeH="0" baseline="0" noProof="0" smtClean="0">
+            <a:endParaRPr kumimoji="0" lang="en-CA" sz="2400" b="0" i="0" u="none" strike="noStrike" kern="0" cap="none" spc="0" normalizeH="0" baseline="0" noProof="0">
               <a:ln>
                 <a:noFill/>
               </a:ln>
@@ -23970,7 +23670,7 @@
               <a:tabLst/>
               <a:defRPr/>
             </a:pPr>
-            <a:endParaRPr kumimoji="0" lang="en-CA" sz="2400" b="0" i="0" u="none" strike="noStrike" kern="0" cap="none" spc="0" normalizeH="0" baseline="0" noProof="0" smtClean="0">
+            <a:endParaRPr kumimoji="0" lang="en-CA" sz="2400" b="0" i="0" u="none" strike="noStrike" kern="0" cap="none" spc="0" normalizeH="0" baseline="0" noProof="0">
               <a:ln>
                 <a:noFill/>
               </a:ln>
@@ -24045,7 +23745,7 @@
               <a:tabLst/>
               <a:defRPr/>
             </a:pPr>
-            <a:endParaRPr kumimoji="0" lang="en-CA" sz="2400" b="0" i="0" u="none" strike="noStrike" kern="0" cap="none" spc="0" normalizeH="0" baseline="0" noProof="0" smtClean="0">
+            <a:endParaRPr kumimoji="0" lang="en-CA" sz="2400" b="0" i="0" u="none" strike="noStrike" kern="0" cap="none" spc="0" normalizeH="0" baseline="0" noProof="0">
               <a:ln>
                 <a:noFill/>
               </a:ln>
@@ -24119,7 +23819,7 @@
               <a:tabLst/>
               <a:defRPr/>
             </a:pPr>
-            <a:endParaRPr kumimoji="0" lang="en-CA" sz="2400" b="0" i="0" u="none" strike="noStrike" kern="0" cap="none" spc="0" normalizeH="0" baseline="0" noProof="0" smtClean="0">
+            <a:endParaRPr kumimoji="0" lang="en-CA" sz="2400" b="0" i="0" u="none" strike="noStrike" kern="0" cap="none" spc="0" normalizeH="0" baseline="0" noProof="0">
               <a:ln>
                 <a:noFill/>
               </a:ln>
@@ -24194,7 +23894,7 @@
               <a:tabLst/>
               <a:defRPr/>
             </a:pPr>
-            <a:endParaRPr kumimoji="0" lang="en-CA" sz="2400" b="0" i="0" u="none" strike="noStrike" kern="0" cap="none" spc="0" normalizeH="0" baseline="0" noProof="0" smtClean="0">
+            <a:endParaRPr kumimoji="0" lang="en-CA" sz="2400" b="0" i="0" u="none" strike="noStrike" kern="0" cap="none" spc="0" normalizeH="0" baseline="0" noProof="0">
               <a:ln>
                 <a:noFill/>
               </a:ln>
@@ -24269,7 +23969,7 @@
               <a:tabLst/>
               <a:defRPr/>
             </a:pPr>
-            <a:endParaRPr kumimoji="0" lang="en-CA" sz="2400" b="0" i="0" u="none" strike="noStrike" kern="0" cap="none" spc="0" normalizeH="0" baseline="0" noProof="0" smtClean="0">
+            <a:endParaRPr kumimoji="0" lang="en-CA" sz="2400" b="0" i="0" u="none" strike="noStrike" kern="0" cap="none" spc="0" normalizeH="0" baseline="0" noProof="0">
               <a:ln>
                 <a:noFill/>
               </a:ln>
@@ -24343,7 +24043,7 @@
               <a:tabLst/>
               <a:defRPr/>
             </a:pPr>
-            <a:endParaRPr kumimoji="0" lang="en-CA" sz="2400" b="0" i="0" u="none" strike="noStrike" kern="0" cap="none" spc="0" normalizeH="0" baseline="0" noProof="0" smtClean="0">
+            <a:endParaRPr kumimoji="0" lang="en-CA" sz="2400" b="0" i="0" u="none" strike="noStrike" kern="0" cap="none" spc="0" normalizeH="0" baseline="0" noProof="0">
               <a:ln>
                 <a:noFill/>
               </a:ln>
@@ -24418,7 +24118,7 @@
               <a:tabLst/>
               <a:defRPr/>
             </a:pPr>
-            <a:endParaRPr kumimoji="0" lang="en-CA" sz="2400" b="0" i="0" u="none" strike="noStrike" kern="0" cap="none" spc="0" normalizeH="0" baseline="0" noProof="0" smtClean="0">
+            <a:endParaRPr kumimoji="0" lang="en-CA" sz="2400" b="0" i="0" u="none" strike="noStrike" kern="0" cap="none" spc="0" normalizeH="0" baseline="0" noProof="0">
               <a:ln>
                 <a:noFill/>
               </a:ln>
@@ -24492,7 +24192,7 @@
               <a:tabLst/>
               <a:defRPr/>
             </a:pPr>
-            <a:endParaRPr kumimoji="0" lang="en-CA" sz="2400" b="0" i="0" u="none" strike="noStrike" kern="0" cap="none" spc="0" normalizeH="0" baseline="0" noProof="0" smtClean="0">
+            <a:endParaRPr kumimoji="0" lang="en-CA" sz="2400" b="0" i="0" u="none" strike="noStrike" kern="0" cap="none" spc="0" normalizeH="0" baseline="0" noProof="0">
               <a:ln>
                 <a:noFill/>
               </a:ln>
@@ -24567,7 +24267,7 @@
               <a:tabLst/>
               <a:defRPr/>
             </a:pPr>
-            <a:endParaRPr kumimoji="0" lang="en-CA" sz="2400" b="0" i="0" u="none" strike="noStrike" kern="0" cap="none" spc="0" normalizeH="0" baseline="0" noProof="0" smtClean="0">
+            <a:endParaRPr kumimoji="0" lang="en-CA" sz="2400" b="0" i="0" u="none" strike="noStrike" kern="0" cap="none" spc="0" normalizeH="0" baseline="0" noProof="0">
               <a:ln>
                 <a:noFill/>
               </a:ln>
@@ -24642,7 +24342,7 @@
               <a:tabLst/>
               <a:defRPr/>
             </a:pPr>
-            <a:endParaRPr kumimoji="0" lang="en-CA" sz="2400" b="0" i="0" u="none" strike="noStrike" kern="0" cap="none" spc="0" normalizeH="0" baseline="0" noProof="0" smtClean="0">
+            <a:endParaRPr kumimoji="0" lang="en-CA" sz="2400" b="0" i="0" u="none" strike="noStrike" kern="0" cap="none" spc="0" normalizeH="0" baseline="0" noProof="0">
               <a:ln>
                 <a:noFill/>
               </a:ln>
@@ -24717,7 +24417,7 @@
               <a:tabLst/>
               <a:defRPr/>
             </a:pPr>
-            <a:endParaRPr kumimoji="0" lang="en-CA" sz="2400" b="0" i="0" u="none" strike="noStrike" kern="0" cap="none" spc="0" normalizeH="0" baseline="0" noProof="0" smtClean="0">
+            <a:endParaRPr kumimoji="0" lang="en-CA" sz="2400" b="0" i="0" u="none" strike="noStrike" kern="0" cap="none" spc="0" normalizeH="0" baseline="0" noProof="0">
               <a:ln>
                 <a:noFill/>
               </a:ln>
@@ -24791,7 +24491,7 @@
               <a:tabLst/>
               <a:defRPr/>
             </a:pPr>
-            <a:endParaRPr kumimoji="0" lang="en-CA" sz="2400" b="0" i="0" u="none" strike="noStrike" kern="0" cap="none" spc="0" normalizeH="0" baseline="0" noProof="0" smtClean="0">
+            <a:endParaRPr kumimoji="0" lang="en-CA" sz="2400" b="0" i="0" u="none" strike="noStrike" kern="0" cap="none" spc="0" normalizeH="0" baseline="0" noProof="0">
               <a:ln>
                 <a:noFill/>
               </a:ln>
@@ -24866,7 +24566,7 @@
               <a:tabLst/>
               <a:defRPr/>
             </a:pPr>
-            <a:endParaRPr kumimoji="0" lang="en-CA" sz="2400" b="0" i="0" u="none" strike="noStrike" kern="0" cap="none" spc="0" normalizeH="0" baseline="0" noProof="0" smtClean="0">
+            <a:endParaRPr kumimoji="0" lang="en-CA" sz="2400" b="0" i="0" u="none" strike="noStrike" kern="0" cap="none" spc="0" normalizeH="0" baseline="0" noProof="0">
               <a:ln>
                 <a:noFill/>
               </a:ln>
@@ -24940,7 +24640,7 @@
               <a:tabLst/>
               <a:defRPr/>
             </a:pPr>
-            <a:endParaRPr kumimoji="0" lang="en-CA" sz="2400" b="0" i="0" u="none" strike="noStrike" kern="0" cap="none" spc="0" normalizeH="0" baseline="0" noProof="0" smtClean="0">
+            <a:endParaRPr kumimoji="0" lang="en-CA" sz="2400" b="0" i="0" u="none" strike="noStrike" kern="0" cap="none" spc="0" normalizeH="0" baseline="0" noProof="0">
               <a:ln>
                 <a:noFill/>
               </a:ln>
@@ -25015,7 +24715,7 @@
               <a:tabLst/>
               <a:defRPr/>
             </a:pPr>
-            <a:endParaRPr kumimoji="0" lang="en-CA" sz="2400" b="0" i="0" u="none" strike="noStrike" kern="0" cap="none" spc="0" normalizeH="0" baseline="0" noProof="0" smtClean="0">
+            <a:endParaRPr kumimoji="0" lang="en-CA" sz="2400" b="0" i="0" u="none" strike="noStrike" kern="0" cap="none" spc="0" normalizeH="0" baseline="0" noProof="0">
               <a:ln>
                 <a:noFill/>
               </a:ln>
@@ -25089,7 +24789,7 @@
               <a:tabLst/>
               <a:defRPr/>
             </a:pPr>
-            <a:endParaRPr kumimoji="0" lang="en-CA" sz="2400" b="0" i="0" u="none" strike="noStrike" kern="0" cap="none" spc="0" normalizeH="0" baseline="0" noProof="0" smtClean="0">
+            <a:endParaRPr kumimoji="0" lang="en-CA" sz="2400" b="0" i="0" u="none" strike="noStrike" kern="0" cap="none" spc="0" normalizeH="0" baseline="0" noProof="0">
               <a:ln>
                 <a:noFill/>
               </a:ln>
@@ -25164,7 +24864,7 @@
               <a:tabLst/>
               <a:defRPr/>
             </a:pPr>
-            <a:endParaRPr kumimoji="0" lang="en-CA" sz="2400" b="0" i="0" u="none" strike="noStrike" kern="0" cap="none" spc="0" normalizeH="0" baseline="0" noProof="0" smtClean="0">
+            <a:endParaRPr kumimoji="0" lang="en-CA" sz="2400" b="0" i="0" u="none" strike="noStrike" kern="0" cap="none" spc="0" normalizeH="0" baseline="0" noProof="0">
               <a:ln>
                 <a:noFill/>
               </a:ln>
@@ -25238,7 +24938,7 @@
               <a:tabLst/>
               <a:defRPr/>
             </a:pPr>
-            <a:endParaRPr kumimoji="0" lang="en-CA" sz="2400" b="0" i="0" u="none" strike="noStrike" kern="0" cap="none" spc="0" normalizeH="0" baseline="0" noProof="0" smtClean="0">
+            <a:endParaRPr kumimoji="0" lang="en-CA" sz="2400" b="0" i="0" u="none" strike="noStrike" kern="0" cap="none" spc="0" normalizeH="0" baseline="0" noProof="0">
               <a:ln>
                 <a:noFill/>
               </a:ln>
@@ -25313,7 +25013,7 @@
               <a:tabLst/>
               <a:defRPr/>
             </a:pPr>
-            <a:endParaRPr kumimoji="0" lang="en-CA" sz="2400" b="0" i="0" u="none" strike="noStrike" kern="0" cap="none" spc="0" normalizeH="0" baseline="0" noProof="0" smtClean="0">
+            <a:endParaRPr kumimoji="0" lang="en-CA" sz="2400" b="0" i="0" u="none" strike="noStrike" kern="0" cap="none" spc="0" normalizeH="0" baseline="0" noProof="0">
               <a:ln>
                 <a:noFill/>
               </a:ln>
@@ -25387,7 +25087,7 @@
               <a:tabLst/>
               <a:defRPr/>
             </a:pPr>
-            <a:endParaRPr kumimoji="0" lang="en-CA" sz="2400" b="0" i="0" u="none" strike="noStrike" kern="0" cap="none" spc="0" normalizeH="0" baseline="0" noProof="0" smtClean="0">
+            <a:endParaRPr kumimoji="0" lang="en-CA" sz="2400" b="0" i="0" u="none" strike="noStrike" kern="0" cap="none" spc="0" normalizeH="0" baseline="0" noProof="0">
               <a:ln>
                 <a:noFill/>
               </a:ln>
@@ -25462,7 +25162,7 @@
               <a:tabLst/>
               <a:defRPr/>
             </a:pPr>
-            <a:endParaRPr kumimoji="0" lang="en-CA" sz="2400" b="0" i="0" u="none" strike="noStrike" kern="0" cap="none" spc="0" normalizeH="0" baseline="0" noProof="0" smtClean="0">
+            <a:endParaRPr kumimoji="0" lang="en-CA" sz="2400" b="0" i="0" u="none" strike="noStrike" kern="0" cap="none" spc="0" normalizeH="0" baseline="0" noProof="0">
               <a:ln>
                 <a:noFill/>
               </a:ln>
@@ -25536,7 +25236,7 @@
               <a:tabLst/>
               <a:defRPr/>
             </a:pPr>
-            <a:endParaRPr kumimoji="0" lang="en-CA" sz="2400" b="0" i="0" u="none" strike="noStrike" kern="0" cap="none" spc="0" normalizeH="0" baseline="0" noProof="0" smtClean="0">
+            <a:endParaRPr kumimoji="0" lang="en-CA" sz="2400" b="0" i="0" u="none" strike="noStrike" kern="0" cap="none" spc="0" normalizeH="0" baseline="0" noProof="0">
               <a:ln>
                 <a:noFill/>
               </a:ln>
@@ -25611,7 +25311,7 @@
               <a:tabLst/>
               <a:defRPr/>
             </a:pPr>
-            <a:endParaRPr kumimoji="0" lang="en-CA" sz="2400" b="0" i="0" u="none" strike="noStrike" kern="0" cap="none" spc="0" normalizeH="0" baseline="0" noProof="0" smtClean="0">
+            <a:endParaRPr kumimoji="0" lang="en-CA" sz="2400" b="0" i="0" u="none" strike="noStrike" kern="0" cap="none" spc="0" normalizeH="0" baseline="0" noProof="0">
               <a:ln>
                 <a:noFill/>
               </a:ln>
@@ -25685,7 +25385,7 @@
               <a:tabLst/>
               <a:defRPr/>
             </a:pPr>
-            <a:endParaRPr kumimoji="0" lang="en-CA" sz="2400" b="0" i="0" u="none" strike="noStrike" kern="0" cap="none" spc="0" normalizeH="0" baseline="0" noProof="0" smtClean="0">
+            <a:endParaRPr kumimoji="0" lang="en-CA" sz="2400" b="0" i="0" u="none" strike="noStrike" kern="0" cap="none" spc="0" normalizeH="0" baseline="0" noProof="0">
               <a:ln>
                 <a:noFill/>
               </a:ln>
@@ -25760,7 +25460,7 @@
               <a:tabLst/>
               <a:defRPr/>
             </a:pPr>
-            <a:endParaRPr kumimoji="0" lang="en-CA" sz="2400" b="0" i="0" u="none" strike="noStrike" kern="0" cap="none" spc="0" normalizeH="0" baseline="0" noProof="0" smtClean="0">
+            <a:endParaRPr kumimoji="0" lang="en-CA" sz="2400" b="0" i="0" u="none" strike="noStrike" kern="0" cap="none" spc="0" normalizeH="0" baseline="0" noProof="0">
               <a:ln>
                 <a:noFill/>
               </a:ln>
@@ -25834,7 +25534,7 @@
               <a:tabLst/>
               <a:defRPr/>
             </a:pPr>
-            <a:endParaRPr kumimoji="0" lang="en-CA" sz="2400" b="0" i="0" u="none" strike="noStrike" kern="0" cap="none" spc="0" normalizeH="0" baseline="0" noProof="0" smtClean="0">
+            <a:endParaRPr kumimoji="0" lang="en-CA" sz="2400" b="0" i="0" u="none" strike="noStrike" kern="0" cap="none" spc="0" normalizeH="0" baseline="0" noProof="0">
               <a:ln>
                 <a:noFill/>
               </a:ln>
@@ -25909,7 +25609,7 @@
               <a:tabLst/>
               <a:defRPr/>
             </a:pPr>
-            <a:endParaRPr kumimoji="0" lang="en-CA" sz="2400" b="0" i="0" u="none" strike="noStrike" kern="0" cap="none" spc="0" normalizeH="0" baseline="0" noProof="0" smtClean="0">
+            <a:endParaRPr kumimoji="0" lang="en-CA" sz="2400" b="0" i="0" u="none" strike="noStrike" kern="0" cap="none" spc="0" normalizeH="0" baseline="0" noProof="0">
               <a:ln>
                 <a:noFill/>
               </a:ln>
@@ -25983,7 +25683,7 @@
               <a:tabLst/>
               <a:defRPr/>
             </a:pPr>
-            <a:endParaRPr kumimoji="0" lang="en-CA" sz="2400" b="0" i="0" u="none" strike="noStrike" kern="0" cap="none" spc="0" normalizeH="0" baseline="0" noProof="0" smtClean="0">
+            <a:endParaRPr kumimoji="0" lang="en-CA" sz="2400" b="0" i="0" u="none" strike="noStrike" kern="0" cap="none" spc="0" normalizeH="0" baseline="0" noProof="0">
               <a:ln>
                 <a:noFill/>
               </a:ln>
@@ -26058,7 +25758,7 @@
               <a:tabLst/>
               <a:defRPr/>
             </a:pPr>
-            <a:endParaRPr kumimoji="0" lang="en-CA" sz="2400" b="0" i="0" u="none" strike="noStrike" kern="0" cap="none" spc="0" normalizeH="0" baseline="0" noProof="0" smtClean="0">
+            <a:endParaRPr kumimoji="0" lang="en-CA" sz="2400" b="0" i="0" u="none" strike="noStrike" kern="0" cap="none" spc="0" normalizeH="0" baseline="0" noProof="0">
               <a:ln>
                 <a:noFill/>
               </a:ln>
@@ -26132,7 +25832,7 @@
               <a:tabLst/>
               <a:defRPr/>
             </a:pPr>
-            <a:endParaRPr kumimoji="0" lang="en-CA" sz="2400" b="0" i="0" u="none" strike="noStrike" kern="0" cap="none" spc="0" normalizeH="0" baseline="0" noProof="0" smtClean="0">
+            <a:endParaRPr kumimoji="0" lang="en-CA" sz="2400" b="0" i="0" u="none" strike="noStrike" kern="0" cap="none" spc="0" normalizeH="0" baseline="0" noProof="0">
               <a:ln>
                 <a:noFill/>
               </a:ln>
@@ -26207,7 +25907,7 @@
               <a:tabLst/>
               <a:defRPr/>
             </a:pPr>
-            <a:endParaRPr kumimoji="0" lang="en-CA" sz="2400" b="0" i="0" u="none" strike="noStrike" kern="0" cap="none" spc="0" normalizeH="0" baseline="0" noProof="0" smtClean="0">
+            <a:endParaRPr kumimoji="0" lang="en-CA" sz="2400" b="0" i="0" u="none" strike="noStrike" kern="0" cap="none" spc="0" normalizeH="0" baseline="0" noProof="0">
               <a:ln>
                 <a:noFill/>
               </a:ln>
@@ -26281,7 +25981,7 @@
               <a:tabLst/>
               <a:defRPr/>
             </a:pPr>
-            <a:endParaRPr kumimoji="0" lang="en-CA" sz="1100" b="0" i="0" u="none" strike="noStrike" kern="0" cap="none" spc="0" normalizeH="0" baseline="0" noProof="0" smtClean="0">
+            <a:endParaRPr kumimoji="0" lang="en-CA" sz="1100" b="0" i="0" u="none" strike="noStrike" kern="0" cap="none" spc="0" normalizeH="0" baseline="0" noProof="0">
               <a:ln>
                 <a:noFill/>
               </a:ln>
@@ -26356,7 +26056,7 @@
               <a:tabLst/>
               <a:defRPr/>
             </a:pPr>
-            <a:endParaRPr kumimoji="0" lang="en-CA" sz="1100" b="0" i="0" u="none" strike="noStrike" kern="0" cap="none" spc="0" normalizeH="0" baseline="0" noProof="0" smtClean="0">
+            <a:endParaRPr kumimoji="0" lang="en-CA" sz="1100" b="0" i="0" u="none" strike="noStrike" kern="0" cap="none" spc="0" normalizeH="0" baseline="0" noProof="0">
               <a:ln>
                 <a:noFill/>
               </a:ln>
@@ -26430,7 +26130,7 @@
               <a:tabLst/>
               <a:defRPr/>
             </a:pPr>
-            <a:endParaRPr kumimoji="0" lang="en-CA" sz="1100" b="0" i="0" u="none" strike="noStrike" kern="0" cap="none" spc="0" normalizeH="0" baseline="0" noProof="0" smtClean="0">
+            <a:endParaRPr kumimoji="0" lang="en-CA" sz="1100" b="0" i="0" u="none" strike="noStrike" kern="0" cap="none" spc="0" normalizeH="0" baseline="0" noProof="0">
               <a:ln>
                 <a:noFill/>
               </a:ln>
@@ -26505,7 +26205,7 @@
               <a:tabLst/>
               <a:defRPr/>
             </a:pPr>
-            <a:endParaRPr kumimoji="0" lang="en-CA" sz="1100" b="0" i="0" u="none" strike="noStrike" kern="0" cap="none" spc="0" normalizeH="0" baseline="0" noProof="0" smtClean="0">
+            <a:endParaRPr kumimoji="0" lang="en-CA" sz="1100" b="0" i="0" u="none" strike="noStrike" kern="0" cap="none" spc="0" normalizeH="0" baseline="0" noProof="0">
               <a:ln>
                 <a:noFill/>
               </a:ln>
@@ -26579,7 +26279,7 @@
               <a:tabLst/>
               <a:defRPr/>
             </a:pPr>
-            <a:endParaRPr kumimoji="0" lang="en-CA" sz="2400" b="0" i="0" u="none" strike="noStrike" kern="0" cap="none" spc="0" normalizeH="0" baseline="0" noProof="0" smtClean="0">
+            <a:endParaRPr kumimoji="0" lang="en-CA" sz="2400" b="0" i="0" u="none" strike="noStrike" kern="0" cap="none" spc="0" normalizeH="0" baseline="0" noProof="0">
               <a:ln>
                 <a:noFill/>
               </a:ln>
@@ -26654,7 +26354,7 @@
               <a:tabLst/>
               <a:defRPr/>
             </a:pPr>
-            <a:endParaRPr kumimoji="0" lang="en-CA" sz="2400" b="0" i="0" u="none" strike="noStrike" kern="0" cap="none" spc="0" normalizeH="0" baseline="0" noProof="0" smtClean="0">
+            <a:endParaRPr kumimoji="0" lang="en-CA" sz="2400" b="0" i="0" u="none" strike="noStrike" kern="0" cap="none" spc="0" normalizeH="0" baseline="0" noProof="0">
               <a:ln>
                 <a:noFill/>
               </a:ln>
@@ -26728,7 +26428,7 @@
               <a:tabLst/>
               <a:defRPr/>
             </a:pPr>
-            <a:endParaRPr kumimoji="0" lang="en-CA" sz="2400" b="0" i="0" u="none" strike="noStrike" kern="0" cap="none" spc="0" normalizeH="0" baseline="0" noProof="0" smtClean="0">
+            <a:endParaRPr kumimoji="0" lang="en-CA" sz="2400" b="0" i="0" u="none" strike="noStrike" kern="0" cap="none" spc="0" normalizeH="0" baseline="0" noProof="0">
               <a:ln>
                 <a:noFill/>
               </a:ln>
@@ -26803,7 +26503,7 @@
               <a:tabLst/>
               <a:defRPr/>
             </a:pPr>
-            <a:endParaRPr kumimoji="0" lang="en-CA" sz="2400" b="0" i="0" u="none" strike="noStrike" kern="0" cap="none" spc="0" normalizeH="0" baseline="0" noProof="0" smtClean="0">
+            <a:endParaRPr kumimoji="0" lang="en-CA" sz="2400" b="0" i="0" u="none" strike="noStrike" kern="0" cap="none" spc="0" normalizeH="0" baseline="0" noProof="0">
               <a:ln>
                 <a:noFill/>
               </a:ln>
@@ -26877,7 +26577,7 @@
               <a:tabLst/>
               <a:defRPr/>
             </a:pPr>
-            <a:endParaRPr kumimoji="0" lang="en-CA" sz="2400" b="0" i="0" u="none" strike="noStrike" kern="0" cap="none" spc="0" normalizeH="0" baseline="0" noProof="0" smtClean="0">
+            <a:endParaRPr kumimoji="0" lang="en-CA" sz="2400" b="0" i="0" u="none" strike="noStrike" kern="0" cap="none" spc="0" normalizeH="0" baseline="0" noProof="0">
               <a:ln>
                 <a:noFill/>
               </a:ln>
@@ -26952,7 +26652,7 @@
               <a:tabLst/>
               <a:defRPr/>
             </a:pPr>
-            <a:endParaRPr kumimoji="0" lang="en-CA" sz="2400" b="0" i="0" u="none" strike="noStrike" kern="0" cap="none" spc="0" normalizeH="0" baseline="0" noProof="0" smtClean="0">
+            <a:endParaRPr kumimoji="0" lang="en-CA" sz="2400" b="0" i="0" u="none" strike="noStrike" kern="0" cap="none" spc="0" normalizeH="0" baseline="0" noProof="0">
               <a:ln>
                 <a:noFill/>
               </a:ln>
@@ -27026,7 +26726,7 @@
               <a:tabLst/>
               <a:defRPr/>
             </a:pPr>
-            <a:endParaRPr kumimoji="0" lang="en-CA" sz="2400" b="0" i="0" u="none" strike="noStrike" kern="0" cap="none" spc="0" normalizeH="0" baseline="0" noProof="0" smtClean="0">
+            <a:endParaRPr kumimoji="0" lang="en-CA" sz="2400" b="0" i="0" u="none" strike="noStrike" kern="0" cap="none" spc="0" normalizeH="0" baseline="0" noProof="0">
               <a:ln>
                 <a:noFill/>
               </a:ln>
@@ -27101,7 +26801,7 @@
               <a:tabLst/>
               <a:defRPr/>
             </a:pPr>
-            <a:endParaRPr kumimoji="0" lang="en-CA" sz="2400" b="0" i="0" u="none" strike="noStrike" kern="0" cap="none" spc="0" normalizeH="0" baseline="0" noProof="0" smtClean="0">
+            <a:endParaRPr kumimoji="0" lang="en-CA" sz="2400" b="0" i="0" u="none" strike="noStrike" kern="0" cap="none" spc="0" normalizeH="0" baseline="0" noProof="0">
               <a:ln>
                 <a:noFill/>
               </a:ln>
@@ -27175,7 +26875,7 @@
               <a:tabLst/>
               <a:defRPr/>
             </a:pPr>
-            <a:endParaRPr kumimoji="0" lang="en-CA" sz="2400" b="0" i="0" u="none" strike="noStrike" kern="0" cap="none" spc="0" normalizeH="0" baseline="0" noProof="0" smtClean="0">
+            <a:endParaRPr kumimoji="0" lang="en-CA" sz="2400" b="0" i="0" u="none" strike="noStrike" kern="0" cap="none" spc="0" normalizeH="0" baseline="0" noProof="0">
               <a:ln>
                 <a:noFill/>
               </a:ln>
@@ -27250,7 +26950,7 @@
               <a:tabLst/>
               <a:defRPr/>
             </a:pPr>
-            <a:endParaRPr kumimoji="0" lang="en-CA" sz="2400" b="0" i="0" u="none" strike="noStrike" kern="0" cap="none" spc="0" normalizeH="0" baseline="0" noProof="0" smtClean="0">
+            <a:endParaRPr kumimoji="0" lang="en-CA" sz="2400" b="0" i="0" u="none" strike="noStrike" kern="0" cap="none" spc="0" normalizeH="0" baseline="0" noProof="0">
               <a:ln>
                 <a:noFill/>
               </a:ln>
@@ -27324,7 +27024,7 @@
               <a:tabLst/>
               <a:defRPr/>
             </a:pPr>
-            <a:endParaRPr kumimoji="0" lang="en-CA" sz="2400" b="0" i="0" u="none" strike="noStrike" kern="0" cap="none" spc="0" normalizeH="0" baseline="0" noProof="0" smtClean="0">
+            <a:endParaRPr kumimoji="0" lang="en-CA" sz="2400" b="0" i="0" u="none" strike="noStrike" kern="0" cap="none" spc="0" normalizeH="0" baseline="0" noProof="0">
               <a:ln>
                 <a:noFill/>
               </a:ln>
@@ -27399,7 +27099,7 @@
               <a:tabLst/>
               <a:defRPr/>
             </a:pPr>
-            <a:endParaRPr kumimoji="0" lang="en-CA" sz="2400" b="0" i="0" u="none" strike="noStrike" kern="0" cap="none" spc="0" normalizeH="0" baseline="0" noProof="0" smtClean="0">
+            <a:endParaRPr kumimoji="0" lang="en-CA" sz="2400" b="0" i="0" u="none" strike="noStrike" kern="0" cap="none" spc="0" normalizeH="0" baseline="0" noProof="0">
               <a:ln>
                 <a:noFill/>
               </a:ln>
@@ -27473,7 +27173,7 @@
               <a:tabLst/>
               <a:defRPr/>
             </a:pPr>
-            <a:endParaRPr kumimoji="0" lang="en-CA" sz="2400" b="0" i="0" u="none" strike="noStrike" kern="0" cap="none" spc="0" normalizeH="0" baseline="0" noProof="0" smtClean="0">
+            <a:endParaRPr kumimoji="0" lang="en-CA" sz="2400" b="0" i="0" u="none" strike="noStrike" kern="0" cap="none" spc="0" normalizeH="0" baseline="0" noProof="0">
               <a:ln>
                 <a:noFill/>
               </a:ln>
@@ -27548,7 +27248,7 @@
               <a:tabLst/>
               <a:defRPr/>
             </a:pPr>
-            <a:endParaRPr kumimoji="0" lang="en-CA" sz="2400" b="0" i="0" u="none" strike="noStrike" kern="0" cap="none" spc="0" normalizeH="0" baseline="0" noProof="0" smtClean="0">
+            <a:endParaRPr kumimoji="0" lang="en-CA" sz="2400" b="0" i="0" u="none" strike="noStrike" kern="0" cap="none" spc="0" normalizeH="0" baseline="0" noProof="0">
               <a:ln>
                 <a:noFill/>
               </a:ln>
@@ -27622,7 +27322,7 @@
               <a:tabLst/>
               <a:defRPr/>
             </a:pPr>
-            <a:endParaRPr kumimoji="0" lang="en-CA" sz="2400" b="0" i="0" u="none" strike="noStrike" kern="0" cap="none" spc="0" normalizeH="0" baseline="0" noProof="0" smtClean="0">
+            <a:endParaRPr kumimoji="0" lang="en-CA" sz="2400" b="0" i="0" u="none" strike="noStrike" kern="0" cap="none" spc="0" normalizeH="0" baseline="0" noProof="0">
               <a:ln>
                 <a:noFill/>
               </a:ln>
@@ -27697,7 +27397,7 @@
               <a:tabLst/>
               <a:defRPr/>
             </a:pPr>
-            <a:endParaRPr kumimoji="0" lang="en-CA" sz="2400" b="0" i="0" u="none" strike="noStrike" kern="0" cap="none" spc="0" normalizeH="0" baseline="0" noProof="0" smtClean="0">
+            <a:endParaRPr kumimoji="0" lang="en-CA" sz="2400" b="0" i="0" u="none" strike="noStrike" kern="0" cap="none" spc="0" normalizeH="0" baseline="0" noProof="0">
               <a:ln>
                 <a:noFill/>
               </a:ln>
@@ -27771,7 +27471,7 @@
               <a:tabLst/>
               <a:defRPr/>
             </a:pPr>
-            <a:endParaRPr kumimoji="0" lang="en-CA" sz="2400" b="0" i="0" u="none" strike="noStrike" kern="0" cap="none" spc="0" normalizeH="0" baseline="0" noProof="0" smtClean="0">
+            <a:endParaRPr kumimoji="0" lang="en-CA" sz="2400" b="0" i="0" u="none" strike="noStrike" kern="0" cap="none" spc="0" normalizeH="0" baseline="0" noProof="0">
               <a:ln>
                 <a:noFill/>
               </a:ln>
@@ -27846,7 +27546,7 @@
               <a:tabLst/>
               <a:defRPr/>
             </a:pPr>
-            <a:endParaRPr kumimoji="0" lang="en-CA" sz="2400" b="0" i="0" u="none" strike="noStrike" kern="0" cap="none" spc="0" normalizeH="0" baseline="0" noProof="0" smtClean="0">
+            <a:endParaRPr kumimoji="0" lang="en-CA" sz="2400" b="0" i="0" u="none" strike="noStrike" kern="0" cap="none" spc="0" normalizeH="0" baseline="0" noProof="0">
               <a:ln>
                 <a:noFill/>
               </a:ln>
@@ -27908,7 +27608,7 @@
               <a:defRPr/>
             </a:pPr>
             <a:r>
-              <a:rPr kumimoji="0" lang="en-US" sz="1600" b="0" i="1" u="none" strike="noStrike" kern="0" cap="none" spc="0" normalizeH="0" baseline="0" noProof="0" dirty="0" smtClean="0">
+              <a:rPr kumimoji="0" lang="en-US" sz="1600" b="0" i="1" u="none" strike="noStrike" kern="0" cap="none" spc="0" normalizeH="0" baseline="0" noProof="0" dirty="0">
                 <a:ln>
                   <a:noFill/>
                 </a:ln>
@@ -27942,7 +27642,7 @@
               <a:tabLst/>
               <a:defRPr/>
             </a:pPr>
-            <a:endParaRPr kumimoji="0" lang="en-US" sz="1600" b="0" i="1" u="none" strike="noStrike" kern="0" cap="none" spc="0" normalizeH="0" baseline="0" noProof="0" dirty="0" smtClean="0">
+            <a:endParaRPr kumimoji="0" lang="en-US" sz="1600" b="0" i="1" u="none" strike="noStrike" kern="0" cap="none" spc="0" normalizeH="0" baseline="0" noProof="0" dirty="0">
               <a:ln>
                 <a:noFill/>
               </a:ln>
@@ -27975,7 +27675,7 @@
               <a:defRPr/>
             </a:pPr>
             <a:r>
-              <a:rPr kumimoji="0" lang="en-US" sz="1600" b="0" i="1" u="none" strike="noStrike" kern="0" cap="none" spc="0" normalizeH="0" baseline="0" noProof="0" dirty="0" smtClean="0">
+              <a:rPr kumimoji="0" lang="en-US" sz="1600" b="0" i="1" u="none" strike="noStrike" kern="0" cap="none" spc="0" normalizeH="0" baseline="0" noProof="0" dirty="0">
                 <a:ln>
                   <a:noFill/>
                 </a:ln>
@@ -27990,7 +27690,7 @@
               </a:rPr>
               <a:t>Annual basis:</a:t>
             </a:r>
-            <a:endParaRPr kumimoji="0" lang="en-US" sz="1600" b="0" i="1" u="sng" strike="noStrike" kern="0" cap="none" spc="0" normalizeH="0" baseline="0" noProof="0" dirty="0" smtClean="0">
+            <a:endParaRPr kumimoji="0" lang="en-US" sz="1600" b="0" i="1" u="sng" strike="noStrike" kern="0" cap="none" spc="0" normalizeH="0" baseline="0" noProof="0" dirty="0">
               <a:ln>
                 <a:noFill/>
               </a:ln>
@@ -28042,7 +27742,7 @@
           </a:bodyPr>
           <a:lstStyle/>
           <a:p>
-            <a:endParaRPr lang="en-CA" sz="2400" b="0" smtClean="0">
+            <a:endParaRPr lang="en-CA" sz="2400" b="0">
               <a:solidFill>
                 <a:srgbClr val="463634"/>
               </a:solidFill>
@@ -28087,7 +27787,7 @@
           </a:bodyPr>
           <a:lstStyle/>
           <a:p>
-            <a:endParaRPr lang="en-CA" sz="2400" b="0" smtClean="0">
+            <a:endParaRPr lang="en-CA" sz="2400" b="0">
               <a:solidFill>
                 <a:srgbClr val="463634"/>
               </a:solidFill>
@@ -28147,7 +27847,7 @@
               <a:defRPr/>
             </a:pPr>
             <a:r>
-              <a:rPr kumimoji="0" lang="en-CA" sz="1400" b="0" i="1" u="none" strike="noStrike" kern="0" cap="none" spc="0" normalizeH="0" baseline="0" noProof="0" dirty="0" smtClean="0">
+              <a:rPr kumimoji="0" lang="en-CA" sz="1400" b="0" i="1" u="none" strike="noStrike" kern="0" cap="none" spc="0" normalizeH="0" baseline="0" noProof="0" dirty="0">
                 <a:ln>
                   <a:noFill/>
                 </a:ln>
@@ -28181,7 +27881,7 @@
               <a:tabLst/>
               <a:defRPr/>
             </a:pPr>
-            <a:endParaRPr kumimoji="0" lang="en-CA" sz="1400" b="0" i="1" u="none" strike="noStrike" kern="0" cap="none" spc="0" normalizeH="0" baseline="0" noProof="0" dirty="0" smtClean="0">
+            <a:endParaRPr kumimoji="0" lang="en-CA" sz="1400" b="0" i="1" u="none" strike="noStrike" kern="0" cap="none" spc="0" normalizeH="0" baseline="0" noProof="0" dirty="0">
               <a:ln>
                 <a:noFill/>
               </a:ln>
@@ -28233,7 +27933,7 @@
           </a:bodyPr>
           <a:lstStyle/>
           <a:p>
-            <a:endParaRPr lang="en-CA" sz="2400" b="0" smtClean="0">
+            <a:endParaRPr lang="en-CA" sz="2400" b="0">
               <a:solidFill>
                 <a:srgbClr val="463634"/>
               </a:solidFill>
@@ -28266,7 +27966,6 @@
               <a:srgbClr val="0000FF"/>
             </a:solidFill>
           </a:ln>
-          <a:extLst/>
         </p:spPr>
         <p:txBody>
           <a:bodyPr anchor="ctr"/>
@@ -28467,7 +28166,7 @@
               <a:buNone/>
             </a:pPr>
             <a:r>
-              <a:rPr lang="en-US" altLang="en-US" b="0" dirty="0" smtClean="0">
+              <a:rPr lang="en-US" altLang="en-US" b="0" dirty="0">
                 <a:solidFill>
                   <a:schemeClr val="bg1"/>
                 </a:solidFill>
@@ -28475,18 +28174,7 @@
                 <a:ea typeface="+mj-ea"/>
                 <a:cs typeface="Arial" panose="020B0604020202020204" pitchFamily="34" charset="0"/>
               </a:rPr>
-              <a:t>ALE #1: Creating </a:t>
-            </a:r>
-            <a:r>
-              <a:rPr lang="en-US" altLang="en-US" b="0" dirty="0">
-                <a:solidFill>
-                  <a:schemeClr val="bg1"/>
-                </a:solidFill>
-                <a:latin typeface="Arial" panose="020B0604020202020204" pitchFamily="34" charset="0"/>
-                <a:ea typeface="+mj-ea"/>
-                <a:cs typeface="Arial" panose="020B0604020202020204" pitchFamily="34" charset="0"/>
-              </a:rPr>
-              <a:t>Positive Stakeholder Value – An Empirical Approach: </a:t>
+              <a:t>ALE #1: Creating Positive Stakeholder Value – An Empirical Approach: </a:t>
             </a:r>
           </a:p>
         </p:txBody>
@@ -28522,10 +28210,9 @@
           <a:p>
             <a:pPr algn="ctr"/>
             <a:r>
-              <a:rPr lang="en-US" dirty="0" smtClean="0"/>
+              <a:rPr lang="en-US" dirty="0"/>
               <a:t>If towards the end of the lecture, stop here and resume in the next lecture. Students can work on it as “homework”. </a:t>
             </a:r>
-            <a:endParaRPr lang="en-US" dirty="0"/>
           </a:p>
         </p:txBody>
       </p:sp>
@@ -28576,7 +28263,7 @@
               <a:defRPr/>
             </a:pPr>
             <a:r>
-              <a:rPr lang="en-US" sz="1600" b="0" i="1" kern="0" dirty="0" smtClean="0">
+              <a:rPr lang="en-US" sz="1600" b="0" i="1" kern="0" dirty="0">
                 <a:solidFill>
                   <a:schemeClr val="bg1"/>
                 </a:solidFill>
@@ -28586,7 +28273,7 @@
               <a:t>Please confer (pen-to-paper, no MM): Given the values </a:t>
             </a:r>
             <a:r>
-              <a:rPr kumimoji="0" lang="en-US" sz="1600" b="0" i="1" u="none" strike="noStrike" kern="0" cap="none" spc="0" normalizeH="0" baseline="0" noProof="0" dirty="0" smtClean="0">
+              <a:rPr kumimoji="0" lang="en-US" sz="1600" b="0" i="1" u="none" strike="noStrike" kern="0" cap="none" spc="0" normalizeH="0" baseline="0" noProof="0" dirty="0">
                 <a:ln>
                   <a:noFill/>
                 </a:ln>
@@ -28602,7 +28289,7 @@
               <a:t>encircled in red, calculate the </a:t>
             </a:r>
             <a:r>
-              <a:rPr kumimoji="0" lang="en-US" sz="1600" b="0" i="1" u="sng" strike="noStrike" kern="0" cap="none" spc="0" normalizeH="0" baseline="0" noProof="0" dirty="0" smtClean="0">
+              <a:rPr kumimoji="0" lang="en-US" sz="1600" b="0" i="1" u="sng" strike="noStrike" kern="0" cap="none" spc="0" normalizeH="0" baseline="0" noProof="0" dirty="0">
                 <a:ln>
                   <a:noFill/>
                 </a:ln>
@@ -28618,7 +28305,7 @@
               <a:t>net gains</a:t>
             </a:r>
             <a:r>
-              <a:rPr kumimoji="0" lang="en-US" sz="1600" b="0" i="1" u="none" strike="noStrike" kern="0" cap="none" spc="0" normalizeH="0" baseline="0" noProof="0" dirty="0" smtClean="0">
+              <a:rPr kumimoji="0" lang="en-US" sz="1600" b="0" i="1" u="none" strike="noStrike" kern="0" cap="none" spc="0" normalizeH="0" baseline="0" noProof="0" dirty="0">
                 <a:ln>
                   <a:noFill/>
                 </a:ln>
@@ -28634,7 +28321,7 @@
               <a:t> and the annualized ROI. Keep in mind</a:t>
             </a:r>
             <a:r>
-              <a:rPr kumimoji="0" lang="en-US" sz="1600" b="0" i="1" u="none" strike="noStrike" kern="0" cap="none" spc="0" normalizeH="0" noProof="0" dirty="0" smtClean="0">
+              <a:rPr kumimoji="0" lang="en-US" sz="1600" b="0" i="1" u="none" strike="noStrike" kern="0" cap="none" spc="0" normalizeH="0" noProof="0" dirty="0">
                 <a:ln>
                   <a:noFill/>
                 </a:ln>
@@ -28650,7 +28337,7 @@
               <a:t> any </a:t>
             </a:r>
             <a:r>
-              <a:rPr kumimoji="0" lang="en-US" sz="1600" b="0" i="1" u="none" strike="noStrike" kern="0" cap="none" spc="0" normalizeH="0" baseline="0" noProof="0" dirty="0" smtClean="0">
+              <a:rPr kumimoji="0" lang="en-US" sz="1600" b="0" i="1" u="none" strike="noStrike" kern="0" cap="none" spc="0" normalizeH="0" baseline="0" noProof="0" dirty="0">
                 <a:ln>
                   <a:noFill/>
                 </a:ln>
@@ -28681,13 +28368,6 @@
   <p:transition>
     <p:fade/>
   </p:transition>
-  <p:timing>
-    <p:tnLst>
-      <p:par>
-        <p:cTn id="1" dur="indefinite" restart="never" nodeType="tmRoot"/>
-      </p:par>
-    </p:tnLst>
-  </p:timing>
 </p:sld>
 </file>
 
@@ -28755,7 +28435,7 @@
               <a:defRPr/>
             </a:pPr>
             <a:r>
-              <a:rPr kumimoji="0" lang="en-US" sz="2000" b="0" i="1" u="none" strike="noStrike" kern="0" cap="none" spc="0" normalizeH="0" baseline="0" noProof="0" dirty="0" smtClean="0">
+              <a:rPr kumimoji="0" lang="en-US" sz="2000" b="0" i="1" u="none" strike="noStrike" kern="0" cap="none" spc="0" normalizeH="0" baseline="0" noProof="0" dirty="0">
                 <a:ln>
                   <a:noFill/>
                 </a:ln>
@@ -29041,51 +28721,7 @@
                 <a:cs typeface="Arial" panose="020B0604020202020204" pitchFamily="34" charset="0"/>
                 <a:sym typeface="Times New Roman"/>
               </a:rPr>
-              <a:t>Chapter </a:t>
-            </a:r>
-            <a:r>
-              <a:rPr lang="en-US" sz="1200" i="1" kern="0" dirty="0" smtClean="0">
-                <a:solidFill>
-                  <a:srgbClr val="000000"/>
-                </a:solidFill>
-                <a:ea typeface="Times New Roman"/>
-                <a:cs typeface="Arial" panose="020B0604020202020204" pitchFamily="34" charset="0"/>
-                <a:sym typeface="Times New Roman"/>
-              </a:rPr>
-              <a:t>6.3: The </a:t>
-            </a:r>
-            <a:r>
-              <a:rPr lang="en-US" sz="1200" i="1" kern="0" dirty="0">
-                <a:solidFill>
-                  <a:srgbClr val="000000"/>
-                </a:solidFill>
-                <a:ea typeface="Times New Roman"/>
-                <a:cs typeface="Arial" panose="020B0604020202020204" pitchFamily="34" charset="0"/>
-                <a:sym typeface="Times New Roman"/>
-              </a:rPr>
-              <a:t>Business Case </a:t>
-            </a:r>
-            <a:r>
-              <a:rPr lang="en-US" sz="1200" i="1" kern="0" dirty="0" smtClean="0">
-                <a:solidFill>
-                  <a:srgbClr val="000000"/>
-                </a:solidFill>
-                <a:ea typeface="Times New Roman"/>
-                <a:cs typeface="Arial" panose="020B0604020202020204" pitchFamily="34" charset="0"/>
-                <a:sym typeface="Times New Roman"/>
-              </a:rPr>
-              <a:t>for </a:t>
-            </a:r>
-            <a:r>
-              <a:rPr lang="en-US" sz="1200" i="1" kern="0" dirty="0">
-                <a:solidFill>
-                  <a:srgbClr val="000000"/>
-                </a:solidFill>
-                <a:ea typeface="Times New Roman"/>
-                <a:cs typeface="Arial" panose="020B0604020202020204" pitchFamily="34" charset="0"/>
-                <a:sym typeface="Times New Roman"/>
-              </a:rPr>
-              <a:t>a Risk Management Program </a:t>
+              <a:t>Chapter 6.3: The Business Case for a Risk Management Program </a:t>
             </a:r>
           </a:p>
         </p:txBody>
@@ -29117,7 +28753,6 @@
             <a:headEnd/>
             <a:tailEnd/>
           </a:ln>
-          <a:extLst/>
         </p:spPr>
         <p:txBody>
           <a:bodyPr anchor="ctr"/>
@@ -29318,7 +28953,7 @@
               <a:buNone/>
             </a:pPr>
             <a:r>
-              <a:rPr lang="en-US" altLang="en-US" b="0" dirty="0" smtClean="0">
+              <a:rPr lang="en-US" altLang="en-US" b="0" dirty="0">
                 <a:solidFill>
                   <a:schemeClr val="bg1"/>
                 </a:solidFill>
@@ -29326,18 +28961,7 @@
                 <a:ea typeface="+mj-ea"/>
                 <a:cs typeface="Arial" panose="020B0604020202020204" pitchFamily="34" charset="0"/>
               </a:rPr>
-              <a:t>Example: Creating </a:t>
-            </a:r>
-            <a:r>
-              <a:rPr lang="en-US" altLang="en-US" b="0" dirty="0">
-                <a:solidFill>
-                  <a:schemeClr val="bg1"/>
-                </a:solidFill>
-                <a:latin typeface="Arial" panose="020B0604020202020204" pitchFamily="34" charset="0"/>
-                <a:ea typeface="+mj-ea"/>
-                <a:cs typeface="Arial" panose="020B0604020202020204" pitchFamily="34" charset="0"/>
-              </a:rPr>
-              <a:t>Positive Stakeholder Value – An Empirical Approach: </a:t>
+              <a:t>Example: Creating Positive Stakeholder Value – An Empirical Approach: </a:t>
             </a:r>
           </a:p>
         </p:txBody>
@@ -29416,7 +29040,7 @@
               <a:defRPr/>
             </a:pPr>
             <a:r>
-              <a:rPr kumimoji="0" lang="en-US" sz="1600" b="0" i="1" u="none" strike="noStrike" kern="0" cap="none" spc="0" normalizeH="0" baseline="0" noProof="0" dirty="0" smtClean="0">
+              <a:rPr kumimoji="0" lang="en-US" sz="1600" b="0" i="1" u="none" strike="noStrike" kern="0" cap="none" spc="0" normalizeH="0" baseline="0" noProof="0" dirty="0">
                 <a:ln>
                   <a:noFill/>
                 </a:ln>
@@ -29451,7 +29075,7 @@
               <a:defRPr/>
             </a:pPr>
             <a:r>
-              <a:rPr kumimoji="0" lang="en-US" sz="1600" b="0" i="1" u="none" strike="noStrike" kern="0" cap="none" spc="0" normalizeH="0" baseline="0" noProof="0" dirty="0" smtClean="0">
+              <a:rPr kumimoji="0" lang="en-US" sz="1600" b="0" i="1" u="none" strike="noStrike" kern="0" cap="none" spc="0" normalizeH="0" baseline="0" noProof="0" dirty="0">
                 <a:ln>
                   <a:noFill/>
                 </a:ln>
@@ -29486,7 +29110,7 @@
               <a:defRPr/>
             </a:pPr>
             <a:r>
-              <a:rPr kumimoji="0" lang="en-US" sz="1600" b="0" i="1" u="sng" strike="noStrike" kern="0" cap="none" spc="0" normalizeH="0" baseline="0" noProof="0" dirty="0" smtClean="0">
+              <a:rPr kumimoji="0" lang="en-US" sz="1600" b="0" i="1" u="sng" strike="noStrike" kern="0" cap="none" spc="0" normalizeH="0" baseline="0" noProof="0" dirty="0">
                 <a:ln>
                   <a:noFill/>
                 </a:ln>
@@ -29555,7 +29179,7 @@
               <a:defRPr/>
             </a:pPr>
             <a:r>
-              <a:rPr kumimoji="0" lang="en-US" sz="1400" b="0" i="1" u="none" strike="noStrike" kern="0" cap="none" spc="0" normalizeH="0" baseline="0" noProof="0" dirty="0" smtClean="0">
+              <a:rPr kumimoji="0" lang="en-US" sz="1400" b="0" i="1" u="none" strike="noStrike" kern="0" cap="none" spc="0" normalizeH="0" baseline="0" noProof="0" dirty="0">
                 <a:ln>
                   <a:noFill/>
                 </a:ln>
@@ -29589,7 +29213,7 @@
               <a:tabLst/>
               <a:defRPr/>
             </a:pPr>
-            <a:endParaRPr kumimoji="0" lang="en-CA" sz="1400" b="0" i="1" u="none" strike="noStrike" kern="0" cap="none" spc="0" normalizeH="0" baseline="0" noProof="0" dirty="0" smtClean="0">
+            <a:endParaRPr kumimoji="0" lang="en-CA" sz="1400" b="0" i="1" u="none" strike="noStrike" kern="0" cap="none" spc="0" normalizeH="0" baseline="0" noProof="0" dirty="0">
               <a:ln>
                 <a:noFill/>
               </a:ln>
@@ -29618,13 +29242,6 @@
   <p:transition>
     <p:fade/>
   </p:transition>
-  <p:timing>
-    <p:tnLst>
-      <p:par>
-        <p:cTn id="1" dur="indefinite" restart="never" nodeType="tmRoot"/>
-      </p:par>
-    </p:tnLst>
-  </p:timing>
 </p:sld>
 </file>
 
@@ -29872,7 +29489,7 @@
               <a:buChar char="Ø"/>
             </a:pPr>
             <a:r>
-              <a:rPr lang="en-US" altLang="en-US" b="0" dirty="0" smtClean="0">
+              <a:rPr lang="en-US" altLang="en-US" b="0" dirty="0">
                 <a:solidFill>
                   <a:srgbClr val="000000"/>
                 </a:solidFill>
@@ -29883,7 +29500,7 @@
               <a:t>The </a:t>
             </a:r>
             <a:r>
-              <a:rPr lang="en-US" altLang="en-US" b="0" dirty="0" err="1" smtClean="0">
+              <a:rPr lang="en-US" altLang="en-US" b="0" dirty="0" err="1">
                 <a:solidFill>
                   <a:srgbClr val="000000"/>
                 </a:solidFill>
@@ -29894,7 +29511,7 @@
               <a:t>AIChE</a:t>
             </a:r>
             <a:r>
-              <a:rPr lang="en-US" altLang="en-US" b="0" dirty="0" smtClean="0">
+              <a:rPr lang="en-US" altLang="en-US" b="0" dirty="0">
                 <a:solidFill>
                   <a:srgbClr val="000000"/>
                 </a:solidFill>
@@ -29972,7 +29589,7 @@
               <a:buChar char="Ø"/>
             </a:pPr>
             <a:r>
-              <a:rPr lang="en-US" altLang="en-US" b="0" dirty="0" smtClean="0">
+              <a:rPr lang="en-US" altLang="en-US" b="0" dirty="0">
                 <a:solidFill>
                   <a:srgbClr val="000000"/>
                 </a:solidFill>
@@ -29980,18 +29597,7 @@
                 <a:ea typeface="ＭＳ Ｐゴシック" panose="020B0600070205080204" pitchFamily="34" charset="-128"/>
                 <a:cs typeface="Arial" panose="020B0604020202020204" pitchFamily="34" charset="0"/>
               </a:rPr>
-              <a:t>Good </a:t>
-            </a:r>
-            <a:r>
-              <a:rPr lang="en-US" altLang="en-US" b="0" dirty="0">
-                <a:solidFill>
-                  <a:srgbClr val="000000"/>
-                </a:solidFill>
-                <a:latin typeface="Arial" panose="020B0604020202020204" pitchFamily="34" charset="0"/>
-                <a:ea typeface="ＭＳ Ｐゴシック" panose="020B0600070205080204" pitchFamily="34" charset="-128"/>
-                <a:cs typeface="Arial" panose="020B0604020202020204" pitchFamily="34" charset="0"/>
-              </a:rPr>
-              <a:t>planning for risk management minimises / eliminates PEAP losses with spin-off benefits in productivity, efficiency, quality, etc. </a:t>
+              <a:t>Good planning for risk management minimises / eliminates PEAP losses with spin-off benefits in productivity, efficiency, quality, etc. </a:t>
             </a:r>
             <a:br>
               <a:rPr lang="en-US" altLang="en-US" b="0" dirty="0">
@@ -30277,7 +29883,7 @@
               <a:buNone/>
             </a:pPr>
             <a:r>
-              <a:rPr lang="en-US" altLang="en-US" sz="2400" b="0" dirty="0" smtClean="0">
+              <a:rPr lang="en-US" altLang="en-US" sz="2400" b="0" dirty="0">
                 <a:solidFill>
                   <a:schemeClr val="accent2"/>
                 </a:solidFill>
@@ -30287,14 +29893,6 @@
               </a:rPr>
               <a:t>Summary and Key Lessons: </a:t>
             </a:r>
-            <a:endParaRPr lang="en-US" altLang="en-US" sz="2400" b="0" dirty="0">
-              <a:solidFill>
-                <a:schemeClr val="accent2"/>
-              </a:solidFill>
-              <a:latin typeface="Arial" panose="020B0604020202020204" pitchFamily="34" charset="0"/>
-              <a:ea typeface="+mj-ea"/>
-              <a:cs typeface="Arial" panose="020B0604020202020204" pitchFamily="34" charset="0"/>
-            </a:endParaRPr>
           </a:p>
         </p:txBody>
       </p:sp>
@@ -30566,51 +30164,7 @@
                 <a:cs typeface="Arial" panose="020B0604020202020204" pitchFamily="34" charset="0"/>
                 <a:sym typeface="Times New Roman"/>
               </a:rPr>
-              <a:t>Chapter </a:t>
-            </a:r>
-            <a:r>
-              <a:rPr lang="en-US" sz="1200" i="1" kern="0" dirty="0" smtClean="0">
-                <a:solidFill>
-                  <a:srgbClr val="000000"/>
-                </a:solidFill>
-                <a:ea typeface="Times New Roman"/>
-                <a:cs typeface="Arial" panose="020B0604020202020204" pitchFamily="34" charset="0"/>
-                <a:sym typeface="Times New Roman"/>
-              </a:rPr>
-              <a:t>6.3: The </a:t>
-            </a:r>
-            <a:r>
-              <a:rPr lang="en-US" sz="1200" i="1" kern="0" dirty="0">
-                <a:solidFill>
-                  <a:srgbClr val="000000"/>
-                </a:solidFill>
-                <a:ea typeface="Times New Roman"/>
-                <a:cs typeface="Arial" panose="020B0604020202020204" pitchFamily="34" charset="0"/>
-                <a:sym typeface="Times New Roman"/>
-              </a:rPr>
-              <a:t>Business Case </a:t>
-            </a:r>
-            <a:r>
-              <a:rPr lang="en-US" sz="1200" i="1" kern="0" dirty="0" smtClean="0">
-                <a:solidFill>
-                  <a:srgbClr val="000000"/>
-                </a:solidFill>
-                <a:ea typeface="Times New Roman"/>
-                <a:cs typeface="Arial" panose="020B0604020202020204" pitchFamily="34" charset="0"/>
-                <a:sym typeface="Times New Roman"/>
-              </a:rPr>
-              <a:t>for </a:t>
-            </a:r>
-            <a:r>
-              <a:rPr lang="en-US" sz="1200" i="1" kern="0" dirty="0">
-                <a:solidFill>
-                  <a:srgbClr val="000000"/>
-                </a:solidFill>
-                <a:ea typeface="Times New Roman"/>
-                <a:cs typeface="Arial" panose="020B0604020202020204" pitchFamily="34" charset="0"/>
-                <a:sym typeface="Times New Roman"/>
-              </a:rPr>
-              <a:t>a Risk Management Program </a:t>
+              <a:t>Chapter 6.3: The Business Case for a Risk Management Program </a:t>
             </a:r>
           </a:p>
         </p:txBody>
@@ -30657,13 +30211,6 @@
   <p:transition>
     <p:fade/>
   </p:transition>
-  <p:timing>
-    <p:tnLst>
-      <p:par>
-        <p:cTn id="1" dur="indefinite" restart="never" nodeType="tmRoot"/>
-      </p:par>
-    </p:tnLst>
-  </p:timing>
 </p:sld>
 </file>
 
@@ -30727,7 +30274,7 @@
           </a:lstStyle>
           <a:p>
             <a:r>
-              <a:rPr lang="en-CA" sz="1600" dirty="0" smtClean="0">
+              <a:rPr lang="en-CA" sz="1600" dirty="0">
                 <a:solidFill>
                   <a:schemeClr val="tx2"/>
                 </a:solidFill>
@@ -30737,20 +30284,12 @@
           </a:p>
           <a:p>
             <a:r>
-              <a:rPr lang="en-CA" sz="1600" dirty="0" smtClean="0">
+              <a:rPr lang="en-CA" sz="1600" dirty="0">
                 <a:solidFill>
                   <a:schemeClr val="tx2"/>
                 </a:solidFill>
               </a:rPr>
-              <a:t>Request </a:t>
-            </a:r>
-            <a:r>
-              <a:rPr lang="en-CA" sz="1600" dirty="0">
-                <a:solidFill>
-                  <a:schemeClr val="tx2"/>
-                </a:solidFill>
-              </a:rPr>
-              <a:t>students to print this FORM or work on-line. </a:t>
+              <a:t>Request students to print this FORM or work on-line. </a:t>
             </a:r>
           </a:p>
           <a:p>
@@ -30760,15 +30299,7 @@
                   <a:schemeClr val="tx2"/>
                 </a:solidFill>
               </a:rPr>
-              <a:t>It is in the shared drive Student Resources / Handouts  folder</a:t>
-            </a:r>
-            <a:r>
-              <a:rPr lang="en-CA" sz="1600" dirty="0" smtClean="0">
-                <a:solidFill>
-                  <a:schemeClr val="tx2"/>
-                </a:solidFill>
-              </a:rPr>
-              <a:t>.</a:t>
+              <a:t>It is in the shared drive Student Resources / Handouts  folder.</a:t>
             </a:r>
           </a:p>
         </p:txBody>
@@ -30828,7 +30359,7 @@
           <a:p>
             <a:pPr algn="ctr"/>
             <a:r>
-              <a:rPr lang="en-CA" i="1" dirty="0" smtClean="0">
+              <a:rPr lang="en-CA" i="1" dirty="0">
                 <a:solidFill>
                   <a:srgbClr val="000000"/>
                 </a:solidFill>
@@ -30853,13 +30384,6 @@
   <p:transition>
     <p:fade/>
   </p:transition>
-  <p:timing>
-    <p:tnLst>
-      <p:par>
-        <p:cTn id="1" dur="indefinite" restart="never" nodeType="tmRoot"/>
-      </p:par>
-    </p:tnLst>
-  </p:timing>
 </p:sld>
 </file>
 
@@ -31105,7 +30629,7 @@
               <a:buSzPct val="100000"/>
               <a:buNone/>
             </a:pPr>
-            <a:endParaRPr lang="en-US" altLang="en-US" b="0" dirty="0" smtClean="0">
+            <a:endParaRPr lang="en-US" altLang="en-US" b="0" dirty="0">
               <a:solidFill>
                 <a:srgbClr val="000000"/>
               </a:solidFill>
@@ -31134,6 +30658,9 @@
                 <a:solidFill>
                   <a:srgbClr val="000000"/>
                 </a:solidFill>
+                <a:highlight>
+                  <a:srgbClr val="FFFF00"/>
+                </a:highlight>
                 <a:latin typeface="Arial" panose="020B0604020202020204" pitchFamily="34" charset="0"/>
                 <a:cs typeface="Arial" panose="020B0604020202020204" pitchFamily="34" charset="0"/>
               </a:rPr>
@@ -31147,7 +30674,30 @@
                 <a:latin typeface="Arial" panose="020B0604020202020204" pitchFamily="34" charset="0"/>
                 <a:cs typeface="Arial" panose="020B0604020202020204" pitchFamily="34" charset="0"/>
               </a:rPr>
-              <a:t> the difference between the </a:t>
+              <a:t> the </a:t>
+            </a:r>
+            <a:r>
+              <a:rPr lang="en-CA" altLang="en-US" b="0" dirty="0">
+                <a:solidFill>
+                  <a:srgbClr val="000000"/>
+                </a:solidFill>
+                <a:highlight>
+                  <a:srgbClr val="FFFF00"/>
+                </a:highlight>
+                <a:latin typeface="Arial" panose="020B0604020202020204" pitchFamily="34" charset="0"/>
+                <a:cs typeface="Arial" panose="020B0604020202020204" pitchFamily="34" charset="0"/>
+              </a:rPr>
+              <a:t>difference</a:t>
+            </a:r>
+            <a:r>
+              <a:rPr lang="en-CA" altLang="en-US" b="0" dirty="0">
+                <a:solidFill>
+                  <a:srgbClr val="000000"/>
+                </a:solidFill>
+                <a:latin typeface="Arial" panose="020B0604020202020204" pitchFamily="34" charset="0"/>
+                <a:cs typeface="Arial" panose="020B0604020202020204" pitchFamily="34" charset="0"/>
+              </a:rPr>
+              <a:t> between the </a:t>
             </a:r>
             <a:r>
               <a:rPr lang="en-CA" altLang="en-US" b="0" u="sng" dirty="0">
@@ -31187,7 +30737,30 @@
                 <a:latin typeface="Arial" panose="020B0604020202020204" pitchFamily="34" charset="0"/>
                 <a:cs typeface="Arial" panose="020B0604020202020204" pitchFamily="34" charset="0"/>
               </a:rPr>
-              <a:t>, and the degrees of certainty of those costs. </a:t>
+              <a:t>, and the </a:t>
+            </a:r>
+            <a:r>
+              <a:rPr lang="en-CA" altLang="en-US" b="0" dirty="0">
+                <a:solidFill>
+                  <a:srgbClr val="000000"/>
+                </a:solidFill>
+                <a:highlight>
+                  <a:srgbClr val="FFFF00"/>
+                </a:highlight>
+                <a:latin typeface="Arial" panose="020B0604020202020204" pitchFamily="34" charset="0"/>
+                <a:cs typeface="Arial" panose="020B0604020202020204" pitchFamily="34" charset="0"/>
+              </a:rPr>
+              <a:t>degrees of certainty</a:t>
+            </a:r>
+            <a:r>
+              <a:rPr lang="en-CA" altLang="en-US" b="0" dirty="0">
+                <a:solidFill>
+                  <a:srgbClr val="000000"/>
+                </a:solidFill>
+                <a:latin typeface="Arial" panose="020B0604020202020204" pitchFamily="34" charset="0"/>
+                <a:cs typeface="Arial" panose="020B0604020202020204" pitchFamily="34" charset="0"/>
+              </a:rPr>
+              <a:t> of those costs. </a:t>
             </a:r>
           </a:p>
           <a:p>
@@ -31272,14 +30845,17 @@
               <a:t>, the </a:t>
             </a:r>
             <a:r>
-              <a:rPr lang="en-CA" altLang="en-US" dirty="0" err="1">
+              <a:rPr lang="en-CA" altLang="en-US" dirty="0">
                 <a:solidFill>
                   <a:srgbClr val="000000"/>
                 </a:solidFill>
+                <a:highlight>
+                  <a:srgbClr val="FFFF00"/>
+                </a:highlight>
                 <a:latin typeface="Arial" panose="020B0604020202020204" pitchFamily="34" charset="0"/>
                 <a:cs typeface="Arial" panose="020B0604020202020204" pitchFamily="34" charset="0"/>
               </a:rPr>
-              <a:t>AIChE</a:t>
+              <a:t>AIChE Model</a:t>
             </a:r>
             <a:r>
               <a:rPr lang="en-CA" altLang="en-US" dirty="0">
@@ -31289,7 +30865,7 @@
                 <a:latin typeface="Arial" panose="020B0604020202020204" pitchFamily="34" charset="0"/>
                 <a:cs typeface="Arial" panose="020B0604020202020204" pitchFamily="34" charset="0"/>
               </a:rPr>
-              <a:t> Model for a Business Case</a:t>
+              <a:t> for a Business Case</a:t>
             </a:r>
             <a:r>
               <a:rPr lang="en-CA" altLang="en-US" b="0" dirty="0">
@@ -31821,51 +31397,7 @@
                 <a:cs typeface="Arial" panose="020B0604020202020204" pitchFamily="34" charset="0"/>
                 <a:sym typeface="Times New Roman"/>
               </a:rPr>
-              <a:t>Chapter </a:t>
-            </a:r>
-            <a:r>
-              <a:rPr lang="en-US" sz="1200" i="1" kern="0" dirty="0" smtClean="0">
-                <a:solidFill>
-                  <a:srgbClr val="000000"/>
-                </a:solidFill>
-                <a:ea typeface="Times New Roman"/>
-                <a:cs typeface="Arial" panose="020B0604020202020204" pitchFamily="34" charset="0"/>
-                <a:sym typeface="Times New Roman"/>
-              </a:rPr>
-              <a:t>6.3: The </a:t>
-            </a:r>
-            <a:r>
-              <a:rPr lang="en-US" sz="1200" i="1" kern="0" dirty="0">
-                <a:solidFill>
-                  <a:srgbClr val="000000"/>
-                </a:solidFill>
-                <a:ea typeface="Times New Roman"/>
-                <a:cs typeface="Arial" panose="020B0604020202020204" pitchFamily="34" charset="0"/>
-                <a:sym typeface="Times New Roman"/>
-              </a:rPr>
-              <a:t>Business Case </a:t>
-            </a:r>
-            <a:r>
-              <a:rPr lang="en-US" sz="1200" i="1" kern="0" dirty="0" smtClean="0">
-                <a:solidFill>
-                  <a:srgbClr val="000000"/>
-                </a:solidFill>
-                <a:ea typeface="Times New Roman"/>
-                <a:cs typeface="Arial" panose="020B0604020202020204" pitchFamily="34" charset="0"/>
-                <a:sym typeface="Times New Roman"/>
-              </a:rPr>
-              <a:t>for </a:t>
-            </a:r>
-            <a:r>
-              <a:rPr lang="en-US" sz="1200" i="1" kern="0" dirty="0">
-                <a:solidFill>
-                  <a:srgbClr val="000000"/>
-                </a:solidFill>
-                <a:ea typeface="Times New Roman"/>
-                <a:cs typeface="Arial" panose="020B0604020202020204" pitchFamily="34" charset="0"/>
-                <a:sym typeface="Times New Roman"/>
-              </a:rPr>
-              <a:t>a Risk Management Program </a:t>
+              <a:t>Chapter 6.3: The Business Case for a Risk Management Program </a:t>
             </a:r>
           </a:p>
         </p:txBody>
@@ -31883,13 +31415,6 @@
   <p:transition>
     <p:fade/>
   </p:transition>
-  <p:timing>
-    <p:tnLst>
-      <p:par>
-        <p:cTn id="1" dur="indefinite" restart="never" nodeType="tmRoot"/>
-      </p:par>
-    </p:tnLst>
-  </p:timing>
 </p:sld>
 </file>
 
@@ -32136,15 +31661,54 @@
               <a:buNone/>
             </a:pPr>
             <a:r>
-              <a:rPr lang="en-US" altLang="en-US" sz="1800" b="0" dirty="0" smtClean="0">
+              <a:rPr lang="en-US" altLang="en-US" sz="1800" b="0" dirty="0">
                 <a:solidFill>
                   <a:srgbClr val="000000"/>
                 </a:solidFill>
+                <a:highlight>
+                  <a:srgbClr val="FFFF00"/>
+                </a:highlight>
                 <a:latin typeface="Arial" panose="020B0604020202020204" pitchFamily="34" charset="0"/>
                 <a:ea typeface="ＭＳ Ｐゴシック" panose="020B0600070205080204" pitchFamily="34" charset="-128"/>
                 <a:cs typeface="Arial" panose="020B0604020202020204" pitchFamily="34" charset="0"/>
               </a:rPr>
-              <a:t>Loss avoidance is the same as maximizing profit!</a:t>
+              <a:t>Loss avoidance</a:t>
+            </a:r>
+            <a:r>
+              <a:rPr lang="en-US" altLang="en-US" sz="1800" b="0" dirty="0">
+                <a:solidFill>
+                  <a:srgbClr val="000000"/>
+                </a:solidFill>
+                <a:latin typeface="Arial" panose="020B0604020202020204" pitchFamily="34" charset="0"/>
+                <a:ea typeface="ＭＳ Ｐゴシック" panose="020B0600070205080204" pitchFamily="34" charset="-128"/>
+                <a:cs typeface="Arial" panose="020B0604020202020204" pitchFamily="34" charset="0"/>
+              </a:rPr>
+              <a:t> is the same as </a:t>
+            </a:r>
+            <a:r>
+              <a:rPr lang="en-US" altLang="en-US" sz="1800" b="0" dirty="0">
+                <a:solidFill>
+                  <a:srgbClr val="000000"/>
+                </a:solidFill>
+                <a:highlight>
+                  <a:srgbClr val="FFFF00"/>
+                </a:highlight>
+                <a:latin typeface="Arial" panose="020B0604020202020204" pitchFamily="34" charset="0"/>
+                <a:ea typeface="ＭＳ Ｐゴシック" panose="020B0600070205080204" pitchFamily="34" charset="-128"/>
+                <a:cs typeface="Arial" panose="020B0604020202020204" pitchFamily="34" charset="0"/>
+              </a:rPr>
+              <a:t>maximizing profit</a:t>
+            </a:r>
+            <a:r>
+              <a:rPr lang="en-US" altLang="en-US" sz="1800" b="0" dirty="0">
+                <a:solidFill>
+                  <a:srgbClr val="000000"/>
+                </a:solidFill>
+                <a:latin typeface="Arial" panose="020B0604020202020204" pitchFamily="34" charset="0"/>
+                <a:ea typeface="ＭＳ Ｐゴシック" panose="020B0600070205080204" pitchFamily="34" charset="-128"/>
+                <a:cs typeface="Arial" panose="020B0604020202020204" pitchFamily="34" charset="0"/>
+              </a:rPr>
+              <a:t>!</a:t>
             </a:r>
           </a:p>
           <a:p>
@@ -32393,7 +31957,7 @@
               <a:buFont typeface="Wingdings" panose="05000000000000000000" pitchFamily="2" charset="2"/>
               <a:buChar char="Ø"/>
             </a:pPr>
-            <a:endParaRPr lang="en-US" altLang="en-US" sz="1800" b="0" dirty="0" smtClean="0">
+            <a:endParaRPr lang="en-US" altLang="en-US" sz="1800" b="0" dirty="0">
               <a:solidFill>
                 <a:srgbClr val="000000"/>
               </a:solidFill>
@@ -32498,7 +32062,7 @@
                 <a:ea typeface="ＭＳ Ｐゴシック" panose="020B0600070205080204" pitchFamily="34" charset="-128"/>
                 <a:cs typeface="Arial" panose="020B0604020202020204" pitchFamily="34" charset="0"/>
               </a:rPr>
-              <a:t>Although  the likelihood of a process safety loss incident is </a:t>
+              <a:t>Although the likelihood of a process safety loss incident is </a:t>
             </a:r>
             <a:br>
               <a:rPr lang="en-US" altLang="en-US" sz="1800" b="0" dirty="0">
@@ -33041,51 +32605,7 @@
                 <a:cs typeface="Arial" panose="020B0604020202020204" pitchFamily="34" charset="0"/>
                 <a:sym typeface="Times New Roman"/>
               </a:rPr>
-              <a:t>Chapter </a:t>
-            </a:r>
-            <a:r>
-              <a:rPr lang="en-US" sz="1200" i="1" kern="0" dirty="0" smtClean="0">
-                <a:solidFill>
-                  <a:srgbClr val="000000"/>
-                </a:solidFill>
-                <a:ea typeface="Times New Roman"/>
-                <a:cs typeface="Arial" panose="020B0604020202020204" pitchFamily="34" charset="0"/>
-                <a:sym typeface="Times New Roman"/>
-              </a:rPr>
-              <a:t>6.3: The </a:t>
-            </a:r>
-            <a:r>
-              <a:rPr lang="en-US" sz="1200" i="1" kern="0" dirty="0">
-                <a:solidFill>
-                  <a:srgbClr val="000000"/>
-                </a:solidFill>
-                <a:ea typeface="Times New Roman"/>
-                <a:cs typeface="Arial" panose="020B0604020202020204" pitchFamily="34" charset="0"/>
-                <a:sym typeface="Times New Roman"/>
-              </a:rPr>
-              <a:t>Business Case </a:t>
-            </a:r>
-            <a:r>
-              <a:rPr lang="en-US" sz="1200" i="1" kern="0" dirty="0" smtClean="0">
-                <a:solidFill>
-                  <a:srgbClr val="000000"/>
-                </a:solidFill>
-                <a:ea typeface="Times New Roman"/>
-                <a:cs typeface="Arial" panose="020B0604020202020204" pitchFamily="34" charset="0"/>
-                <a:sym typeface="Times New Roman"/>
-              </a:rPr>
-              <a:t>for </a:t>
-            </a:r>
-            <a:r>
-              <a:rPr lang="en-US" sz="1200" i="1" kern="0" dirty="0">
-                <a:solidFill>
-                  <a:srgbClr val="000000"/>
-                </a:solidFill>
-                <a:ea typeface="Times New Roman"/>
-                <a:cs typeface="Arial" panose="020B0604020202020204" pitchFamily="34" charset="0"/>
-                <a:sym typeface="Times New Roman"/>
-              </a:rPr>
-              <a:t>a Risk Management Program </a:t>
+              <a:t>Chapter 6.3: The Business Case for a Risk Management Program </a:t>
             </a:r>
           </a:p>
         </p:txBody>
@@ -33163,7 +32683,7 @@
           <a:lstStyle/>
           <a:p>
             <a:r>
-              <a:rPr lang="en-US" sz="1200" dirty="0" smtClean="0">
+              <a:rPr lang="en-US" sz="1200" dirty="0">
                 <a:solidFill>
                   <a:schemeClr val="bg1"/>
                 </a:solidFill>
@@ -33173,7 +32693,7 @@
           </a:p>
           <a:p>
             <a:r>
-              <a:rPr lang="en-US" sz="1200" dirty="0" smtClean="0">
+              <a:rPr lang="en-US" sz="1200" dirty="0">
                 <a:solidFill>
                   <a:schemeClr val="bg1"/>
                 </a:solidFill>
@@ -33183,18 +32703,13 @@
           </a:p>
           <a:p>
             <a:r>
-              <a:rPr lang="en-US" sz="1200" dirty="0" smtClean="0">
+              <a:rPr lang="en-US" sz="1200" dirty="0">
                 <a:solidFill>
                   <a:schemeClr val="bg1"/>
                 </a:solidFill>
               </a:rPr>
               <a:t>Cost of Loss Incident: Billions $’s</a:t>
             </a:r>
-            <a:endParaRPr lang="en-US" sz="1200" dirty="0">
-              <a:solidFill>
-                <a:schemeClr val="bg1"/>
-              </a:solidFill>
-            </a:endParaRPr>
           </a:p>
         </p:txBody>
       </p:sp>
@@ -33271,7 +32786,7 @@
           <a:lstStyle/>
           <a:p>
             <a:r>
-              <a:rPr lang="en-US" sz="1200" dirty="0" smtClean="0">
+              <a:rPr lang="en-US" sz="1200" dirty="0">
                 <a:solidFill>
                   <a:schemeClr val="bg1"/>
                 </a:solidFill>
@@ -33281,7 +32796,7 @@
           </a:p>
           <a:p>
             <a:r>
-              <a:rPr lang="en-US" sz="1200" dirty="0" smtClean="0">
+              <a:rPr lang="en-US" sz="1200" dirty="0">
                 <a:solidFill>
                   <a:schemeClr val="bg1"/>
                 </a:solidFill>
@@ -33291,18 +32806,13 @@
           </a:p>
           <a:p>
             <a:r>
-              <a:rPr lang="en-US" sz="1200" dirty="0" smtClean="0">
+              <a:rPr lang="en-US" sz="1200" dirty="0">
                 <a:solidFill>
                   <a:schemeClr val="bg1"/>
                 </a:solidFill>
               </a:rPr>
               <a:t>Cost of Loss Incident: Billions $’s</a:t>
             </a:r>
-            <a:endParaRPr lang="en-US" sz="1200" dirty="0">
-              <a:solidFill>
-                <a:schemeClr val="bg1"/>
-              </a:solidFill>
-            </a:endParaRPr>
           </a:p>
         </p:txBody>
       </p:sp>
@@ -33384,18 +32894,13 @@
           <a:p>
             <a:pPr algn="ctr"/>
             <a:r>
-              <a:rPr lang="en-US" sz="1200" dirty="0" smtClean="0">
+              <a:rPr lang="en-US" sz="1200" dirty="0">
                 <a:solidFill>
                   <a:schemeClr val="bg1"/>
                 </a:solidFill>
               </a:rPr>
               <a:t>Your Team Project Loss Incident?</a:t>
             </a:r>
-            <a:endParaRPr lang="en-US" sz="1200" dirty="0">
-              <a:solidFill>
-                <a:schemeClr val="bg1"/>
-              </a:solidFill>
-            </a:endParaRPr>
           </a:p>
         </p:txBody>
       </p:sp>
@@ -33412,13 +32917,6 @@
   <p:transition>
     <p:fade/>
   </p:transition>
-  <p:timing>
-    <p:tnLst>
-      <p:par>
-        <p:cTn id="1" dur="indefinite" restart="never" nodeType="tmRoot"/>
-      </p:par>
-    </p:tnLst>
-  </p:timing>
 </p:sld>
 </file>
 
@@ -33665,7 +33163,7 @@
               <a:buNone/>
             </a:pPr>
             <a:r>
-              <a:rPr lang="en-US" altLang="en-US" dirty="0" smtClean="0">
+              <a:rPr lang="en-US" altLang="en-US" dirty="0">
                 <a:solidFill>
                   <a:srgbClr val="000000"/>
                 </a:solidFill>
@@ -33675,14 +33173,6 @@
               </a:rPr>
               <a:t>Economic Return:</a:t>
             </a:r>
-            <a:endParaRPr lang="en-US" altLang="en-US" dirty="0">
-              <a:solidFill>
-                <a:srgbClr val="000000"/>
-              </a:solidFill>
-              <a:latin typeface="Arial" panose="020B0604020202020204" pitchFamily="34" charset="0"/>
-              <a:ea typeface="ＭＳ Ｐゴシック" panose="020B0600070205080204" pitchFamily="34" charset="-128"/>
-              <a:cs typeface="Arial" panose="020B0604020202020204" pitchFamily="34" charset="0"/>
-            </a:endParaRPr>
           </a:p>
           <a:p>
             <a:pPr marL="432000" indent="-432000" eaLnBrk="0" hangingPunct="0">
@@ -33699,7 +33189,7 @@
               <a:buFont typeface="Wingdings" panose="05000000000000000000" pitchFamily="2" charset="2"/>
               <a:buChar char="Ø"/>
             </a:pPr>
-            <a:endParaRPr lang="en-US" altLang="en-US" b="0" dirty="0" smtClean="0">
+            <a:endParaRPr lang="en-US" altLang="en-US" b="0" dirty="0">
               <a:solidFill>
                 <a:srgbClr val="000000"/>
               </a:solidFill>
@@ -33724,24 +33214,37 @@
               <a:buChar char="Ø"/>
             </a:pPr>
             <a:r>
-              <a:rPr lang="en-US" altLang="en-US" b="0" dirty="0" smtClean="0">
+              <a:rPr lang="en-US" altLang="en-US" b="0" dirty="0">
                 <a:solidFill>
                   <a:srgbClr val="000000"/>
                 </a:solidFill>
                 <a:latin typeface="Arial" panose="020B0604020202020204" pitchFamily="34" charset="0"/>
                 <a:cs typeface="Arial" panose="020B0604020202020204" pitchFamily="34" charset="0"/>
               </a:rPr>
-              <a:t>The basic investment metric is </a:t>
+              <a:t>The basic investment </a:t>
             </a:r>
             <a:r>
               <a:rPr lang="en-US" altLang="en-US" b="0" dirty="0">
                 <a:solidFill>
                   <a:srgbClr val="000000"/>
                 </a:solidFill>
+                <a:highlight>
+                  <a:srgbClr val="FFFF00"/>
+                </a:highlight>
                 <a:latin typeface="Arial" panose="020B0604020202020204" pitchFamily="34" charset="0"/>
                 <a:cs typeface="Arial" panose="020B0604020202020204" pitchFamily="34" charset="0"/>
               </a:rPr>
-              <a:t>the </a:t>
+              <a:t>metric</a:t>
+            </a:r>
+            <a:r>
+              <a:rPr lang="en-US" altLang="en-US" b="0" dirty="0">
+                <a:solidFill>
+                  <a:srgbClr val="000000"/>
+                </a:solidFill>
+                <a:latin typeface="Arial" panose="020B0604020202020204" pitchFamily="34" charset="0"/>
+                <a:cs typeface="Arial" panose="020B0604020202020204" pitchFamily="34" charset="0"/>
+              </a:rPr>
+              <a:t> is the </a:t>
             </a:r>
             <a:r>
               <a:rPr lang="en-US" altLang="en-US" b="0" u="sng" dirty="0">
@@ -33761,7 +33264,30 @@
                 <a:latin typeface="Arial" panose="020B0604020202020204" pitchFamily="34" charset="0"/>
                 <a:cs typeface="Arial" panose="020B0604020202020204" pitchFamily="34" charset="0"/>
               </a:rPr>
-              <a:t> (ROI). </a:t>
+              <a:t> (</a:t>
+            </a:r>
+            <a:r>
+              <a:rPr lang="en-US" altLang="en-US" b="0" dirty="0">
+                <a:solidFill>
+                  <a:srgbClr val="000000"/>
+                </a:solidFill>
+                <a:highlight>
+                  <a:srgbClr val="FFFF00"/>
+                </a:highlight>
+                <a:latin typeface="Arial" panose="020B0604020202020204" pitchFamily="34" charset="0"/>
+                <a:cs typeface="Arial" panose="020B0604020202020204" pitchFamily="34" charset="0"/>
+              </a:rPr>
+              <a:t>ROI</a:t>
+            </a:r>
+            <a:r>
+              <a:rPr lang="en-US" altLang="en-US" b="0" dirty="0">
+                <a:solidFill>
+                  <a:srgbClr val="000000"/>
+                </a:solidFill>
+                <a:latin typeface="Arial" panose="020B0604020202020204" pitchFamily="34" charset="0"/>
+                <a:cs typeface="Arial" panose="020B0604020202020204" pitchFamily="34" charset="0"/>
+              </a:rPr>
+              <a:t>). </a:t>
             </a:r>
           </a:p>
           <a:p>
@@ -33810,33 +33336,131 @@
                 <a:latin typeface="Arial" panose="020B0604020202020204" pitchFamily="34" charset="0"/>
                 <a:cs typeface="Arial" panose="020B0604020202020204" pitchFamily="34" charset="0"/>
               </a:rPr>
-              <a:t>It is difficult to justify investment if </a:t>
-            </a:r>
-            <a:r>
-              <a:rPr lang="en-US" altLang="en-US" b="0" dirty="0" smtClean="0">
-                <a:solidFill>
-                  <a:srgbClr val="000000"/>
-                </a:solidFill>
-                <a:latin typeface="Arial" panose="020B0604020202020204" pitchFamily="34" charset="0"/>
-                <a:cs typeface="Arial" panose="020B0604020202020204" pitchFamily="34" charset="0"/>
-              </a:rPr>
-              <a:t>the likelihood of an incident is extremely low or there </a:t>
+              <a:t>It is </a:t>
             </a:r>
             <a:r>
               <a:rPr lang="en-US" altLang="en-US" b="0" dirty="0">
                 <a:solidFill>
                   <a:srgbClr val="000000"/>
                 </a:solidFill>
+                <a:highlight>
+                  <a:srgbClr val="FFFF00"/>
+                </a:highlight>
                 <a:latin typeface="Arial" panose="020B0604020202020204" pitchFamily="34" charset="0"/>
                 <a:cs typeface="Arial" panose="020B0604020202020204" pitchFamily="34" charset="0"/>
               </a:rPr>
-              <a:t>are </a:t>
+              <a:t>difficult</a:t>
+            </a:r>
+            <a:r>
+              <a:rPr lang="en-US" altLang="en-US" b="0" dirty="0">
+                <a:solidFill>
+                  <a:srgbClr val="000000"/>
+                </a:solidFill>
+                <a:latin typeface="Arial" panose="020B0604020202020204" pitchFamily="34" charset="0"/>
+                <a:cs typeface="Arial" panose="020B0604020202020204" pitchFamily="34" charset="0"/>
+              </a:rPr>
+              <a:t> to </a:t>
+            </a:r>
+            <a:r>
+              <a:rPr lang="en-US" altLang="en-US" b="0" dirty="0">
+                <a:solidFill>
+                  <a:srgbClr val="000000"/>
+                </a:solidFill>
+                <a:highlight>
+                  <a:srgbClr val="FFFF00"/>
+                </a:highlight>
+                <a:latin typeface="Arial" panose="020B0604020202020204" pitchFamily="34" charset="0"/>
+                <a:cs typeface="Arial" panose="020B0604020202020204" pitchFamily="34" charset="0"/>
+              </a:rPr>
+              <a:t>justify investment</a:t>
+            </a:r>
+            <a:r>
+              <a:rPr lang="en-US" altLang="en-US" b="0" dirty="0">
+                <a:solidFill>
+                  <a:srgbClr val="000000"/>
+                </a:solidFill>
+                <a:latin typeface="Arial" panose="020B0604020202020204" pitchFamily="34" charset="0"/>
+                <a:cs typeface="Arial" panose="020B0604020202020204" pitchFamily="34" charset="0"/>
+              </a:rPr>
+              <a:t> if the </a:t>
+            </a:r>
+            <a:r>
+              <a:rPr lang="en-US" altLang="en-US" b="0" dirty="0">
+                <a:solidFill>
+                  <a:srgbClr val="000000"/>
+                </a:solidFill>
+                <a:highlight>
+                  <a:srgbClr val="FFFF00"/>
+                </a:highlight>
+                <a:latin typeface="Arial" panose="020B0604020202020204" pitchFamily="34" charset="0"/>
+                <a:cs typeface="Arial" panose="020B0604020202020204" pitchFamily="34" charset="0"/>
+              </a:rPr>
+              <a:t>likelihood</a:t>
+            </a:r>
+            <a:r>
+              <a:rPr lang="en-US" altLang="en-US" b="0" dirty="0">
+                <a:solidFill>
+                  <a:srgbClr val="000000"/>
+                </a:solidFill>
+                <a:latin typeface="Arial" panose="020B0604020202020204" pitchFamily="34" charset="0"/>
+                <a:cs typeface="Arial" panose="020B0604020202020204" pitchFamily="34" charset="0"/>
+              </a:rPr>
+              <a:t> of an </a:t>
+            </a:r>
+            <a:r>
+              <a:rPr lang="en-US" altLang="en-US" b="0" dirty="0">
+                <a:solidFill>
+                  <a:srgbClr val="000000"/>
+                </a:solidFill>
+                <a:highlight>
+                  <a:srgbClr val="FFFF00"/>
+                </a:highlight>
+                <a:latin typeface="Arial" panose="020B0604020202020204" pitchFamily="34" charset="0"/>
+                <a:cs typeface="Arial" panose="020B0604020202020204" pitchFamily="34" charset="0"/>
+              </a:rPr>
+              <a:t>incident</a:t>
+            </a:r>
+            <a:r>
+              <a:rPr lang="en-US" altLang="en-US" b="0" dirty="0">
+                <a:solidFill>
+                  <a:srgbClr val="000000"/>
+                </a:solidFill>
+                <a:latin typeface="Arial" panose="020B0604020202020204" pitchFamily="34" charset="0"/>
+                <a:cs typeface="Arial" panose="020B0604020202020204" pitchFamily="34" charset="0"/>
+              </a:rPr>
+              <a:t> is </a:t>
+            </a:r>
+            <a:r>
+              <a:rPr lang="en-US" altLang="en-US" b="0" dirty="0">
+                <a:solidFill>
+                  <a:srgbClr val="000000"/>
+                </a:solidFill>
+                <a:highlight>
+                  <a:srgbClr val="FFFF00"/>
+                </a:highlight>
+                <a:latin typeface="Arial" panose="020B0604020202020204" pitchFamily="34" charset="0"/>
+                <a:cs typeface="Arial" panose="020B0604020202020204" pitchFamily="34" charset="0"/>
+              </a:rPr>
+              <a:t>extremely low</a:t>
+            </a:r>
+            <a:r>
+              <a:rPr lang="en-US" altLang="en-US" b="0" dirty="0">
+                <a:solidFill>
+                  <a:srgbClr val="000000"/>
+                </a:solidFill>
+                <a:latin typeface="Arial" panose="020B0604020202020204" pitchFamily="34" charset="0"/>
+                <a:cs typeface="Arial" panose="020B0604020202020204" pitchFamily="34" charset="0"/>
+              </a:rPr>
+              <a:t> or there are </a:t>
             </a:r>
             <a:r>
               <a:rPr lang="en-US" altLang="en-US" b="0" u="sng" dirty="0">
                 <a:solidFill>
                   <a:srgbClr val="000000"/>
                 </a:solidFill>
+                <a:highlight>
+                  <a:srgbClr val="FFFF00"/>
+                </a:highlight>
                 <a:latin typeface="Arial" panose="020B0604020202020204" pitchFamily="34" charset="0"/>
                 <a:cs typeface="Arial" panose="020B0604020202020204" pitchFamily="34" charset="0"/>
               </a:rPr>
@@ -33850,7 +33474,76 @@
                 <a:latin typeface="Arial" panose="020B0604020202020204" pitchFamily="34" charset="0"/>
                 <a:cs typeface="Arial" panose="020B0604020202020204" pitchFamily="34" charset="0"/>
               </a:rPr>
-              <a:t>, and it is hard to show a return on investment in risk management.</a:t>
+              <a:t>, and it is </a:t>
+            </a:r>
+            <a:r>
+              <a:rPr lang="en-US" altLang="en-US" b="0" dirty="0">
+                <a:solidFill>
+                  <a:srgbClr val="000000"/>
+                </a:solidFill>
+                <a:highlight>
+                  <a:srgbClr val="FFFF00"/>
+                </a:highlight>
+                <a:latin typeface="Arial" panose="020B0604020202020204" pitchFamily="34" charset="0"/>
+                <a:cs typeface="Arial" panose="020B0604020202020204" pitchFamily="34" charset="0"/>
+              </a:rPr>
+              <a:t>hard to show</a:t>
+            </a:r>
+            <a:r>
+              <a:rPr lang="en-US" altLang="en-US" b="0" dirty="0">
+                <a:solidFill>
+                  <a:srgbClr val="000000"/>
+                </a:solidFill>
+                <a:latin typeface="Arial" panose="020B0604020202020204" pitchFamily="34" charset="0"/>
+                <a:cs typeface="Arial" panose="020B0604020202020204" pitchFamily="34" charset="0"/>
+              </a:rPr>
+              <a:t> a </a:t>
+            </a:r>
+            <a:r>
+              <a:rPr lang="en-US" altLang="en-US" b="0" dirty="0">
+                <a:solidFill>
+                  <a:srgbClr val="000000"/>
+                </a:solidFill>
+                <a:highlight>
+                  <a:srgbClr val="FFFF00"/>
+                </a:highlight>
+                <a:latin typeface="Arial" panose="020B0604020202020204" pitchFamily="34" charset="0"/>
+                <a:cs typeface="Arial" panose="020B0604020202020204" pitchFamily="34" charset="0"/>
+              </a:rPr>
+              <a:t>return</a:t>
+            </a:r>
+            <a:r>
+              <a:rPr lang="en-US" altLang="en-US" b="0" dirty="0">
+                <a:solidFill>
+                  <a:srgbClr val="000000"/>
+                </a:solidFill>
+                <a:latin typeface="Arial" panose="020B0604020202020204" pitchFamily="34" charset="0"/>
+                <a:cs typeface="Arial" panose="020B0604020202020204" pitchFamily="34" charset="0"/>
+              </a:rPr>
+              <a:t> on </a:t>
+            </a:r>
+            <a:r>
+              <a:rPr lang="en-US" altLang="en-US" b="0" dirty="0">
+                <a:solidFill>
+                  <a:srgbClr val="000000"/>
+                </a:solidFill>
+                <a:highlight>
+                  <a:srgbClr val="FFFF00"/>
+                </a:highlight>
+                <a:latin typeface="Arial" panose="020B0604020202020204" pitchFamily="34" charset="0"/>
+                <a:cs typeface="Arial" panose="020B0604020202020204" pitchFamily="34" charset="0"/>
+              </a:rPr>
+              <a:t>investment</a:t>
+            </a:r>
+            <a:r>
+              <a:rPr lang="en-US" altLang="en-US" b="0" dirty="0">
+                <a:solidFill>
+                  <a:srgbClr val="000000"/>
+                </a:solidFill>
+                <a:latin typeface="Arial" panose="020B0604020202020204" pitchFamily="34" charset="0"/>
+                <a:cs typeface="Arial" panose="020B0604020202020204" pitchFamily="34" charset="0"/>
+              </a:rPr>
+              <a:t> in risk management.</a:t>
             </a:r>
           </a:p>
           <a:p>
@@ -33869,24 +33562,14 @@
               <a:buChar char="Ø"/>
             </a:pPr>
             <a:r>
-              <a:rPr lang="en-US" altLang="en-US" b="0" dirty="0" smtClean="0">
+              <a:rPr lang="en-US" altLang="en-US" b="0" dirty="0">
                 <a:solidFill>
                   <a:srgbClr val="000000"/>
                 </a:solidFill>
                 <a:latin typeface="Arial" panose="020B0604020202020204" pitchFamily="34" charset="0"/>
                 <a:cs typeface="Arial" panose="020B0604020202020204" pitchFamily="34" charset="0"/>
               </a:rPr>
-              <a:t>Thus</a:t>
-            </a:r>
-            <a:r>
-              <a:rPr lang="en-US" altLang="en-US" b="0" dirty="0">
-                <a:solidFill>
-                  <a:srgbClr val="000000"/>
-                </a:solidFill>
-                <a:latin typeface="Arial" panose="020B0604020202020204" pitchFamily="34" charset="0"/>
-                <a:cs typeface="Arial" panose="020B0604020202020204" pitchFamily="34" charset="0"/>
-              </a:rPr>
-              <a:t>, too often companies look at risk management as a </a:t>
+              <a:t>Thus, too often companies look at risk management as a </a:t>
             </a:r>
             <a:r>
               <a:rPr lang="en-US" altLang="en-US" b="0" u="sng" dirty="0">
@@ -33963,7 +33646,7 @@
               <a:buFont typeface="Wingdings" panose="05000000000000000000" pitchFamily="2" charset="2"/>
               <a:buChar char="Ø"/>
             </a:pPr>
-            <a:endParaRPr lang="en-US" altLang="en-US" b="0" dirty="0" smtClean="0">
+            <a:endParaRPr lang="en-US" altLang="en-US" b="0" dirty="0">
               <a:solidFill>
                 <a:srgbClr val="000000"/>
               </a:solidFill>
@@ -33987,42 +33670,15 @@
               <a:buChar char="Ø"/>
             </a:pPr>
             <a:r>
-              <a:rPr lang="en-US" altLang="en-US" b="0" dirty="0" smtClean="0">
+              <a:rPr lang="en-US" altLang="en-US" b="0" dirty="0">
                 <a:solidFill>
                   <a:srgbClr val="000000"/>
                 </a:solidFill>
                 <a:latin typeface="Arial" panose="020B0604020202020204" pitchFamily="34" charset="0"/>
                 <a:cs typeface="Arial" panose="020B0604020202020204" pitchFamily="34" charset="0"/>
               </a:rPr>
-              <a:t>But </a:t>
+              <a:t>But there are other ways of measuring benefits … </a:t>
             </a:r>
-            <a:r>
-              <a:rPr lang="en-US" altLang="en-US" b="0" dirty="0">
-                <a:solidFill>
-                  <a:srgbClr val="000000"/>
-                </a:solidFill>
-                <a:latin typeface="Arial" panose="020B0604020202020204" pitchFamily="34" charset="0"/>
-                <a:cs typeface="Arial" panose="020B0604020202020204" pitchFamily="34" charset="0"/>
-              </a:rPr>
-              <a:t>there are other ways of measuring </a:t>
-            </a:r>
-            <a:r>
-              <a:rPr lang="en-US" altLang="en-US" b="0" dirty="0" smtClean="0">
-                <a:solidFill>
-                  <a:srgbClr val="000000"/>
-                </a:solidFill>
-                <a:latin typeface="Arial" panose="020B0604020202020204" pitchFamily="34" charset="0"/>
-                <a:cs typeface="Arial" panose="020B0604020202020204" pitchFamily="34" charset="0"/>
-              </a:rPr>
-              <a:t>benefits … </a:t>
-            </a:r>
-            <a:endParaRPr lang="en-US" altLang="en-US" b="0" dirty="0">
-              <a:solidFill>
-                <a:srgbClr val="000000"/>
-              </a:solidFill>
-              <a:latin typeface="Arial" panose="020B0604020202020204" pitchFamily="34" charset="0"/>
-              <a:cs typeface="Arial" panose="020B0604020202020204" pitchFamily="34" charset="0"/>
-            </a:endParaRPr>
           </a:p>
           <a:p>
             <a:pPr marL="360000" lvl="0" indent="-360000" eaLnBrk="0" hangingPunct="0">
@@ -34348,14 +34004,17 @@
                 <a:solidFill>
                   <a:schemeClr val="accent2"/>
                 </a:solidFill>
+                <a:highlight>
+                  <a:srgbClr val="FFFF00"/>
+                </a:highlight>
                 <a:latin typeface="Arial" panose="020B0604020202020204" pitchFamily="34" charset="0"/>
                 <a:ea typeface="+mj-ea"/>
                 <a:cs typeface="Arial" panose="020B0604020202020204" pitchFamily="34" charset="0"/>
               </a:rPr>
-              <a:t>Why Do We Need to Build a Business Case for </a:t>
+              <a:t>Why</a:t>
             </a:r>
             <a:r>
-              <a:rPr lang="en-US" altLang="en-US" sz="2400" b="0" dirty="0" smtClean="0">
+              <a:rPr lang="en-US" altLang="en-US" sz="2400" b="0" dirty="0">
                 <a:solidFill>
                   <a:schemeClr val="accent2"/>
                 </a:solidFill>
@@ -34363,16 +34022,58 @@
                 <a:ea typeface="+mj-ea"/>
                 <a:cs typeface="Arial" panose="020B0604020202020204" pitchFamily="34" charset="0"/>
               </a:rPr>
-              <a:t>a RM Program?</a:t>
+              <a:t> Do We Need to </a:t>
             </a:r>
-            <a:endParaRPr lang="en-US" altLang="en-US" sz="2400" b="0" dirty="0">
-              <a:solidFill>
-                <a:schemeClr val="accent2"/>
-              </a:solidFill>
-              <a:latin typeface="Arial" panose="020B0604020202020204" pitchFamily="34" charset="0"/>
-              <a:ea typeface="+mj-ea"/>
-              <a:cs typeface="Arial" panose="020B0604020202020204" pitchFamily="34" charset="0"/>
-            </a:endParaRPr>
+            <a:r>
+              <a:rPr lang="en-US" altLang="en-US" sz="2400" b="0" dirty="0">
+                <a:solidFill>
+                  <a:schemeClr val="accent2"/>
+                </a:solidFill>
+                <a:highlight>
+                  <a:srgbClr val="FFFF00"/>
+                </a:highlight>
+                <a:latin typeface="Arial" panose="020B0604020202020204" pitchFamily="34" charset="0"/>
+                <a:ea typeface="+mj-ea"/>
+                <a:cs typeface="Arial" panose="020B0604020202020204" pitchFamily="34" charset="0"/>
+              </a:rPr>
+              <a:t>Build a Business Case</a:t>
+            </a:r>
+            <a:r>
+              <a:rPr lang="en-US" altLang="en-US" sz="2400" b="0" dirty="0">
+                <a:solidFill>
+                  <a:schemeClr val="accent2"/>
+                </a:solidFill>
+                <a:latin typeface="Arial" panose="020B0604020202020204" pitchFamily="34" charset="0"/>
+                <a:ea typeface="+mj-ea"/>
+                <a:cs typeface="Arial" panose="020B0604020202020204" pitchFamily="34" charset="0"/>
+              </a:rPr>
+              <a:t> for a </a:t>
+            </a:r>
+            <a:r>
+              <a:rPr lang="en-US" altLang="en-US" sz="2400" b="0" dirty="0">
+                <a:solidFill>
+                  <a:schemeClr val="accent2"/>
+                </a:solidFill>
+                <a:highlight>
+                  <a:srgbClr val="FFFF00"/>
+                </a:highlight>
+                <a:latin typeface="Arial" panose="020B0604020202020204" pitchFamily="34" charset="0"/>
+                <a:ea typeface="+mj-ea"/>
+                <a:cs typeface="Arial" panose="020B0604020202020204" pitchFamily="34" charset="0"/>
+              </a:rPr>
+              <a:t>RM Program</a:t>
+            </a:r>
+            <a:r>
+              <a:rPr lang="en-US" altLang="en-US" sz="2400" b="0" dirty="0">
+                <a:solidFill>
+                  <a:schemeClr val="accent2"/>
+                </a:solidFill>
+                <a:latin typeface="Arial" panose="020B0604020202020204" pitchFamily="34" charset="0"/>
+                <a:ea typeface="+mj-ea"/>
+                <a:cs typeface="Arial" panose="020B0604020202020204" pitchFamily="34" charset="0"/>
+              </a:rPr>
+              <a:t>?</a:t>
+            </a:r>
           </a:p>
         </p:txBody>
       </p:sp>
@@ -34644,51 +34345,7 @@
                 <a:cs typeface="Arial" panose="020B0604020202020204" pitchFamily="34" charset="0"/>
                 <a:sym typeface="Times New Roman"/>
               </a:rPr>
-              <a:t>Chapter </a:t>
-            </a:r>
-            <a:r>
-              <a:rPr lang="en-US" sz="1200" i="1" kern="0" dirty="0" smtClean="0">
-                <a:solidFill>
-                  <a:srgbClr val="000000"/>
-                </a:solidFill>
-                <a:ea typeface="Times New Roman"/>
-                <a:cs typeface="Arial" panose="020B0604020202020204" pitchFamily="34" charset="0"/>
-                <a:sym typeface="Times New Roman"/>
-              </a:rPr>
-              <a:t>6.3: The </a:t>
-            </a:r>
-            <a:r>
-              <a:rPr lang="en-US" sz="1200" i="1" kern="0" dirty="0">
-                <a:solidFill>
-                  <a:srgbClr val="000000"/>
-                </a:solidFill>
-                <a:ea typeface="Times New Roman"/>
-                <a:cs typeface="Arial" panose="020B0604020202020204" pitchFamily="34" charset="0"/>
-                <a:sym typeface="Times New Roman"/>
-              </a:rPr>
-              <a:t>Business Case </a:t>
-            </a:r>
-            <a:r>
-              <a:rPr lang="en-US" sz="1200" i="1" kern="0" dirty="0" smtClean="0">
-                <a:solidFill>
-                  <a:srgbClr val="000000"/>
-                </a:solidFill>
-                <a:ea typeface="Times New Roman"/>
-                <a:cs typeface="Arial" panose="020B0604020202020204" pitchFamily="34" charset="0"/>
-                <a:sym typeface="Times New Roman"/>
-              </a:rPr>
-              <a:t>for </a:t>
-            </a:r>
-            <a:r>
-              <a:rPr lang="en-US" sz="1200" i="1" kern="0" dirty="0">
-                <a:solidFill>
-                  <a:srgbClr val="000000"/>
-                </a:solidFill>
-                <a:ea typeface="Times New Roman"/>
-                <a:cs typeface="Arial" panose="020B0604020202020204" pitchFamily="34" charset="0"/>
-                <a:sym typeface="Times New Roman"/>
-              </a:rPr>
-              <a:t>a Risk Management Program </a:t>
+              <a:t>Chapter 6.3: The Business Case for a Risk Management Program </a:t>
             </a:r>
           </a:p>
         </p:txBody>
@@ -34706,13 +34363,6 @@
   <p:transition>
     <p:fade/>
   </p:transition>
-  <p:timing>
-    <p:tnLst>
-      <p:par>
-        <p:cTn id="1" dur="indefinite" restart="never" nodeType="tmRoot"/>
-      </p:par>
-    </p:tnLst>
-  </p:timing>
 </p:sld>
 </file>
 
@@ -35105,24 +34755,14 @@
               <a:buChar char="Ø"/>
             </a:pPr>
             <a:r>
-              <a:rPr lang="en-US" altLang="en-US" sz="2000" b="0" i="1" dirty="0" smtClean="0">
+              <a:rPr lang="en-US" altLang="en-US" sz="2000" b="0" i="1" dirty="0">
                 <a:solidFill>
                   <a:srgbClr val="000000"/>
                 </a:solidFill>
                 <a:latin typeface="Arial" panose="020B0604020202020204" pitchFamily="34" charset="0"/>
                 <a:cs typeface="Arial" panose="020B0604020202020204" pitchFamily="34" charset="0"/>
               </a:rPr>
-              <a:t>Q</a:t>
-            </a:r>
-            <a:r>
-              <a:rPr lang="en-US" altLang="en-US" sz="2000" b="0" i="1" dirty="0">
-                <a:solidFill>
-                  <a:srgbClr val="000000"/>
-                </a:solidFill>
-                <a:latin typeface="Arial" panose="020B0604020202020204" pitchFamily="34" charset="0"/>
-                <a:cs typeface="Arial" panose="020B0604020202020204" pitchFamily="34" charset="0"/>
-              </a:rPr>
-              <a:t>: Is it a balance between costs and </a:t>
+              <a:t>Q: Is it a balance between costs and </a:t>
             </a:r>
             <a:br>
               <a:rPr lang="en-US" altLang="en-US" sz="2000" b="0" i="1" dirty="0">
@@ -35142,104 +34782,6 @@
                 <a:cs typeface="Arial" panose="020B0604020202020204" pitchFamily="34" charset="0"/>
               </a:rPr>
               <a:t>acceptable level of risks?</a:t>
-            </a:r>
-          </a:p>
-          <a:p>
-            <a:pPr lvl="0" eaLnBrk="0" hangingPunct="0">
-              <a:lnSpc>
-                <a:spcPct val="100000"/>
-              </a:lnSpc>
-              <a:spcBef>
-                <a:spcPct val="0"/>
-              </a:spcBef>
-              <a:buClr>
-                <a:srgbClr val="000000"/>
-              </a:buClr>
-              <a:buSzPct val="100000"/>
-              <a:buFont typeface="Wingdings" panose="05000000000000000000" pitchFamily="2" charset="2"/>
-              <a:buChar char="Ø"/>
-            </a:pPr>
-            <a:endParaRPr lang="en-US" altLang="en-US" b="0" dirty="0" smtClean="0">
-              <a:solidFill>
-                <a:srgbClr val="000000"/>
-              </a:solidFill>
-              <a:latin typeface="Arial" panose="020B0604020202020204" pitchFamily="34" charset="0"/>
-              <a:cs typeface="Arial" panose="020B0604020202020204" pitchFamily="34" charset="0"/>
-            </a:endParaRPr>
-          </a:p>
-          <a:p>
-            <a:pPr lvl="0" eaLnBrk="0" hangingPunct="0">
-              <a:lnSpc>
-                <a:spcPct val="100000"/>
-              </a:lnSpc>
-              <a:spcBef>
-                <a:spcPct val="0"/>
-              </a:spcBef>
-              <a:buClr>
-                <a:srgbClr val="000000"/>
-              </a:buClr>
-              <a:buSzPct val="100000"/>
-              <a:buFont typeface="Wingdings" panose="05000000000000000000" pitchFamily="2" charset="2"/>
-              <a:buChar char="Ø"/>
-            </a:pPr>
-            <a:r>
-              <a:rPr lang="en-US" altLang="en-US" b="0" dirty="0" smtClean="0">
-                <a:solidFill>
-                  <a:srgbClr val="000000"/>
-                </a:solidFill>
-                <a:latin typeface="Arial" panose="020B0604020202020204" pitchFamily="34" charset="0"/>
-                <a:cs typeface="Arial" panose="020B0604020202020204" pitchFamily="34" charset="0"/>
-              </a:rPr>
-              <a:t>The </a:t>
-            </a:r>
-            <a:r>
-              <a:rPr lang="en-US" altLang="en-US" b="0" dirty="0">
-                <a:solidFill>
-                  <a:srgbClr val="000000"/>
-                </a:solidFill>
-                <a:latin typeface="Arial" panose="020B0604020202020204" pitchFamily="34" charset="0"/>
-                <a:cs typeface="Arial" panose="020B0604020202020204" pitchFamily="34" charset="0"/>
-              </a:rPr>
-              <a:t>cost of a risk management program </a:t>
-            </a:r>
-            <a:br>
-              <a:rPr lang="en-US" altLang="en-US" b="0" dirty="0">
-                <a:solidFill>
-                  <a:srgbClr val="000000"/>
-                </a:solidFill>
-                <a:latin typeface="Arial" panose="020B0604020202020204" pitchFamily="34" charset="0"/>
-                <a:cs typeface="Arial" panose="020B0604020202020204" pitchFamily="34" charset="0"/>
-              </a:rPr>
-            </a:br>
-            <a:r>
-              <a:rPr lang="en-US" altLang="en-US" b="0" dirty="0">
-                <a:solidFill>
-                  <a:srgbClr val="000000"/>
-                </a:solidFill>
-                <a:latin typeface="Arial" panose="020B0604020202020204" pitchFamily="34" charset="0"/>
-                <a:cs typeface="Arial" panose="020B0604020202020204" pitchFamily="34" charset="0"/>
-              </a:rPr>
-              <a:t>is </a:t>
-            </a:r>
-            <a:r>
-              <a:rPr lang="en-US" altLang="en-US" b="0" u="sng" dirty="0">
-                <a:solidFill>
-                  <a:srgbClr val="000000"/>
-                </a:solidFill>
-                <a:latin typeface="Arial" panose="020B0604020202020204" pitchFamily="34" charset="0"/>
-                <a:cs typeface="Arial" panose="020B0604020202020204" pitchFamily="34" charset="0"/>
-              </a:rPr>
-              <a:t>highly certain</a:t>
-            </a:r>
-            <a:r>
-              <a:rPr lang="en-US" altLang="en-US" b="0" dirty="0">
-                <a:solidFill>
-                  <a:srgbClr val="000000"/>
-                </a:solidFill>
-                <a:latin typeface="Arial" panose="020B0604020202020204" pitchFamily="34" charset="0"/>
-                <a:cs typeface="Arial" panose="020B0604020202020204" pitchFamily="34" charset="0"/>
-              </a:rPr>
-              <a:t>. </a:t>
             </a:r>
           </a:p>
           <a:p>
@@ -35288,6 +34830,94 @@
                 <a:latin typeface="Arial" panose="020B0604020202020204" pitchFamily="34" charset="0"/>
                 <a:cs typeface="Arial" panose="020B0604020202020204" pitchFamily="34" charset="0"/>
               </a:rPr>
+              <a:t>The cost of a risk management program </a:t>
+            </a:r>
+            <a:br>
+              <a:rPr lang="en-US" altLang="en-US" b="0" dirty="0">
+                <a:solidFill>
+                  <a:srgbClr val="000000"/>
+                </a:solidFill>
+                <a:latin typeface="Arial" panose="020B0604020202020204" pitchFamily="34" charset="0"/>
+                <a:cs typeface="Arial" panose="020B0604020202020204" pitchFamily="34" charset="0"/>
+              </a:rPr>
+            </a:br>
+            <a:r>
+              <a:rPr lang="en-US" altLang="en-US" b="0" dirty="0">
+                <a:solidFill>
+                  <a:srgbClr val="000000"/>
+                </a:solidFill>
+                <a:latin typeface="Arial" panose="020B0604020202020204" pitchFamily="34" charset="0"/>
+                <a:cs typeface="Arial" panose="020B0604020202020204" pitchFamily="34" charset="0"/>
+              </a:rPr>
+              <a:t>is </a:t>
+            </a:r>
+            <a:r>
+              <a:rPr lang="en-US" altLang="en-US" b="0" u="sng" dirty="0">
+                <a:solidFill>
+                  <a:srgbClr val="000000"/>
+                </a:solidFill>
+                <a:latin typeface="Arial" panose="020B0604020202020204" pitchFamily="34" charset="0"/>
+                <a:cs typeface="Arial" panose="020B0604020202020204" pitchFamily="34" charset="0"/>
+              </a:rPr>
+              <a:t>highly certain</a:t>
+            </a:r>
+            <a:r>
+              <a:rPr lang="en-US" altLang="en-US" b="0" dirty="0">
+                <a:solidFill>
+                  <a:srgbClr val="000000"/>
+                </a:solidFill>
+                <a:latin typeface="Arial" panose="020B0604020202020204" pitchFamily="34" charset="0"/>
+                <a:cs typeface="Arial" panose="020B0604020202020204" pitchFamily="34" charset="0"/>
+              </a:rPr>
+              <a:t>. </a:t>
+            </a:r>
+          </a:p>
+          <a:p>
+            <a:pPr lvl="0" eaLnBrk="0" hangingPunct="0">
+              <a:lnSpc>
+                <a:spcPct val="100000"/>
+              </a:lnSpc>
+              <a:spcBef>
+                <a:spcPct val="0"/>
+              </a:spcBef>
+              <a:buClr>
+                <a:srgbClr val="000000"/>
+              </a:buClr>
+              <a:buSzPct val="100000"/>
+              <a:buFont typeface="Wingdings" panose="05000000000000000000" pitchFamily="2" charset="2"/>
+              <a:buChar char="Ø"/>
+            </a:pPr>
+            <a:endParaRPr lang="en-US" altLang="en-US" b="0" dirty="0">
+              <a:solidFill>
+                <a:srgbClr val="000000"/>
+              </a:solidFill>
+              <a:latin typeface="Arial" panose="020B0604020202020204" pitchFamily="34" charset="0"/>
+              <a:cs typeface="Arial" panose="020B0604020202020204" pitchFamily="34" charset="0"/>
+            </a:endParaRPr>
+          </a:p>
+          <a:p>
+            <a:pPr lvl="0" eaLnBrk="0" hangingPunct="0">
+              <a:lnSpc>
+                <a:spcPct val="100000"/>
+              </a:lnSpc>
+              <a:spcBef>
+                <a:spcPct val="0"/>
+              </a:spcBef>
+              <a:buClr>
+                <a:srgbClr val="000000"/>
+              </a:buClr>
+              <a:buSzPct val="100000"/>
+              <a:buFont typeface="Wingdings" panose="05000000000000000000" pitchFamily="2" charset="2"/>
+              <a:buChar char="Ø"/>
+            </a:pPr>
+            <a:r>
+              <a:rPr lang="en-US" altLang="en-US" b="0" dirty="0">
+                <a:solidFill>
+                  <a:srgbClr val="000000"/>
+                </a:solidFill>
+                <a:latin typeface="Arial" panose="020B0604020202020204" pitchFamily="34" charset="0"/>
+                <a:cs typeface="Arial" panose="020B0604020202020204" pitchFamily="34" charset="0"/>
+              </a:rPr>
               <a:t>The cost of a loss incident is </a:t>
             </a:r>
             <a:r>
@@ -35383,17 +35013,7 @@
                 <a:latin typeface="Arial" panose="020B0604020202020204" pitchFamily="34" charset="0"/>
                 <a:cs typeface="Arial" panose="020B0604020202020204" pitchFamily="34" charset="0"/>
               </a:rPr>
-              <a:t>Can these ever be fully quantified? (Exxon-Valdez litigation was resolved just in the past few years</a:t>
-            </a:r>
-            <a:r>
-              <a:rPr lang="en-US" altLang="en-US" sz="2000" b="0" dirty="0" smtClean="0">
-                <a:solidFill>
-                  <a:srgbClr val="000000"/>
-                </a:solidFill>
-                <a:latin typeface="Arial" panose="020B0604020202020204" pitchFamily="34" charset="0"/>
-                <a:cs typeface="Arial" panose="020B0604020202020204" pitchFamily="34" charset="0"/>
-              </a:rPr>
-              <a:t>!)</a:t>
+              <a:t>Can these ever be fully quantified? (Exxon-Valdez litigation was resolved just in the past few years!)</a:t>
             </a:r>
             <a:endParaRPr lang="en-US" altLang="en-US" b="0" dirty="0">
               <a:solidFill>
@@ -35923,51 +35543,7 @@
                 <a:cs typeface="Arial" panose="020B0604020202020204" pitchFamily="34" charset="0"/>
                 <a:sym typeface="Times New Roman"/>
               </a:rPr>
-              <a:t>Chapter </a:t>
-            </a:r>
-            <a:r>
-              <a:rPr lang="en-US" sz="1200" i="1" kern="0" dirty="0" smtClean="0">
-                <a:solidFill>
-                  <a:srgbClr val="000000"/>
-                </a:solidFill>
-                <a:ea typeface="Times New Roman"/>
-                <a:cs typeface="Arial" panose="020B0604020202020204" pitchFamily="34" charset="0"/>
-                <a:sym typeface="Times New Roman"/>
-              </a:rPr>
-              <a:t>6.3: The </a:t>
-            </a:r>
-            <a:r>
-              <a:rPr lang="en-US" sz="1200" i="1" kern="0" dirty="0">
-                <a:solidFill>
-                  <a:srgbClr val="000000"/>
-                </a:solidFill>
-                <a:ea typeface="Times New Roman"/>
-                <a:cs typeface="Arial" panose="020B0604020202020204" pitchFamily="34" charset="0"/>
-                <a:sym typeface="Times New Roman"/>
-              </a:rPr>
-              <a:t>Business Case </a:t>
-            </a:r>
-            <a:r>
-              <a:rPr lang="en-US" sz="1200" i="1" kern="0" dirty="0" smtClean="0">
-                <a:solidFill>
-                  <a:srgbClr val="000000"/>
-                </a:solidFill>
-                <a:ea typeface="Times New Roman"/>
-                <a:cs typeface="Arial" panose="020B0604020202020204" pitchFamily="34" charset="0"/>
-                <a:sym typeface="Times New Roman"/>
-              </a:rPr>
-              <a:t>for </a:t>
-            </a:r>
-            <a:r>
-              <a:rPr lang="en-US" sz="1200" i="1" kern="0" dirty="0">
-                <a:solidFill>
-                  <a:srgbClr val="000000"/>
-                </a:solidFill>
-                <a:ea typeface="Times New Roman"/>
-                <a:cs typeface="Arial" panose="020B0604020202020204" pitchFamily="34" charset="0"/>
-                <a:sym typeface="Times New Roman"/>
-              </a:rPr>
-              <a:t>a Risk Management Program </a:t>
+              <a:t>Chapter 6.3: The Business Case for a Risk Management Program </a:t>
             </a:r>
           </a:p>
         </p:txBody>
@@ -36023,13 +35599,6 @@
   <p:transition>
     <p:fade/>
   </p:transition>
-  <p:timing>
-    <p:tnLst>
-      <p:par>
-        <p:cTn id="1" dur="indefinite" restart="never" nodeType="tmRoot"/>
-      </p:par>
-    </p:tnLst>
-  </p:timing>
 </p:sld>
 </file>
 
@@ -36609,27 +36178,8 @@
                 <a:ea typeface="+mj-ea"/>
                 <a:cs typeface="Arial" panose="020B0604020202020204" pitchFamily="34" charset="0"/>
               </a:rPr>
-              <a:t>Driver for an ESRM </a:t>
+              <a:t>Driver for an ESRM Program:</a:t>
             </a:r>
-            <a:r>
-              <a:rPr lang="en-US" altLang="en-US" sz="2400" b="0" dirty="0" smtClean="0">
-                <a:solidFill>
-                  <a:schemeClr val="accent2"/>
-                </a:solidFill>
-                <a:latin typeface="Arial" panose="020B0604020202020204" pitchFamily="34" charset="0"/>
-                <a:ea typeface="+mj-ea"/>
-                <a:cs typeface="Arial" panose="020B0604020202020204" pitchFamily="34" charset="0"/>
-              </a:rPr>
-              <a:t>Program:</a:t>
-            </a:r>
-            <a:endParaRPr lang="en-US" altLang="en-US" sz="2400" b="0" dirty="0">
-              <a:solidFill>
-                <a:schemeClr val="accent2"/>
-              </a:solidFill>
-              <a:latin typeface="Arial" panose="020B0604020202020204" pitchFamily="34" charset="0"/>
-              <a:ea typeface="+mj-ea"/>
-              <a:cs typeface="Arial" panose="020B0604020202020204" pitchFamily="34" charset="0"/>
-            </a:endParaRPr>
           </a:p>
         </p:txBody>
       </p:sp>
@@ -36901,51 +36451,7 @@
                 <a:cs typeface="Arial" panose="020B0604020202020204" pitchFamily="34" charset="0"/>
                 <a:sym typeface="Times New Roman"/>
               </a:rPr>
-              <a:t>Chapter </a:t>
-            </a:r>
-            <a:r>
-              <a:rPr lang="en-US" sz="1200" i="1" kern="0" dirty="0" smtClean="0">
-                <a:solidFill>
-                  <a:srgbClr val="000000"/>
-                </a:solidFill>
-                <a:ea typeface="Times New Roman"/>
-                <a:cs typeface="Arial" panose="020B0604020202020204" pitchFamily="34" charset="0"/>
-                <a:sym typeface="Times New Roman"/>
-              </a:rPr>
-              <a:t>6.3: The </a:t>
-            </a:r>
-            <a:r>
-              <a:rPr lang="en-US" sz="1200" i="1" kern="0" dirty="0">
-                <a:solidFill>
-                  <a:srgbClr val="000000"/>
-                </a:solidFill>
-                <a:ea typeface="Times New Roman"/>
-                <a:cs typeface="Arial" panose="020B0604020202020204" pitchFamily="34" charset="0"/>
-                <a:sym typeface="Times New Roman"/>
-              </a:rPr>
-              <a:t>Business Case </a:t>
-            </a:r>
-            <a:r>
-              <a:rPr lang="en-US" sz="1200" i="1" kern="0" dirty="0" smtClean="0">
-                <a:solidFill>
-                  <a:srgbClr val="000000"/>
-                </a:solidFill>
-                <a:ea typeface="Times New Roman"/>
-                <a:cs typeface="Arial" panose="020B0604020202020204" pitchFamily="34" charset="0"/>
-                <a:sym typeface="Times New Roman"/>
-              </a:rPr>
-              <a:t>for </a:t>
-            </a:r>
-            <a:r>
-              <a:rPr lang="en-US" sz="1200" i="1" kern="0" dirty="0">
-                <a:solidFill>
-                  <a:srgbClr val="000000"/>
-                </a:solidFill>
-                <a:ea typeface="Times New Roman"/>
-                <a:cs typeface="Arial" panose="020B0604020202020204" pitchFamily="34" charset="0"/>
-                <a:sym typeface="Times New Roman"/>
-              </a:rPr>
-              <a:t>a Risk Management Program </a:t>
+              <a:t>Chapter 6.3: The Business Case for a Risk Management Program </a:t>
             </a:r>
           </a:p>
         </p:txBody>
@@ -37348,7 +36854,7 @@
             <a:p>
               <a:pPr algn="ctr" eaLnBrk="1" hangingPunct="1"/>
               <a:r>
-                <a:rPr kumimoji="0" lang="en-US" altLang="en-US" sz="1600" b="1" i="1" u="none" strike="noStrike" cap="none" normalizeH="0" baseline="0" dirty="0" smtClean="0">
+                <a:rPr kumimoji="0" lang="en-US" altLang="en-US" sz="1600" b="1" i="1" u="none" strike="noStrike" cap="none" normalizeH="0" baseline="0" dirty="0">
                   <a:ln>
                     <a:noFill/>
                   </a:ln>
@@ -37361,34 +36867,16 @@
                 <a:t>Investment in Risk Management vs </a:t>
               </a:r>
               <a:r>
-                <a:rPr lang="en-US" altLang="en-US" sz="1600" b="1" i="1" dirty="0" smtClean="0">
-                  <a:solidFill>
-                    <a:schemeClr val="tx2"/>
-                  </a:solidFill>
-                  <a:latin typeface="Arial" panose="020B0604020202020204" pitchFamily="34" charset="0"/>
-                </a:rPr>
-                <a:t>Cost </a:t>
-              </a:r>
-              <a:r>
                 <a:rPr lang="en-US" altLang="en-US" sz="1600" b="1" i="1" dirty="0">
                   <a:solidFill>
                     <a:schemeClr val="tx2"/>
                   </a:solidFill>
                   <a:latin typeface="Arial" panose="020B0604020202020204" pitchFamily="34" charset="0"/>
                 </a:rPr>
-                <a:t>of Incidents</a:t>
+                <a:t>Cost of Incidents:</a:t>
               </a:r>
               <a:r>
-                <a:rPr lang="en-US" altLang="en-US" sz="1600" b="1" i="1" dirty="0" smtClean="0">
-                  <a:solidFill>
-                    <a:schemeClr val="tx2"/>
-                  </a:solidFill>
-                  <a:latin typeface="Arial" panose="020B0604020202020204" pitchFamily="34" charset="0"/>
-                </a:rPr>
-                <a:t>:</a:t>
-              </a:r>
-              <a:r>
-                <a:rPr kumimoji="0" lang="en-US" altLang="en-US" sz="1600" b="1" i="1" u="none" strike="noStrike" cap="none" normalizeH="0" baseline="0" dirty="0" smtClean="0">
+                <a:rPr kumimoji="0" lang="en-US" altLang="en-US" sz="1600" b="1" i="1" u="none" strike="noStrike" cap="none" normalizeH="0" baseline="0" dirty="0">
                   <a:ln>
                     <a:noFill/>
                   </a:ln>
@@ -37400,7 +36888,7 @@
                 </a:rPr>
                 <a:t> </a:t>
               </a:r>
-              <a:endParaRPr kumimoji="0" lang="en-US" altLang="en-US" sz="2400" b="0" i="0" u="none" strike="noStrike" cap="none" normalizeH="0" baseline="0" dirty="0" smtClean="0">
+              <a:endParaRPr kumimoji="0" lang="en-US" altLang="en-US" sz="2400" b="0" i="0" u="none" strike="noStrike" cap="none" normalizeH="0" baseline="0" dirty="0">
                 <a:ln>
                   <a:noFill/>
                 </a:ln>
@@ -39589,21 +39077,8 @@
                     <a:schemeClr val="tx2"/>
                   </a:solidFill>
                 </a:rPr>
-                <a:t>Relative </a:t>
+                <a:t>Relative Cost</a:t>
               </a:r>
-              <a:r>
-                <a:rPr lang="en-CA" sz="1400" dirty="0" smtClean="0">
-                  <a:solidFill>
-                    <a:schemeClr val="tx2"/>
-                  </a:solidFill>
-                </a:rPr>
-                <a:t>Cost</a:t>
-              </a:r>
-              <a:endParaRPr lang="en-CA" sz="1400" dirty="0">
-                <a:solidFill>
-                  <a:schemeClr val="tx2"/>
-                </a:solidFill>
-              </a:endParaRPr>
             </a:p>
           </p:txBody>
         </p:sp>
@@ -39925,15 +39400,7 @@
                     <a:schemeClr val="tx2"/>
                   </a:solidFill>
                 </a:rPr>
-                <a:t>Level of Effort &amp; Emphasis on </a:t>
-              </a:r>
-              <a:r>
-                <a:rPr lang="en-US" sz="1400" dirty="0" smtClean="0">
-                  <a:solidFill>
-                    <a:schemeClr val="tx2"/>
-                  </a:solidFill>
-                </a:rPr>
-                <a:t>ES&amp;RM</a:t>
+                <a:t>Level of Effort &amp; Emphasis on ES&amp;RM</a:t>
               </a:r>
               <a:endParaRPr lang="en-CA" sz="1400" dirty="0">
                 <a:solidFill>
@@ -41168,7 +40635,7 @@
                 <a:tabLst/>
               </a:pPr>
               <a:r>
-                <a:rPr kumimoji="0" lang="en-CA" sz="1400" b="0" i="0" u="none" strike="noStrike" cap="none" normalizeH="0" baseline="0" dirty="0" smtClean="0">
+                <a:rPr kumimoji="0" lang="en-CA" sz="1400" b="0" i="0" u="none" strike="noStrike" cap="none" normalizeH="0" baseline="0" dirty="0">
                   <a:ln>
                     <a:noFill/>
                   </a:ln>
@@ -41182,7 +40649,7 @@
                 <a:t>Loss</a:t>
               </a:r>
               <a:r>
-                <a:rPr kumimoji="0" lang="en-CA" sz="1400" b="0" i="0" u="none" strike="noStrike" cap="none" normalizeH="0" dirty="0" smtClean="0">
+                <a:rPr kumimoji="0" lang="en-CA" sz="1400" b="0" i="0" u="none" strike="noStrike" cap="none" normalizeH="0" dirty="0">
                   <a:ln>
                     <a:noFill/>
                   </a:ln>
@@ -41195,7 +40662,7 @@
                 </a:rPr>
                 <a:t> Incident Costs</a:t>
               </a:r>
-              <a:endParaRPr kumimoji="0" lang="en-CA" sz="1400" b="0" i="0" u="none" strike="noStrike" cap="none" normalizeH="0" baseline="0" dirty="0" smtClean="0">
+              <a:endParaRPr kumimoji="0" lang="en-CA" sz="1400" b="0" i="0" u="none" strike="noStrike" cap="none" normalizeH="0" baseline="0" dirty="0">
                 <a:ln>
                   <a:noFill/>
                 </a:ln>
@@ -41265,7 +40732,7 @@
                 <a:tabLst/>
               </a:pPr>
               <a:r>
-                <a:rPr kumimoji="0" lang="en-CA" sz="1400" b="0" i="0" u="none" strike="noStrike" cap="none" normalizeH="0" baseline="0" dirty="0" smtClean="0">
+                <a:rPr kumimoji="0" lang="en-CA" sz="1400" b="0" i="0" u="none" strike="noStrike" cap="none" normalizeH="0" baseline="0" dirty="0">
                   <a:ln>
                     <a:noFill/>
                   </a:ln>
@@ -41279,7 +40746,7 @@
                 <a:t>Program </a:t>
               </a:r>
               <a:r>
-                <a:rPr kumimoji="0" lang="en-CA" sz="1400" b="0" i="0" u="none" strike="noStrike" cap="none" normalizeH="0" dirty="0" smtClean="0">
+                <a:rPr kumimoji="0" lang="en-CA" sz="1400" b="0" i="0" u="none" strike="noStrike" cap="none" normalizeH="0" dirty="0">
                   <a:ln>
                     <a:noFill/>
                   </a:ln>
@@ -41292,7 +40759,7 @@
                 </a:rPr>
                 <a:t>Costs</a:t>
               </a:r>
-              <a:endParaRPr kumimoji="0" lang="en-CA" sz="1400" b="0" i="0" u="none" strike="noStrike" cap="none" normalizeH="0" baseline="0" dirty="0" smtClean="0">
+              <a:endParaRPr kumimoji="0" lang="en-CA" sz="1400" b="0" i="0" u="none" strike="noStrike" cap="none" normalizeH="0" baseline="0" dirty="0">
                 <a:ln>
                   <a:noFill/>
                 </a:ln>
@@ -41362,7 +40829,7 @@
                 <a:tabLst/>
               </a:pPr>
               <a:r>
-                <a:rPr kumimoji="0" lang="en-CA" sz="1400" b="0" i="0" u="none" strike="noStrike" cap="none" normalizeH="0" baseline="0" dirty="0" smtClean="0">
+                <a:rPr kumimoji="0" lang="en-CA" sz="1400" b="0" i="0" u="none" strike="noStrike" cap="none" normalizeH="0" baseline="0" dirty="0">
                   <a:ln>
                     <a:noFill/>
                   </a:ln>
@@ -41376,7 +40843,7 @@
                 <a:t>What is the </a:t>
               </a:r>
               <a:br>
-                <a:rPr kumimoji="0" lang="en-CA" sz="1400" b="0" i="0" u="none" strike="noStrike" cap="none" normalizeH="0" baseline="0" dirty="0" smtClean="0">
+                <a:rPr kumimoji="0" lang="en-CA" sz="1400" b="0" i="0" u="none" strike="noStrike" cap="none" normalizeH="0" baseline="0" dirty="0">
                   <a:ln>
                     <a:noFill/>
                   </a:ln>
@@ -41389,7 +40856,7 @@
                 </a:rPr>
               </a:br>
               <a:r>
-                <a:rPr kumimoji="0" lang="en-CA" sz="1400" b="0" i="0" u="none" strike="noStrike" cap="none" normalizeH="0" baseline="0" dirty="0" smtClean="0">
+                <a:rPr kumimoji="0" lang="en-CA" sz="1400" b="0" i="0" u="none" strike="noStrike" cap="none" normalizeH="0" baseline="0" dirty="0">
                   <a:ln>
                     <a:noFill/>
                   </a:ln>
@@ -41419,13 +40886,6 @@
   <p:transition>
     <p:fade/>
   </p:transition>
-  <p:timing>
-    <p:tnLst>
-      <p:par>
-        <p:cTn id="1" dur="indefinite" restart="never" nodeType="tmRoot"/>
-      </p:par>
-    </p:tnLst>
-  </p:timing>
 </p:sld>
 </file>
 
@@ -41470,7 +40930,6 @@
               <a:srgbClr val="000000"/>
             </a:solidFill>
           </a:ln>
-          <a:extLst/>
         </p:spPr>
         <p:txBody>
           <a:bodyPr wrap="square" anchor="ctr" anchorCtr="0">
@@ -41495,27 +40954,8 @@
                 <a:ea typeface="ＭＳ Ｐゴシック" panose="020B0600070205080204" pitchFamily="34" charset="-128"/>
                 <a:cs typeface="Arial" panose="020B0604020202020204" pitchFamily="34" charset="0"/>
               </a:rPr>
-              <a:t>Why Do We Need to Build a Business Case for </a:t>
+              <a:t>Why Do We Need to Build a Business Case for a RMP?</a:t>
             </a:r>
-            <a:r>
-              <a:rPr lang="en-US" altLang="en-US" sz="2400" b="0" dirty="0" smtClean="0">
-                <a:solidFill>
-                  <a:srgbClr val="F8F8F8"/>
-                </a:solidFill>
-                <a:latin typeface="Arial" panose="020B0604020202020204" pitchFamily="34" charset="0"/>
-                <a:ea typeface="ＭＳ Ｐゴシック" panose="020B0600070205080204" pitchFamily="34" charset="-128"/>
-                <a:cs typeface="Arial" panose="020B0604020202020204" pitchFamily="34" charset="0"/>
-              </a:rPr>
-              <a:t>a RMP?</a:t>
-            </a:r>
-            <a:endParaRPr lang="en-US" altLang="en-US" sz="2400" b="0" dirty="0">
-              <a:solidFill>
-                <a:srgbClr val="F8F8F8"/>
-              </a:solidFill>
-              <a:latin typeface="Arial" panose="020B0604020202020204" pitchFamily="34" charset="0"/>
-              <a:ea typeface="ＭＳ Ｐゴシック" panose="020B0600070205080204" pitchFamily="34" charset="-128"/>
-              <a:cs typeface="Arial" panose="020B0604020202020204" pitchFamily="34" charset="0"/>
-            </a:endParaRPr>
           </a:p>
         </p:txBody>
       </p:sp>
@@ -41559,13 +40999,6 @@
               </a:rPr>
               <a:t>The metric for any investment initiative is the ROI. </a:t>
             </a:r>
-            <a:endParaRPr lang="en-US" altLang="en-US" sz="2000" b="0" i="1" dirty="0" smtClean="0">
-              <a:solidFill>
-                <a:srgbClr val="FFFFFF"/>
-              </a:solidFill>
-              <a:latin typeface="Arial" panose="020B0604020202020204" pitchFamily="34" charset="0"/>
-              <a:cs typeface="Arial" panose="020B0604020202020204" pitchFamily="34" charset="0"/>
-            </a:endParaRPr>
           </a:p>
           <a:p>
             <a:pPr marL="342900" lvl="0" indent="-342900" eaLnBrk="0" hangingPunct="0">
@@ -41586,24 +41019,14 @@
               <a:buChar char="Ø"/>
             </a:pPr>
             <a:r>
-              <a:rPr lang="en-CA" altLang="en-US" sz="2000" b="0" i="1" dirty="0" smtClean="0">
+              <a:rPr lang="en-CA" altLang="en-US" sz="2000" b="0" i="1" dirty="0">
                 <a:solidFill>
                   <a:srgbClr val="FFFFFF"/>
                 </a:solidFill>
                 <a:latin typeface="Arial" panose="020B0604020202020204" pitchFamily="34" charset="0"/>
                 <a:cs typeface="Arial" panose="020B0604020202020204" pitchFamily="34" charset="0"/>
               </a:rPr>
-              <a:t>Consider </a:t>
-            </a:r>
-            <a:r>
-              <a:rPr lang="en-CA" altLang="en-US" sz="2000" b="0" i="1" dirty="0">
-                <a:solidFill>
-                  <a:srgbClr val="FFFFFF"/>
-                </a:solidFill>
-                <a:latin typeface="Arial" panose="020B0604020202020204" pitchFamily="34" charset="0"/>
-                <a:cs typeface="Arial" panose="020B0604020202020204" pitchFamily="34" charset="0"/>
-              </a:rPr>
-              <a:t>these two questions:</a:t>
+              <a:t>Consider these two questions:</a:t>
             </a:r>
           </a:p>
           <a:p>
@@ -42000,51 +41423,7 @@
                 <a:cs typeface="Arial" panose="020B0604020202020204" pitchFamily="34" charset="0"/>
                 <a:sym typeface="Times New Roman"/>
               </a:rPr>
-              <a:t>Chapter </a:t>
-            </a:r>
-            <a:r>
-              <a:rPr lang="en-US" sz="1200" i="1" kern="0" dirty="0" smtClean="0">
-                <a:solidFill>
-                  <a:srgbClr val="000000"/>
-                </a:solidFill>
-                <a:ea typeface="Times New Roman"/>
-                <a:cs typeface="Arial" panose="020B0604020202020204" pitchFamily="34" charset="0"/>
-                <a:sym typeface="Times New Roman"/>
-              </a:rPr>
-              <a:t>6.3: The </a:t>
-            </a:r>
-            <a:r>
-              <a:rPr lang="en-US" sz="1200" i="1" kern="0" dirty="0">
-                <a:solidFill>
-                  <a:srgbClr val="000000"/>
-                </a:solidFill>
-                <a:ea typeface="Times New Roman"/>
-                <a:cs typeface="Arial" panose="020B0604020202020204" pitchFamily="34" charset="0"/>
-                <a:sym typeface="Times New Roman"/>
-              </a:rPr>
-              <a:t>Business Case </a:t>
-            </a:r>
-            <a:r>
-              <a:rPr lang="en-US" sz="1200" i="1" kern="0" dirty="0" smtClean="0">
-                <a:solidFill>
-                  <a:srgbClr val="000000"/>
-                </a:solidFill>
-                <a:ea typeface="Times New Roman"/>
-                <a:cs typeface="Arial" panose="020B0604020202020204" pitchFamily="34" charset="0"/>
-                <a:sym typeface="Times New Roman"/>
-              </a:rPr>
-              <a:t>for </a:t>
-            </a:r>
-            <a:r>
-              <a:rPr lang="en-US" sz="1200" i="1" kern="0" dirty="0">
-                <a:solidFill>
-                  <a:srgbClr val="000000"/>
-                </a:solidFill>
-                <a:ea typeface="Times New Roman"/>
-                <a:cs typeface="Arial" panose="020B0604020202020204" pitchFamily="34" charset="0"/>
-                <a:sym typeface="Times New Roman"/>
-              </a:rPr>
-              <a:t>a Risk Management Program </a:t>
+              <a:t>Chapter 6.3: The Business Case for a Risk Management Program </a:t>
             </a:r>
           </a:p>
         </p:txBody>
@@ -42062,13 +41441,6 @@
   <p:transition>
     <p:fade/>
   </p:transition>
-  <p:timing>
-    <p:tnLst>
-      <p:par>
-        <p:cTn id="1" dur="indefinite" restart="never" nodeType="tmRoot"/>
-      </p:par>
-    </p:tnLst>
-  </p:timing>
 </p:sld>
 </file>
 
@@ -42315,7 +41687,7 @@
               <a:buNone/>
             </a:pPr>
             <a:r>
-              <a:rPr lang="en-US" altLang="en-US" dirty="0" err="1">
+              <a:rPr lang="en-US" altLang="en-US" dirty="0">
                 <a:solidFill>
                   <a:srgbClr val="000000"/>
                 </a:solidFill>
@@ -42323,31 +41695,25 @@
                 <a:ea typeface="ＭＳ Ｐゴシック" panose="020B0600070205080204" pitchFamily="34" charset="-128"/>
                 <a:cs typeface="Arial" panose="020B0604020202020204" pitchFamily="34" charset="0"/>
               </a:rPr>
-              <a:t>AIChE</a:t>
+              <a:t>AIChE Ratios:</a:t>
             </a:r>
-            <a:r>
-              <a:rPr lang="en-US" altLang="en-US" dirty="0">
-                <a:solidFill>
-                  <a:srgbClr val="000000"/>
-                </a:solidFill>
-                <a:latin typeface="Arial" panose="020B0604020202020204" pitchFamily="34" charset="0"/>
-                <a:ea typeface="ＭＳ Ｐゴシック" panose="020B0600070205080204" pitchFamily="34" charset="-128"/>
-                <a:cs typeface="Arial" panose="020B0604020202020204" pitchFamily="34" charset="0"/>
-              </a:rPr>
-              <a:t> </a:t>
-            </a:r>
-            <a:r>
-              <a:rPr lang="en-US" altLang="en-US" dirty="0" smtClean="0">
-                <a:solidFill>
-                  <a:srgbClr val="000000"/>
-                </a:solidFill>
-                <a:latin typeface="Arial" panose="020B0604020202020204" pitchFamily="34" charset="0"/>
-                <a:ea typeface="ＭＳ Ｐゴシック" panose="020B0600070205080204" pitchFamily="34" charset="-128"/>
-                <a:cs typeface="Arial" panose="020B0604020202020204" pitchFamily="34" charset="0"/>
-              </a:rPr>
-              <a:t>Ratios:</a:t>
-            </a:r>
-            <a:endParaRPr lang="en-US" altLang="en-US" dirty="0">
+          </a:p>
+          <a:p>
+            <a:pPr marL="360000" indent="-360000" eaLnBrk="0" hangingPunct="0">
+              <a:lnSpc>
+                <a:spcPct val="100000"/>
+              </a:lnSpc>
+              <a:spcBef>
+                <a:spcPts val="0"/>
+              </a:spcBef>
+              <a:buClr>
+                <a:srgbClr val="000000"/>
+              </a:buClr>
+              <a:buSzPct val="100000"/>
+              <a:buFont typeface="Wingdings" panose="05000000000000000000" pitchFamily="2" charset="2"/>
+              <a:buChar char="Ø"/>
+            </a:pPr>
+            <a:endParaRPr lang="en-US" altLang="en-US" b="0" dirty="0">
               <a:solidFill>
                 <a:srgbClr val="000000"/>
               </a:solidFill>
@@ -42371,17 +41737,20 @@
               <a:buFont typeface="Wingdings" panose="05000000000000000000" pitchFamily="2" charset="2"/>
               <a:buChar char="Ø"/>
             </a:pPr>
-            <a:endParaRPr lang="en-US" altLang="en-US" b="0" dirty="0" smtClean="0">
-              <a:solidFill>
-                <a:srgbClr val="000000"/>
-              </a:solidFill>
-              <a:latin typeface="Arial" panose="020B0604020202020204" pitchFamily="34" charset="0"/>
-              <a:ea typeface="ＭＳ Ｐゴシック" panose="020B0600070205080204" pitchFamily="34" charset="-128"/>
-              <a:cs typeface="Arial" panose="020B0604020202020204" pitchFamily="34" charset="0"/>
-            </a:endParaRPr>
+            <a:r>
+              <a:rPr lang="en-US" altLang="en-US" b="0" dirty="0">
+                <a:solidFill>
+                  <a:srgbClr val="000000"/>
+                </a:solidFill>
+                <a:latin typeface="Arial" panose="020B0604020202020204" pitchFamily="34" charset="0"/>
+                <a:ea typeface="ＭＳ Ｐゴシック" panose="020B0600070205080204" pitchFamily="34" charset="-128"/>
+                <a:cs typeface="Arial" panose="020B0604020202020204" pitchFamily="34" charset="0"/>
+              </a:rPr>
+              <a:t>The study of the US Chemical Industry conducted by the American Institute for Chemical Engineering (AIChE) found these beneficial outcomes in organizations with effective RMP:</a:t>
+            </a:r>
           </a:p>
           <a:p>
-            <a:pPr marL="360000" indent="-360000" eaLnBrk="0" hangingPunct="0">
+            <a:pPr marL="720000" lvl="1" indent="-360000" eaLnBrk="0" hangingPunct="0">
               <a:lnSpc>
                 <a:spcPct val="100000"/>
               </a:lnSpc>
@@ -42396,7 +41765,7 @@
               <a:buChar char="Ø"/>
             </a:pPr>
             <a:r>
-              <a:rPr lang="en-US" altLang="en-US" b="0" dirty="0" smtClean="0">
+              <a:rPr lang="en-US" altLang="en-US" sz="2000" b="0" dirty="0">
                 <a:solidFill>
                   <a:srgbClr val="000000"/>
                 </a:solidFill>
@@ -42404,133 +41773,7 @@
                 <a:ea typeface="ＭＳ Ｐゴシック" panose="020B0600070205080204" pitchFamily="34" charset="-128"/>
                 <a:cs typeface="Arial" panose="020B0604020202020204" pitchFamily="34" charset="0"/>
               </a:rPr>
-              <a:t>The study of the US </a:t>
-            </a:r>
-            <a:r>
-              <a:rPr lang="en-US" altLang="en-US" b="0" dirty="0">
-                <a:solidFill>
-                  <a:srgbClr val="000000"/>
-                </a:solidFill>
-                <a:latin typeface="Arial" panose="020B0604020202020204" pitchFamily="34" charset="0"/>
-                <a:ea typeface="ＭＳ Ｐゴシック" panose="020B0600070205080204" pitchFamily="34" charset="-128"/>
-                <a:cs typeface="Arial" panose="020B0604020202020204" pitchFamily="34" charset="0"/>
-              </a:rPr>
-              <a:t>Chemical </a:t>
-            </a:r>
-            <a:r>
-              <a:rPr lang="en-US" altLang="en-US" b="0" dirty="0" smtClean="0">
-                <a:solidFill>
-                  <a:srgbClr val="000000"/>
-                </a:solidFill>
-                <a:latin typeface="Arial" panose="020B0604020202020204" pitchFamily="34" charset="0"/>
-                <a:ea typeface="ＭＳ Ｐゴシック" panose="020B0600070205080204" pitchFamily="34" charset="-128"/>
-                <a:cs typeface="Arial" panose="020B0604020202020204" pitchFamily="34" charset="0"/>
-              </a:rPr>
-              <a:t>Industry conducted by the American Institute for Chemical Engineering (</a:t>
-            </a:r>
-            <a:r>
-              <a:rPr lang="en-US" altLang="en-US" b="0" dirty="0" err="1" smtClean="0">
-                <a:solidFill>
-                  <a:srgbClr val="000000"/>
-                </a:solidFill>
-                <a:latin typeface="Arial" panose="020B0604020202020204" pitchFamily="34" charset="0"/>
-                <a:ea typeface="ＭＳ Ｐゴシック" panose="020B0600070205080204" pitchFamily="34" charset="-128"/>
-                <a:cs typeface="Arial" panose="020B0604020202020204" pitchFamily="34" charset="0"/>
-              </a:rPr>
-              <a:t>AIChE</a:t>
-            </a:r>
-            <a:r>
-              <a:rPr lang="en-US" altLang="en-US" b="0" dirty="0">
-                <a:solidFill>
-                  <a:srgbClr val="000000"/>
-                </a:solidFill>
-                <a:latin typeface="Arial" panose="020B0604020202020204" pitchFamily="34" charset="0"/>
-                <a:ea typeface="ＭＳ Ｐゴシック" panose="020B0600070205080204" pitchFamily="34" charset="-128"/>
-                <a:cs typeface="Arial" panose="020B0604020202020204" pitchFamily="34" charset="0"/>
-              </a:rPr>
-              <a:t>) </a:t>
-            </a:r>
-            <a:r>
-              <a:rPr lang="en-US" altLang="en-US" b="0" dirty="0" smtClean="0">
-                <a:solidFill>
-                  <a:srgbClr val="000000"/>
-                </a:solidFill>
-                <a:latin typeface="Arial" panose="020B0604020202020204" pitchFamily="34" charset="0"/>
-                <a:ea typeface="ＭＳ Ｐゴシック" panose="020B0600070205080204" pitchFamily="34" charset="-128"/>
-                <a:cs typeface="Arial" panose="020B0604020202020204" pitchFamily="34" charset="0"/>
-              </a:rPr>
-              <a:t>found </a:t>
-            </a:r>
-            <a:r>
-              <a:rPr lang="en-US" altLang="en-US" b="0" dirty="0">
-                <a:solidFill>
-                  <a:srgbClr val="000000"/>
-                </a:solidFill>
-                <a:latin typeface="Arial" panose="020B0604020202020204" pitchFamily="34" charset="0"/>
-                <a:ea typeface="ＭＳ Ｐゴシック" panose="020B0600070205080204" pitchFamily="34" charset="-128"/>
-                <a:cs typeface="Arial" panose="020B0604020202020204" pitchFamily="34" charset="0"/>
-              </a:rPr>
-              <a:t>these </a:t>
-            </a:r>
-            <a:r>
-              <a:rPr lang="en-US" altLang="en-US" b="0" dirty="0" smtClean="0">
-                <a:solidFill>
-                  <a:srgbClr val="000000"/>
-                </a:solidFill>
-                <a:latin typeface="Arial" panose="020B0604020202020204" pitchFamily="34" charset="0"/>
-                <a:ea typeface="ＭＳ Ｐゴシック" panose="020B0600070205080204" pitchFamily="34" charset="-128"/>
-                <a:cs typeface="Arial" panose="020B0604020202020204" pitchFamily="34" charset="0"/>
-              </a:rPr>
-              <a:t>beneficial </a:t>
-            </a:r>
-            <a:r>
-              <a:rPr lang="en-US" altLang="en-US" b="0" dirty="0">
-                <a:solidFill>
-                  <a:srgbClr val="000000"/>
-                </a:solidFill>
-                <a:latin typeface="Arial" panose="020B0604020202020204" pitchFamily="34" charset="0"/>
-                <a:ea typeface="ＭＳ Ｐゴシック" panose="020B0600070205080204" pitchFamily="34" charset="-128"/>
-                <a:cs typeface="Arial" panose="020B0604020202020204" pitchFamily="34" charset="0"/>
-              </a:rPr>
-              <a:t>outcomes in organizations with effective RMP:</a:t>
-            </a:r>
-          </a:p>
-          <a:p>
-            <a:pPr marL="720000" lvl="1" indent="-360000" eaLnBrk="0" hangingPunct="0">
-              <a:lnSpc>
-                <a:spcPct val="100000"/>
-              </a:lnSpc>
-              <a:spcBef>
-                <a:spcPts val="0"/>
-              </a:spcBef>
-              <a:buClr>
-                <a:srgbClr val="000000"/>
-              </a:buClr>
-              <a:buSzPct val="100000"/>
-              <a:buFont typeface="Wingdings" panose="05000000000000000000" pitchFamily="2" charset="2"/>
-              <a:buChar char="Ø"/>
-            </a:pPr>
-            <a:r>
-              <a:rPr lang="en-US" altLang="en-US" sz="2000" b="0" dirty="0" smtClean="0">
-                <a:solidFill>
-                  <a:srgbClr val="000000"/>
-                </a:solidFill>
-                <a:latin typeface="Arial" panose="020B0604020202020204" pitchFamily="34" charset="0"/>
-                <a:ea typeface="ＭＳ Ｐゴシック" panose="020B0600070205080204" pitchFamily="34" charset="-128"/>
-                <a:cs typeface="Arial" panose="020B0604020202020204" pitchFamily="34" charset="0"/>
-              </a:rPr>
-              <a:t>5</a:t>
-            </a:r>
-            <a:r>
-              <a:rPr lang="en-US" altLang="en-US" sz="2000" b="0" dirty="0">
-                <a:solidFill>
-                  <a:srgbClr val="000000"/>
-                </a:solidFill>
-                <a:latin typeface="Arial" panose="020B0604020202020204" pitchFamily="34" charset="0"/>
-                <a:ea typeface="ＭＳ Ｐゴシック" panose="020B0600070205080204" pitchFamily="34" charset="-128"/>
-                <a:cs typeface="Arial" panose="020B0604020202020204" pitchFamily="34" charset="0"/>
-              </a:rPr>
-              <a:t>% increase in productivity.</a:t>
+              <a:t>5% increase in productivity.</a:t>
             </a:r>
           </a:p>
           <a:p>
@@ -42638,27 +41881,8 @@
                 <a:ea typeface="ＭＳ Ｐゴシック" panose="020B0600070205080204" pitchFamily="34" charset="-128"/>
                 <a:cs typeface="Arial" panose="020B0604020202020204" pitchFamily="34" charset="0"/>
               </a:rPr>
-              <a:t>20% reduction in insurance </a:t>
+              <a:t>20% reduction in insurance premiums</a:t>
             </a:r>
-            <a:r>
-              <a:rPr lang="en-US" altLang="en-US" sz="2000" b="0" dirty="0" smtClean="0">
-                <a:solidFill>
-                  <a:srgbClr val="000000"/>
-                </a:solidFill>
-                <a:latin typeface="Arial" panose="020B0604020202020204" pitchFamily="34" charset="0"/>
-                <a:ea typeface="ＭＳ Ｐゴシック" panose="020B0600070205080204" pitchFamily="34" charset="-128"/>
-                <a:cs typeface="Arial" panose="020B0604020202020204" pitchFamily="34" charset="0"/>
-              </a:rPr>
-              <a:t>premiums</a:t>
-            </a:r>
-            <a:endParaRPr lang="en-US" altLang="en-US" sz="2000" b="0" dirty="0">
-              <a:solidFill>
-                <a:srgbClr val="000000"/>
-              </a:solidFill>
-              <a:latin typeface="Arial" panose="020B0604020202020204" pitchFamily="34" charset="0"/>
-              <a:ea typeface="ＭＳ Ｐゴシック" panose="020B0600070205080204" pitchFamily="34" charset="-128"/>
-              <a:cs typeface="Arial" panose="020B0604020202020204" pitchFamily="34" charset="0"/>
-            </a:endParaRPr>
           </a:p>
           <a:p>
             <a:pPr marL="360000" lvl="1" indent="0" eaLnBrk="0" hangingPunct="0">
@@ -42675,7 +41899,7 @@
               <a:buNone/>
             </a:pPr>
             <a:r>
-              <a:rPr lang="en-US" altLang="en-US" sz="2000" b="0" dirty="0" smtClean="0">
+              <a:rPr lang="en-US" altLang="en-US" sz="2000" b="0" dirty="0">
                 <a:solidFill>
                   <a:srgbClr val="000000"/>
                 </a:solidFill>
@@ -42683,38 +41907,8 @@
                 <a:ea typeface="ＭＳ Ｐゴシック" panose="020B0600070205080204" pitchFamily="34" charset="-128"/>
                 <a:cs typeface="Arial" panose="020B0604020202020204" pitchFamily="34" charset="0"/>
               </a:rPr>
-              <a:t>(collectively, the </a:t>
+              <a:t>(collectively, the AIChE Ratios)</a:t>
             </a:r>
-            <a:r>
-              <a:rPr lang="en-US" altLang="en-US" sz="2000" b="0" dirty="0" err="1" smtClean="0">
-                <a:solidFill>
-                  <a:srgbClr val="000000"/>
-                </a:solidFill>
-                <a:latin typeface="Arial" panose="020B0604020202020204" pitchFamily="34" charset="0"/>
-                <a:ea typeface="ＭＳ Ｐゴシック" panose="020B0600070205080204" pitchFamily="34" charset="-128"/>
-                <a:cs typeface="Arial" panose="020B0604020202020204" pitchFamily="34" charset="0"/>
-              </a:rPr>
-              <a:t>AIChE</a:t>
-            </a:r>
-            <a:r>
-              <a:rPr lang="en-US" altLang="en-US" sz="2000" b="0" dirty="0" smtClean="0">
-                <a:solidFill>
-                  <a:srgbClr val="000000"/>
-                </a:solidFill>
-                <a:latin typeface="Arial" panose="020B0604020202020204" pitchFamily="34" charset="0"/>
-                <a:ea typeface="ＭＳ Ｐゴシック" panose="020B0600070205080204" pitchFamily="34" charset="-128"/>
-                <a:cs typeface="Arial" panose="020B0604020202020204" pitchFamily="34" charset="0"/>
-              </a:rPr>
-              <a:t> Ratios)</a:t>
-            </a:r>
-            <a:endParaRPr lang="en-US" altLang="en-US" sz="2000" b="0" dirty="0">
-              <a:solidFill>
-                <a:srgbClr val="000000"/>
-              </a:solidFill>
-              <a:latin typeface="Arial" panose="020B0604020202020204" pitchFamily="34" charset="0"/>
-              <a:ea typeface="ＭＳ Ｐゴシック" panose="020B0600070205080204" pitchFamily="34" charset="-128"/>
-              <a:cs typeface="Arial" panose="020B0604020202020204" pitchFamily="34" charset="0"/>
-            </a:endParaRPr>
           </a:p>
           <a:p>
             <a:pPr marL="360000" indent="-360000" eaLnBrk="0" hangingPunct="0">
@@ -43005,7 +42199,7 @@
               <a:buNone/>
             </a:pPr>
             <a:r>
-              <a:rPr lang="en-US" altLang="en-US" sz="2400" b="0" dirty="0" smtClean="0">
+              <a:rPr lang="en-US" altLang="en-US" sz="2400" b="0" dirty="0">
                 <a:solidFill>
                   <a:schemeClr val="accent2"/>
                 </a:solidFill>
@@ -43016,7 +42210,7 @@
               <a:t>Creating Positive Stakeholder Value – </a:t>
             </a:r>
             <a:r>
-              <a:rPr lang="en-US" altLang="en-US" sz="2400" b="0" dirty="0" err="1" smtClean="0">
+              <a:rPr lang="en-US" altLang="en-US" sz="2400" b="0" dirty="0" err="1">
                 <a:solidFill>
                   <a:schemeClr val="accent2"/>
                 </a:solidFill>
@@ -43027,7 +42221,7 @@
               <a:t>AIChE</a:t>
             </a:r>
             <a:r>
-              <a:rPr lang="en-US" altLang="en-US" sz="2400" b="0" dirty="0" smtClean="0">
+              <a:rPr lang="en-US" altLang="en-US" sz="2400" b="0" dirty="0">
                 <a:solidFill>
                   <a:schemeClr val="accent2"/>
                 </a:solidFill>
@@ -43037,14 +42231,6 @@
               </a:rPr>
               <a:t> Ratios: </a:t>
             </a:r>
-            <a:endParaRPr lang="en-US" altLang="en-US" sz="2400" b="0" dirty="0">
-              <a:solidFill>
-                <a:schemeClr val="accent2"/>
-              </a:solidFill>
-              <a:latin typeface="Arial" panose="020B0604020202020204" pitchFamily="34" charset="0"/>
-              <a:ea typeface="+mj-ea"/>
-              <a:cs typeface="Arial" panose="020B0604020202020204" pitchFamily="34" charset="0"/>
-            </a:endParaRPr>
           </a:p>
         </p:txBody>
       </p:sp>
@@ -43316,51 +42502,7 @@
                 <a:cs typeface="Arial" panose="020B0604020202020204" pitchFamily="34" charset="0"/>
                 <a:sym typeface="Times New Roman"/>
               </a:rPr>
-              <a:t>Chapter </a:t>
-            </a:r>
-            <a:r>
-              <a:rPr lang="en-US" sz="1200" i="1" kern="0" dirty="0" smtClean="0">
-                <a:solidFill>
-                  <a:srgbClr val="000000"/>
-                </a:solidFill>
-                <a:ea typeface="Times New Roman"/>
-                <a:cs typeface="Arial" panose="020B0604020202020204" pitchFamily="34" charset="0"/>
-                <a:sym typeface="Times New Roman"/>
-              </a:rPr>
-              <a:t>6.3: The </a:t>
-            </a:r>
-            <a:r>
-              <a:rPr lang="en-US" sz="1200" i="1" kern="0" dirty="0">
-                <a:solidFill>
-                  <a:srgbClr val="000000"/>
-                </a:solidFill>
-                <a:ea typeface="Times New Roman"/>
-                <a:cs typeface="Arial" panose="020B0604020202020204" pitchFamily="34" charset="0"/>
-                <a:sym typeface="Times New Roman"/>
-              </a:rPr>
-              <a:t>Business Case </a:t>
-            </a:r>
-            <a:r>
-              <a:rPr lang="en-US" sz="1200" i="1" kern="0" dirty="0" smtClean="0">
-                <a:solidFill>
-                  <a:srgbClr val="000000"/>
-                </a:solidFill>
-                <a:ea typeface="Times New Roman"/>
-                <a:cs typeface="Arial" panose="020B0604020202020204" pitchFamily="34" charset="0"/>
-                <a:sym typeface="Times New Roman"/>
-              </a:rPr>
-              <a:t>for </a:t>
-            </a:r>
-            <a:r>
-              <a:rPr lang="en-US" sz="1200" i="1" kern="0" dirty="0">
-                <a:solidFill>
-                  <a:srgbClr val="000000"/>
-                </a:solidFill>
-                <a:ea typeface="Times New Roman"/>
-                <a:cs typeface="Arial" panose="020B0604020202020204" pitchFamily="34" charset="0"/>
-                <a:sym typeface="Times New Roman"/>
-              </a:rPr>
-              <a:t>a Risk Management Program </a:t>
+              <a:t>Chapter 6.3: The Business Case for a Risk Management Program </a:t>
             </a:r>
           </a:p>
         </p:txBody>
@@ -43378,13 +42520,6 @@
   <p:transition>
     <p:fade/>
   </p:transition>
-  <p:timing>
-    <p:tnLst>
-      <p:par>
-        <p:cTn id="1" dur="indefinite" restart="never" nodeType="tmRoot"/>
-      </p:par>
-    </p:tnLst>
-  </p:timing>
 </p:sld>
 </file>
 
